--- a/TP/TP_ModelisationMultiphysique_Cheville/Synthèse_Eleve.pptx
+++ b/TP/TP_ModelisationMultiphysique_Cheville/Synthèse_Eleve.pptx
@@ -6,6 +6,7 @@
   </p:sldMasterIdLst>
   <p:sldIdLst>
     <p:sldId id="256" r:id="rId2"/>
+    <p:sldId id="257" r:id="rId3"/>
   </p:sldIdLst>
   <p:sldSz cx="12801600" cy="9601200" type="A3"/>
   <p:notesSz cx="6858000" cy="9144000"/>
@@ -288,7 +289,7 @@
           <a:p>
             <a:fld id="{AA309A6D-C09C-4548-B29A-6CF363A7E532}" type="datetimeFigureOut">
               <a:rPr lang="fr-FR" smtClean="0"/>
-              <a:t>18/09/2015</a:t>
+              <a:t>23/09/2015</a:t>
             </a:fld>
             <a:endParaRPr lang="fr-BE"/>
           </a:p>
@@ -453,7 +454,7 @@
           <a:p>
             <a:fld id="{AA309A6D-C09C-4548-B29A-6CF363A7E532}" type="datetimeFigureOut">
               <a:rPr lang="fr-FR" smtClean="0"/>
-              <a:t>18/09/2015</a:t>
+              <a:t>23/09/2015</a:t>
             </a:fld>
             <a:endParaRPr lang="fr-BE"/>
           </a:p>
@@ -628,7 +629,7 @@
           <a:p>
             <a:fld id="{AA309A6D-C09C-4548-B29A-6CF363A7E532}" type="datetimeFigureOut">
               <a:rPr lang="fr-FR" smtClean="0"/>
-              <a:t>18/09/2015</a:t>
+              <a:t>23/09/2015</a:t>
             </a:fld>
             <a:endParaRPr lang="fr-BE"/>
           </a:p>
@@ -793,7 +794,7 @@
           <a:p>
             <a:fld id="{AA309A6D-C09C-4548-B29A-6CF363A7E532}" type="datetimeFigureOut">
               <a:rPr lang="fr-FR" smtClean="0"/>
-              <a:t>18/09/2015</a:t>
+              <a:t>23/09/2015</a:t>
             </a:fld>
             <a:endParaRPr lang="fr-BE"/>
           </a:p>
@@ -1034,7 +1035,7 @@
           <a:p>
             <a:fld id="{AA309A6D-C09C-4548-B29A-6CF363A7E532}" type="datetimeFigureOut">
               <a:rPr lang="fr-FR" smtClean="0"/>
-              <a:t>18/09/2015</a:t>
+              <a:t>23/09/2015</a:t>
             </a:fld>
             <a:endParaRPr lang="fr-BE"/>
           </a:p>
@@ -1317,7 +1318,7 @@
           <a:p>
             <a:fld id="{AA309A6D-C09C-4548-B29A-6CF363A7E532}" type="datetimeFigureOut">
               <a:rPr lang="fr-FR" smtClean="0"/>
-              <a:t>18/09/2015</a:t>
+              <a:t>23/09/2015</a:t>
             </a:fld>
             <a:endParaRPr lang="fr-BE"/>
           </a:p>
@@ -1734,7 +1735,7 @@
           <a:p>
             <a:fld id="{AA309A6D-C09C-4548-B29A-6CF363A7E532}" type="datetimeFigureOut">
               <a:rPr lang="fr-FR" smtClean="0"/>
-              <a:t>18/09/2015</a:t>
+              <a:t>23/09/2015</a:t>
             </a:fld>
             <a:endParaRPr lang="fr-BE"/>
           </a:p>
@@ -1847,7 +1848,7 @@
           <a:p>
             <a:fld id="{AA309A6D-C09C-4548-B29A-6CF363A7E532}" type="datetimeFigureOut">
               <a:rPr lang="fr-FR" smtClean="0"/>
-              <a:t>18/09/2015</a:t>
+              <a:t>23/09/2015</a:t>
             </a:fld>
             <a:endParaRPr lang="fr-BE"/>
           </a:p>
@@ -1937,7 +1938,7 @@
           <a:p>
             <a:fld id="{AA309A6D-C09C-4548-B29A-6CF363A7E532}" type="datetimeFigureOut">
               <a:rPr lang="fr-FR" smtClean="0"/>
-              <a:t>18/09/2015</a:t>
+              <a:t>23/09/2015</a:t>
             </a:fld>
             <a:endParaRPr lang="fr-BE"/>
           </a:p>
@@ -2209,7 +2210,7 @@
           <a:p>
             <a:fld id="{AA309A6D-C09C-4548-B29A-6CF363A7E532}" type="datetimeFigureOut">
               <a:rPr lang="fr-FR" smtClean="0"/>
-              <a:t>18/09/2015</a:t>
+              <a:t>23/09/2015</a:t>
             </a:fld>
             <a:endParaRPr lang="fr-BE"/>
           </a:p>
@@ -2457,7 +2458,7 @@
           <a:p>
             <a:fld id="{AA309A6D-C09C-4548-B29A-6CF363A7E532}" type="datetimeFigureOut">
               <a:rPr lang="fr-FR" smtClean="0"/>
-              <a:t>18/09/2015</a:t>
+              <a:t>23/09/2015</a:t>
             </a:fld>
             <a:endParaRPr lang="fr-BE"/>
           </a:p>
@@ -2665,7 +2666,7 @@
           <a:p>
             <a:fld id="{AA309A6D-C09C-4548-B29A-6CF363A7E532}" type="datetimeFigureOut">
               <a:rPr lang="fr-FR" smtClean="0"/>
-              <a:t>18/09/2015</a:t>
+              <a:t>23/09/2015</a:t>
             </a:fld>
             <a:endParaRPr lang="fr-BE"/>
           </a:p>
@@ -4485,7 +4486,7 @@
           <p:nvPr>
             <p:extLst>
               <p:ext uri="{D42A27DB-BD31-4B8C-83A1-F6EECF244321}">
-                <p14:modId xmlns:p14="http://schemas.microsoft.com/office/powerpoint/2010/main" val="1712836791"/>
+                <p14:modId xmlns:p14="http://schemas.microsoft.com/office/powerpoint/2010/main" val="4218813404"/>
               </p:ext>
             </p:extLst>
           </p:nvPr>
@@ -4580,7 +4581,7 @@
                             <a:schemeClr val="tx1"/>
                           </a:solidFill>
                         </a:rPr>
-                        <a:t>1</a:t>
+                        <a:t>1 – </a:t>
                       </a:r>
                       <a:endParaRPr lang="fr-FR" sz="1200" b="0" dirty="0">
                         <a:solidFill>
@@ -4642,7 +4643,7 @@
                             <a:schemeClr val="tx1"/>
                           </a:solidFill>
                         </a:rPr>
-                        <a:t>2</a:t>
+                        <a:t>2 – </a:t>
                       </a:r>
                       <a:endParaRPr lang="fr-FR" sz="1200" b="0" dirty="0">
                         <a:solidFill>
@@ -4704,7 +4705,7 @@
                             <a:schemeClr val="tx1"/>
                           </a:solidFill>
                         </a:rPr>
-                        <a:t>3</a:t>
+                        <a:t>3 – </a:t>
                       </a:r>
                       <a:endParaRPr lang="fr-FR" sz="1200" b="0" dirty="0">
                         <a:solidFill>
@@ -4818,7 +4819,7 @@
                             <a:schemeClr val="tx1"/>
                           </a:solidFill>
                         </a:rPr>
-                        <a:t>4</a:t>
+                        <a:t>4 – </a:t>
                       </a:r>
                       <a:endParaRPr lang="fr-FR" sz="1200" b="0" dirty="0">
                         <a:solidFill>
@@ -4880,7 +4881,7 @@
                             <a:schemeClr val="tx1"/>
                           </a:solidFill>
                         </a:rPr>
-                        <a:t>5</a:t>
+                        <a:t>5 – </a:t>
                       </a:r>
                       <a:endParaRPr lang="fr-FR" sz="1200" b="0" dirty="0">
                         <a:solidFill>
@@ -4942,7 +4943,7 @@
                             <a:schemeClr val="tx1"/>
                           </a:solidFill>
                         </a:rPr>
-                        <a:t>6</a:t>
+                        <a:t>6 – </a:t>
                       </a:r>
                       <a:endParaRPr lang="fr-FR" sz="1200" b="0" dirty="0">
                         <a:solidFill>
@@ -5007,7 +5008,7 @@
           <p:nvPr>
             <p:extLst>
               <p:ext uri="{D42A27DB-BD31-4B8C-83A1-F6EECF244321}">
-                <p14:modId xmlns:p14="http://schemas.microsoft.com/office/powerpoint/2010/main" val="1926061941"/>
+                <p14:modId xmlns:p14="http://schemas.microsoft.com/office/powerpoint/2010/main" val="2049958643"/>
               </p:ext>
             </p:extLst>
           </p:nvPr>
@@ -5104,7 +5105,23 @@
                         </a:rPr>
                         <a:t>A</a:t>
                       </a:r>
-                      <a:endParaRPr lang="fr-FR" sz="1200" b="0" dirty="0">
+                      <a:r>
+                        <a:rPr lang="fr-FR" sz="1200" b="0" baseline="0" dirty="0" smtClean="0">
+                          <a:solidFill>
+                            <a:schemeClr val="tx1"/>
+                          </a:solidFill>
+                        </a:rPr>
+                        <a:t> – </a:t>
+                      </a:r>
+                      <a:r>
+                        <a:rPr lang="fr-FR" sz="1200" b="1" baseline="0" dirty="0" smtClean="0">
+                          <a:solidFill>
+                            <a:schemeClr val="tx1"/>
+                          </a:solidFill>
+                        </a:rPr>
+                        <a:t>Entrées </a:t>
+                      </a:r>
+                      <a:endParaRPr lang="fr-FR" sz="1200" b="1" dirty="0">
                         <a:solidFill>
                           <a:schemeClr val="tx1"/>
                         </a:solidFill>
@@ -5164,7 +5181,7 @@
                             <a:schemeClr val="tx1"/>
                           </a:solidFill>
                         </a:rPr>
-                        <a:t>B</a:t>
+                        <a:t>B – </a:t>
                       </a:r>
                       <a:endParaRPr lang="fr-FR" sz="1200" b="0" dirty="0">
                         <a:solidFill>
@@ -5226,7 +5243,7 @@
                             <a:schemeClr val="tx1"/>
                           </a:solidFill>
                         </a:rPr>
-                        <a:t>C</a:t>
+                        <a:t>C – </a:t>
                       </a:r>
                       <a:endParaRPr lang="fr-FR" sz="1200" b="0" dirty="0">
                         <a:solidFill>
@@ -5340,7 +5357,7 @@
                             <a:schemeClr val="tx1"/>
                           </a:solidFill>
                         </a:rPr>
-                        <a:t>D</a:t>
+                        <a:t>D – </a:t>
                       </a:r>
                       <a:endParaRPr lang="fr-FR" sz="1200" b="0" dirty="0">
                         <a:solidFill>
@@ -5402,7 +5419,7 @@
                             <a:schemeClr val="tx1"/>
                           </a:solidFill>
                         </a:rPr>
-                        <a:t>E</a:t>
+                        <a:t>E – </a:t>
                       </a:r>
                       <a:endParaRPr lang="fr-FR" sz="1200" b="0" dirty="0">
                         <a:solidFill>
@@ -5464,7 +5481,7 @@
                             <a:schemeClr val="tx1"/>
                           </a:solidFill>
                         </a:rPr>
-                        <a:t>F</a:t>
+                        <a:t>F – </a:t>
                       </a:r>
                       <a:endParaRPr lang="fr-FR" sz="1200" b="0" dirty="0">
                         <a:solidFill>
@@ -10532,6 +10549,8623 @@
     <p:extLst>
       <p:ext uri="{BB962C8B-B14F-4D97-AF65-F5344CB8AC3E}">
         <p14:creationId xmlns:p14="http://schemas.microsoft.com/office/powerpoint/2010/main" val="1063389510"/>
+      </p:ext>
+    </p:extLst>
+  </p:cSld>
+  <p:clrMapOvr>
+    <a:masterClrMapping/>
+  </p:clrMapOvr>
+</p:sld>
+</file>
+
+<file path=ppt/slides/slide2.xml><?xml version="1.0" encoding="utf-8"?>
+<p:sld xmlns:a="http://schemas.openxmlformats.org/drawingml/2006/main" xmlns:r="http://schemas.openxmlformats.org/officeDocument/2006/relationships" xmlns:p="http://schemas.openxmlformats.org/presentationml/2006/main">
+  <p:cSld>
+    <p:spTree>
+      <p:nvGrpSpPr>
+        <p:cNvPr id="1" name=""/>
+        <p:cNvGrpSpPr/>
+        <p:nvPr/>
+      </p:nvGrpSpPr>
+      <p:grpSpPr>
+        <a:xfrm>
+          <a:off x="0" y="0"/>
+          <a:ext cx="0" cy="0"/>
+          <a:chOff x="0" y="0"/>
+          <a:chExt cx="0" cy="0"/>
+        </a:xfrm>
+      </p:grpSpPr>
+      <p:pic>
+        <p:nvPicPr>
+          <p:cNvPr id="39" name="Picture 3"/>
+          <p:cNvPicPr>
+            <a:picLocks noChangeAspect="1" noChangeArrowheads="1"/>
+          </p:cNvPicPr>
+          <p:nvPr/>
+        </p:nvPicPr>
+        <p:blipFill>
+          <a:blip r:embed="rId2" cstate="print">
+            <a:extLst>
+              <a:ext uri="{28A0092B-C50C-407E-A947-70E740481C1C}">
+                <a14:useLocalDpi xmlns:a14="http://schemas.microsoft.com/office/drawing/2010/main" val="0"/>
+              </a:ext>
+            </a:extLst>
+          </a:blip>
+          <a:srcRect/>
+          <a:stretch>
+            <a:fillRect/>
+          </a:stretch>
+        </p:blipFill>
+        <p:spPr bwMode="auto">
+          <a:xfrm>
+            <a:off x="585959" y="1148367"/>
+            <a:ext cx="5362286" cy="1166419"/>
+          </a:xfrm>
+          <a:prstGeom prst="rect">
+            <a:avLst/>
+          </a:prstGeom>
+          <a:noFill/>
+          <a:ln>
+            <a:noFill/>
+          </a:ln>
+          <a:effectLst/>
+          <a:extLst>
+            <a:ext uri="{909E8E84-426E-40DD-AFC4-6F175D3DCCD1}">
+              <a14:hiddenFill xmlns:a14="http://schemas.microsoft.com/office/drawing/2010/main">
+                <a:solidFill>
+                  <a:schemeClr val="accent1"/>
+                </a:solidFill>
+              </a14:hiddenFill>
+            </a:ext>
+            <a:ext uri="{91240B29-F687-4F45-9708-019B960494DF}">
+              <a14:hiddenLine xmlns:a14="http://schemas.microsoft.com/office/drawing/2010/main" w="9525">
+                <a:solidFill>
+                  <a:schemeClr val="tx1"/>
+                </a:solidFill>
+                <a:miter lim="800000"/>
+                <a:headEnd/>
+                <a:tailEnd/>
+              </a14:hiddenLine>
+            </a:ext>
+            <a:ext uri="{AF507438-7753-43E0-B8FC-AC1667EBCBE1}">
+              <a14:hiddenEffects xmlns:a14="http://schemas.microsoft.com/office/drawing/2010/main">
+                <a:effectLst>
+                  <a:outerShdw dist="35921" dir="2700000" algn="ctr" rotWithShape="0">
+                    <a:schemeClr val="bg2"/>
+                  </a:outerShdw>
+                </a:effectLst>
+              </a14:hiddenEffects>
+            </a:ext>
+          </a:extLst>
+        </p:spPr>
+      </p:pic>
+      <p:sp>
+        <p:nvSpPr>
+          <p:cNvPr id="5" name="Rectangle à coins arrondis 4"/>
+          <p:cNvSpPr/>
+          <p:nvPr/>
+        </p:nvSpPr>
+        <p:spPr>
+          <a:xfrm>
+            <a:off x="-511968" y="158616"/>
+            <a:ext cx="13681520" cy="789237"/>
+          </a:xfrm>
+          <a:prstGeom prst="roundRect">
+            <a:avLst>
+              <a:gd name="adj" fmla="val 35372"/>
+            </a:avLst>
+          </a:prstGeom>
+          <a:solidFill>
+            <a:schemeClr val="bg1">
+              <a:alpha val="80000"/>
+            </a:schemeClr>
+          </a:solidFill>
+          <a:ln w="38100">
+            <a:solidFill>
+              <a:schemeClr val="accent5">
+                <a:lumMod val="50000"/>
+              </a:schemeClr>
+            </a:solidFill>
+          </a:ln>
+        </p:spPr>
+        <p:style>
+          <a:lnRef idx="2">
+            <a:schemeClr val="accent1">
+              <a:shade val="50000"/>
+            </a:schemeClr>
+          </a:lnRef>
+          <a:fillRef idx="1">
+            <a:schemeClr val="accent1"/>
+          </a:fillRef>
+          <a:effectRef idx="0">
+            <a:schemeClr val="accent1"/>
+          </a:effectRef>
+          <a:fontRef idx="minor">
+            <a:schemeClr val="lt1"/>
+          </a:fontRef>
+        </p:style>
+        <p:txBody>
+          <a:bodyPr wrap="square" lIns="1656000" rIns="360000" rtlCol="0" anchor="ctr"/>
+          <a:lstStyle/>
+          <a:p>
+            <a:pPr algn="just">
+              <a:lnSpc>
+                <a:spcPct val="115000"/>
+              </a:lnSpc>
+              <a:spcAft>
+                <a:spcPts val="0"/>
+              </a:spcAft>
+            </a:pPr>
+            <a:r>
+              <a:rPr lang="fr-FR" sz="1000">
+                <a:effectLst/>
+                <a:ea typeface="Calibri"/>
+                <a:cs typeface="Times New Roman"/>
+              </a:rPr>
+              <a:t> </a:t>
+            </a:r>
+          </a:p>
+        </p:txBody>
+      </p:sp>
+      <p:sp>
+        <p:nvSpPr>
+          <p:cNvPr id="6" name="Zone de texte 18"/>
+          <p:cNvSpPr txBox="1"/>
+          <p:nvPr/>
+        </p:nvSpPr>
+        <p:spPr>
+          <a:xfrm>
+            <a:off x="2081288" y="157654"/>
+            <a:ext cx="4175496" cy="789237"/>
+          </a:xfrm>
+          <a:prstGeom prst="rect">
+            <a:avLst/>
+          </a:prstGeom>
+          <a:noFill/>
+          <a:ln w="6350">
+            <a:noFill/>
+          </a:ln>
+          <a:effectLst/>
+        </p:spPr>
+        <p:style>
+          <a:lnRef idx="0">
+            <a:schemeClr val="accent1"/>
+          </a:lnRef>
+          <a:fillRef idx="0">
+            <a:schemeClr val="accent1"/>
+          </a:fillRef>
+          <a:effectRef idx="0">
+            <a:schemeClr val="accent1"/>
+          </a:effectRef>
+          <a:fontRef idx="minor">
+            <a:schemeClr val="dk1"/>
+          </a:fontRef>
+        </p:style>
+        <p:txBody>
+          <a:bodyPr rot="0" spcFirstLastPara="0" vert="horz" wrap="square" lIns="0" tIns="0" rIns="0" bIns="0" numCol="1" spcCol="0" rtlCol="0" fromWordArt="0" anchor="ctr" anchorCtr="0" forceAA="0" compatLnSpc="1">
+            <a:prstTxWarp prst="textNoShape">
+              <a:avLst/>
+            </a:prstTxWarp>
+            <a:noAutofit/>
+          </a:bodyPr>
+          <a:lstStyle/>
+          <a:p>
+            <a:pPr algn="r">
+              <a:lnSpc>
+                <a:spcPct val="150000"/>
+              </a:lnSpc>
+              <a:spcAft>
+                <a:spcPts val="0"/>
+              </a:spcAft>
+            </a:pPr>
+            <a:r>
+              <a:rPr lang="fr-FR" sz="1600" b="1" cap="small" dirty="0">
+                <a:solidFill>
+                  <a:srgbClr val="215868"/>
+                </a:solidFill>
+                <a:effectLst/>
+                <a:latin typeface="Tw Cen MT"/>
+                <a:ea typeface="Calibri"/>
+                <a:cs typeface="Times New Roman"/>
+              </a:rPr>
+              <a:t>Analyse, Modélisation et Expérimentation des Systèmes Asservis</a:t>
+            </a:r>
+            <a:endParaRPr lang="fr-FR" sz="1000" dirty="0">
+              <a:effectLst/>
+              <a:ea typeface="Calibri"/>
+              <a:cs typeface="Times New Roman"/>
+            </a:endParaRPr>
+          </a:p>
+        </p:txBody>
+      </p:sp>
+      <p:sp>
+        <p:nvSpPr>
+          <p:cNvPr id="7" name="Zone de texte 19"/>
+          <p:cNvSpPr txBox="1"/>
+          <p:nvPr/>
+        </p:nvSpPr>
+        <p:spPr>
+          <a:xfrm rot="16200000">
+            <a:off x="-260728" y="303391"/>
+            <a:ext cx="997584" cy="508000"/>
+          </a:xfrm>
+          <a:prstGeom prst="rect">
+            <a:avLst/>
+          </a:prstGeom>
+          <a:noFill/>
+          <a:ln w="6350">
+            <a:noFill/>
+          </a:ln>
+          <a:effectLst/>
+        </p:spPr>
+        <p:style>
+          <a:lnRef idx="0">
+            <a:schemeClr val="accent1"/>
+          </a:lnRef>
+          <a:fillRef idx="0">
+            <a:schemeClr val="accent1"/>
+          </a:fillRef>
+          <a:effectRef idx="0">
+            <a:schemeClr val="accent1"/>
+          </a:effectRef>
+          <a:fontRef idx="minor">
+            <a:schemeClr val="dk1"/>
+          </a:fontRef>
+        </p:style>
+        <p:txBody>
+          <a:bodyPr rot="0" spcFirstLastPara="0" vert="horz" wrap="square" lIns="0" tIns="0" rIns="0" bIns="0" numCol="1" spcCol="0" rtlCol="0" fromWordArt="0" anchor="ctr" anchorCtr="0" forceAA="0" compatLnSpc="1">
+            <a:prstTxWarp prst="textNoShape">
+              <a:avLst/>
+            </a:prstTxWarp>
+            <a:noAutofit/>
+          </a:bodyPr>
+          <a:lstStyle/>
+          <a:p>
+            <a:pPr algn="ctr">
+              <a:lnSpc>
+                <a:spcPct val="150000"/>
+              </a:lnSpc>
+              <a:spcAft>
+                <a:spcPts val="0"/>
+              </a:spcAft>
+            </a:pPr>
+            <a:r>
+              <a:rPr lang="fr-FR" sz="1600" b="1" cap="small" dirty="0">
+                <a:solidFill>
+                  <a:srgbClr val="215868"/>
+                </a:solidFill>
+                <a:effectLst/>
+                <a:latin typeface="Tw Cen MT"/>
+                <a:ea typeface="Calibri"/>
+                <a:cs typeface="Times New Roman"/>
+              </a:rPr>
+              <a:t>Cycle 2</a:t>
+            </a:r>
+            <a:endParaRPr lang="fr-FR" sz="1000" dirty="0">
+              <a:effectLst/>
+              <a:ea typeface="Calibri"/>
+              <a:cs typeface="Times New Roman"/>
+            </a:endParaRPr>
+          </a:p>
+        </p:txBody>
+      </p:sp>
+      <p:sp>
+        <p:nvSpPr>
+          <p:cNvPr id="8" name="Zone de texte 11"/>
+          <p:cNvSpPr txBox="1"/>
+          <p:nvPr/>
+        </p:nvSpPr>
+        <p:spPr>
+          <a:xfrm>
+            <a:off x="208112" y="299550"/>
+            <a:ext cx="1080770" cy="507365"/>
+          </a:xfrm>
+          <a:prstGeom prst="rect">
+            <a:avLst/>
+          </a:prstGeom>
+          <a:noFill/>
+          <a:ln w="6350">
+            <a:noFill/>
+          </a:ln>
+          <a:effectLst/>
+        </p:spPr>
+        <p:style>
+          <a:lnRef idx="0">
+            <a:schemeClr val="accent1"/>
+          </a:lnRef>
+          <a:fillRef idx="0">
+            <a:schemeClr val="accent1"/>
+          </a:fillRef>
+          <a:effectRef idx="0">
+            <a:schemeClr val="accent1"/>
+          </a:effectRef>
+          <a:fontRef idx="minor">
+            <a:schemeClr val="dk1"/>
+          </a:fontRef>
+        </p:style>
+        <p:txBody>
+          <a:bodyPr rot="0" spcFirstLastPara="0" vert="horz" wrap="square" lIns="0" tIns="0" rIns="0" bIns="0" numCol="1" spcCol="0" rtlCol="0" fromWordArt="0" anchor="ctr" anchorCtr="0" forceAA="0" compatLnSpc="1">
+            <a:prstTxWarp prst="textNoShape">
+              <a:avLst/>
+            </a:prstTxWarp>
+            <a:noAutofit/>
+          </a:bodyPr>
+          <a:lstStyle/>
+          <a:p>
+            <a:pPr algn="ctr">
+              <a:lnSpc>
+                <a:spcPct val="150000"/>
+              </a:lnSpc>
+              <a:spcAft>
+                <a:spcPts val="0"/>
+              </a:spcAft>
+            </a:pPr>
+            <a:r>
+              <a:rPr lang="fr-FR" sz="2200" b="1" cap="small" dirty="0">
+                <a:solidFill>
+                  <a:srgbClr val="215868"/>
+                </a:solidFill>
+                <a:effectLst/>
+                <a:latin typeface="Tw Cen MT"/>
+                <a:ea typeface="Calibri"/>
+              </a:rPr>
+              <a:t>PTSI</a:t>
+            </a:r>
+            <a:endParaRPr lang="fr-FR" sz="1200" dirty="0">
+              <a:effectLst/>
+              <a:latin typeface="Times New Roman"/>
+              <a:ea typeface="Times New Roman"/>
+            </a:endParaRPr>
+          </a:p>
+        </p:txBody>
+      </p:sp>
+      <p:pic>
+        <p:nvPicPr>
+          <p:cNvPr id="4" name="Image 3" descr="C:\Users\Xavier\Desktop\Cours_OK\png\logo_lycee.png"/>
+          <p:cNvPicPr/>
+          <p:nvPr/>
+        </p:nvPicPr>
+        <p:blipFill>
+          <a:blip r:embed="rId3" cstate="print">
+            <a:extLst>
+              <a:ext uri="{28A0092B-C50C-407E-A947-70E740481C1C}">
+                <a14:useLocalDpi xmlns:a14="http://schemas.microsoft.com/office/drawing/2010/main" val="0"/>
+              </a:ext>
+            </a:extLst>
+          </a:blip>
+          <a:srcRect/>
+          <a:stretch>
+            <a:fillRect/>
+          </a:stretch>
+        </p:blipFill>
+        <p:spPr bwMode="auto">
+          <a:xfrm>
+            <a:off x="1144216" y="158616"/>
+            <a:ext cx="960935" cy="789237"/>
+          </a:xfrm>
+          <a:prstGeom prst="rect">
+            <a:avLst/>
+          </a:prstGeom>
+          <a:noFill/>
+          <a:ln>
+            <a:noFill/>
+          </a:ln>
+        </p:spPr>
+      </p:pic>
+      <p:cxnSp>
+        <p:nvCxnSpPr>
+          <p:cNvPr id="9" name="Connecteur droit 8"/>
+          <p:cNvCxnSpPr/>
+          <p:nvPr/>
+        </p:nvCxnSpPr>
+        <p:spPr>
+          <a:xfrm>
+            <a:off x="6400800" y="169343"/>
+            <a:ext cx="0" cy="778510"/>
+          </a:xfrm>
+          <a:prstGeom prst="line">
+            <a:avLst/>
+          </a:prstGeom>
+          <a:solidFill>
+            <a:schemeClr val="bg1">
+              <a:alpha val="80000"/>
+            </a:schemeClr>
+          </a:solidFill>
+          <a:ln w="38100">
+            <a:solidFill>
+              <a:schemeClr val="accent5">
+                <a:lumMod val="50000"/>
+              </a:schemeClr>
+            </a:solidFill>
+          </a:ln>
+        </p:spPr>
+        <p:style>
+          <a:lnRef idx="2">
+            <a:schemeClr val="accent1">
+              <a:shade val="50000"/>
+            </a:schemeClr>
+          </a:lnRef>
+          <a:fillRef idx="1">
+            <a:schemeClr val="accent1"/>
+          </a:fillRef>
+          <a:effectRef idx="0">
+            <a:schemeClr val="accent1"/>
+          </a:effectRef>
+          <a:fontRef idx="minor">
+            <a:schemeClr val="lt1"/>
+          </a:fontRef>
+        </p:style>
+      </p:cxnSp>
+      <p:sp>
+        <p:nvSpPr>
+          <p:cNvPr id="10" name="Zone de texte 18"/>
+          <p:cNvSpPr txBox="1"/>
+          <p:nvPr/>
+        </p:nvSpPr>
+        <p:spPr>
+          <a:xfrm>
+            <a:off x="6544816" y="169343"/>
+            <a:ext cx="5040560" cy="789237"/>
+          </a:xfrm>
+          <a:prstGeom prst="rect">
+            <a:avLst/>
+          </a:prstGeom>
+          <a:noFill/>
+          <a:ln w="6350">
+            <a:noFill/>
+          </a:ln>
+          <a:effectLst/>
+        </p:spPr>
+        <p:style>
+          <a:lnRef idx="0">
+            <a:schemeClr val="accent1"/>
+          </a:lnRef>
+          <a:fillRef idx="0">
+            <a:schemeClr val="accent1"/>
+          </a:fillRef>
+          <a:effectRef idx="0">
+            <a:schemeClr val="accent1"/>
+          </a:effectRef>
+          <a:fontRef idx="minor">
+            <a:schemeClr val="dk1"/>
+          </a:fontRef>
+        </p:style>
+        <p:txBody>
+          <a:bodyPr rot="0" spcFirstLastPara="0" vert="horz" wrap="square" lIns="0" tIns="0" rIns="0" bIns="0" numCol="1" spcCol="0" rtlCol="0" fromWordArt="0" anchor="ctr" anchorCtr="0" forceAA="0" compatLnSpc="1">
+            <a:prstTxWarp prst="textNoShape">
+              <a:avLst/>
+            </a:prstTxWarp>
+            <a:noAutofit/>
+          </a:bodyPr>
+          <a:lstStyle/>
+          <a:p>
+            <a:pPr>
+              <a:lnSpc>
+                <a:spcPct val="150000"/>
+              </a:lnSpc>
+              <a:spcAft>
+                <a:spcPts val="0"/>
+              </a:spcAft>
+            </a:pPr>
+            <a:r>
+              <a:rPr lang="fr-FR" sz="1400" b="1" cap="small" dirty="0" smtClean="0">
+                <a:solidFill>
+                  <a:srgbClr val="215868"/>
+                </a:solidFill>
+                <a:effectLst/>
+                <a:latin typeface="Tw Cen MT"/>
+                <a:ea typeface="Calibri"/>
+                <a:cs typeface="Times New Roman"/>
+              </a:rPr>
+              <a:t>Synthèse de TP –</a:t>
+            </a:r>
+            <a:r>
+              <a:rPr lang="fr-FR" sz="1400" b="1" cap="small" dirty="0">
+                <a:solidFill>
+                  <a:srgbClr val="215868"/>
+                </a:solidFill>
+                <a:latin typeface="Tw Cen MT"/>
+                <a:ea typeface="Calibri"/>
+                <a:cs typeface="Times New Roman"/>
+              </a:rPr>
+              <a:t> </a:t>
+            </a:r>
+            <a:r>
+              <a:rPr lang="fr-FR" sz="1400" b="1" cap="small" dirty="0" smtClean="0">
+                <a:solidFill>
+                  <a:srgbClr val="215868"/>
+                </a:solidFill>
+                <a:latin typeface="Tw Cen MT"/>
+                <a:ea typeface="Calibri"/>
+                <a:cs typeface="Times New Roman"/>
+              </a:rPr>
+              <a:t>Découverte de la modélisation Multiphysique  Cheville du robot NAO</a:t>
+            </a:r>
+            <a:endParaRPr lang="fr-FR" sz="900" dirty="0">
+              <a:effectLst/>
+              <a:ea typeface="Calibri"/>
+              <a:cs typeface="Times New Roman"/>
+            </a:endParaRPr>
+          </a:p>
+        </p:txBody>
+      </p:sp>
+      <p:pic>
+        <p:nvPicPr>
+          <p:cNvPr id="11" name="Image 10"/>
+          <p:cNvPicPr/>
+          <p:nvPr/>
+        </p:nvPicPr>
+        <p:blipFill>
+          <a:blip r:embed="rId4"/>
+          <a:stretch>
+            <a:fillRect/>
+          </a:stretch>
+        </p:blipFill>
+        <p:spPr>
+          <a:xfrm>
+            <a:off x="11369352" y="158616"/>
+            <a:ext cx="1152128" cy="801574"/>
+          </a:xfrm>
+          <a:prstGeom prst="rect">
+            <a:avLst/>
+          </a:prstGeom>
+          <a:ln>
+            <a:noFill/>
+          </a:ln>
+          <a:effectLst>
+            <a:outerShdw blurRad="292100" dist="139700" dir="2700000" algn="tl" rotWithShape="0">
+              <a:srgbClr val="333333">
+                <a:alpha val="65000"/>
+              </a:srgbClr>
+            </a:outerShdw>
+          </a:effectLst>
+        </p:spPr>
+      </p:pic>
+      <p:sp>
+        <p:nvSpPr>
+          <p:cNvPr id="13" name="Rectangle 12"/>
+          <p:cNvSpPr/>
+          <p:nvPr/>
+        </p:nvSpPr>
+        <p:spPr>
+          <a:xfrm>
+            <a:off x="2868395" y="1175078"/>
+            <a:ext cx="497814" cy="288032"/>
+          </a:xfrm>
+          <a:prstGeom prst="rect">
+            <a:avLst/>
+          </a:prstGeom>
+          <a:noFill/>
+          <a:ln>
+            <a:solidFill>
+              <a:srgbClr val="FF0000"/>
+            </a:solidFill>
+            <a:prstDash val="dash"/>
+          </a:ln>
+        </p:spPr>
+        <p:style>
+          <a:lnRef idx="2">
+            <a:schemeClr val="accent1">
+              <a:shade val="50000"/>
+            </a:schemeClr>
+          </a:lnRef>
+          <a:fillRef idx="1">
+            <a:schemeClr val="accent1"/>
+          </a:fillRef>
+          <a:effectRef idx="0">
+            <a:schemeClr val="accent1"/>
+          </a:effectRef>
+          <a:fontRef idx="minor">
+            <a:schemeClr val="lt1"/>
+          </a:fontRef>
+        </p:style>
+        <p:txBody>
+          <a:bodyPr rtlCol="0" anchor="ctr"/>
+          <a:lstStyle/>
+          <a:p>
+            <a:pPr algn="ctr"/>
+            <a:endParaRPr lang="fr-FR"/>
+          </a:p>
+        </p:txBody>
+      </p:sp>
+      <p:sp>
+        <p:nvSpPr>
+          <p:cNvPr id="16" name="Rectangle 15"/>
+          <p:cNvSpPr/>
+          <p:nvPr/>
+        </p:nvSpPr>
+        <p:spPr>
+          <a:xfrm>
+            <a:off x="2965229" y="1888072"/>
+            <a:ext cx="301873" cy="291127"/>
+          </a:xfrm>
+          <a:prstGeom prst="rect">
+            <a:avLst/>
+          </a:prstGeom>
+          <a:noFill/>
+          <a:ln>
+            <a:solidFill>
+              <a:srgbClr val="FF0000"/>
+            </a:solidFill>
+            <a:prstDash val="dash"/>
+          </a:ln>
+        </p:spPr>
+        <p:style>
+          <a:lnRef idx="2">
+            <a:schemeClr val="accent1">
+              <a:shade val="50000"/>
+            </a:schemeClr>
+          </a:lnRef>
+          <a:fillRef idx="1">
+            <a:schemeClr val="accent1"/>
+          </a:fillRef>
+          <a:effectRef idx="0">
+            <a:schemeClr val="accent1"/>
+          </a:effectRef>
+          <a:fontRef idx="minor">
+            <a:schemeClr val="lt1"/>
+          </a:fontRef>
+        </p:style>
+        <p:txBody>
+          <a:bodyPr rtlCol="0" anchor="ctr"/>
+          <a:lstStyle/>
+          <a:p>
+            <a:pPr algn="ctr"/>
+            <a:endParaRPr lang="fr-FR"/>
+          </a:p>
+        </p:txBody>
+      </p:sp>
+      <p:sp>
+        <p:nvSpPr>
+          <p:cNvPr id="17" name="Rectangle 16"/>
+          <p:cNvSpPr/>
+          <p:nvPr/>
+        </p:nvSpPr>
+        <p:spPr>
+          <a:xfrm>
+            <a:off x="3448472" y="1374127"/>
+            <a:ext cx="360040" cy="396961"/>
+          </a:xfrm>
+          <a:prstGeom prst="rect">
+            <a:avLst/>
+          </a:prstGeom>
+          <a:noFill/>
+          <a:ln>
+            <a:solidFill>
+              <a:srgbClr val="FF0000"/>
+            </a:solidFill>
+            <a:prstDash val="dash"/>
+          </a:ln>
+        </p:spPr>
+        <p:style>
+          <a:lnRef idx="2">
+            <a:schemeClr val="accent1">
+              <a:shade val="50000"/>
+            </a:schemeClr>
+          </a:lnRef>
+          <a:fillRef idx="1">
+            <a:schemeClr val="accent1"/>
+          </a:fillRef>
+          <a:effectRef idx="0">
+            <a:schemeClr val="accent1"/>
+          </a:effectRef>
+          <a:fontRef idx="minor">
+            <a:schemeClr val="lt1"/>
+          </a:fontRef>
+        </p:style>
+        <p:txBody>
+          <a:bodyPr rtlCol="0" anchor="ctr"/>
+          <a:lstStyle/>
+          <a:p>
+            <a:pPr algn="ctr"/>
+            <a:endParaRPr lang="fr-FR"/>
+          </a:p>
+        </p:txBody>
+      </p:sp>
+      <p:sp>
+        <p:nvSpPr>
+          <p:cNvPr id="18" name="Rectangle 17"/>
+          <p:cNvSpPr/>
+          <p:nvPr/>
+        </p:nvSpPr>
+        <p:spPr>
+          <a:xfrm>
+            <a:off x="545152" y="1474699"/>
+            <a:ext cx="283952" cy="864096"/>
+          </a:xfrm>
+          <a:prstGeom prst="rect">
+            <a:avLst/>
+          </a:prstGeom>
+          <a:noFill/>
+          <a:ln>
+            <a:solidFill>
+              <a:srgbClr val="FF0000"/>
+            </a:solidFill>
+            <a:prstDash val="dash"/>
+          </a:ln>
+        </p:spPr>
+        <p:style>
+          <a:lnRef idx="2">
+            <a:schemeClr val="accent1">
+              <a:shade val="50000"/>
+            </a:schemeClr>
+          </a:lnRef>
+          <a:fillRef idx="1">
+            <a:schemeClr val="accent1"/>
+          </a:fillRef>
+          <a:effectRef idx="0">
+            <a:schemeClr val="accent1"/>
+          </a:effectRef>
+          <a:fontRef idx="minor">
+            <a:schemeClr val="lt1"/>
+          </a:fontRef>
+        </p:style>
+        <p:txBody>
+          <a:bodyPr rtlCol="0" anchor="ctr"/>
+          <a:lstStyle/>
+          <a:p>
+            <a:pPr algn="ctr"/>
+            <a:endParaRPr lang="fr-FR"/>
+          </a:p>
+        </p:txBody>
+      </p:sp>
+      <p:sp>
+        <p:nvSpPr>
+          <p:cNvPr id="19" name="Rectangle 18"/>
+          <p:cNvSpPr/>
+          <p:nvPr/>
+        </p:nvSpPr>
+        <p:spPr>
+          <a:xfrm>
+            <a:off x="1408659" y="2019607"/>
+            <a:ext cx="599653" cy="319187"/>
+          </a:xfrm>
+          <a:prstGeom prst="rect">
+            <a:avLst/>
+          </a:prstGeom>
+          <a:noFill/>
+          <a:ln>
+            <a:solidFill>
+              <a:srgbClr val="FF0000"/>
+            </a:solidFill>
+            <a:prstDash val="dash"/>
+          </a:ln>
+        </p:spPr>
+        <p:style>
+          <a:lnRef idx="2">
+            <a:schemeClr val="accent1">
+              <a:shade val="50000"/>
+            </a:schemeClr>
+          </a:lnRef>
+          <a:fillRef idx="1">
+            <a:schemeClr val="accent1"/>
+          </a:fillRef>
+          <a:effectRef idx="0">
+            <a:schemeClr val="accent1"/>
+          </a:effectRef>
+          <a:fontRef idx="minor">
+            <a:schemeClr val="lt1"/>
+          </a:fontRef>
+        </p:style>
+        <p:txBody>
+          <a:bodyPr rtlCol="0" anchor="ctr"/>
+          <a:lstStyle/>
+          <a:p>
+            <a:pPr algn="ctr"/>
+            <a:endParaRPr lang="fr-FR"/>
+          </a:p>
+        </p:txBody>
+      </p:sp>
+      <p:sp>
+        <p:nvSpPr>
+          <p:cNvPr id="15" name="Ellipse 14"/>
+          <p:cNvSpPr/>
+          <p:nvPr/>
+        </p:nvSpPr>
+        <p:spPr>
+          <a:xfrm>
+            <a:off x="928192" y="1330941"/>
+            <a:ext cx="216024" cy="216024"/>
+          </a:xfrm>
+          <a:prstGeom prst="ellipse">
+            <a:avLst/>
+          </a:prstGeom>
+          <a:solidFill>
+            <a:schemeClr val="bg1"/>
+          </a:solidFill>
+          <a:ln w="19050">
+            <a:solidFill>
+              <a:schemeClr val="tx1"/>
+            </a:solidFill>
+          </a:ln>
+        </p:spPr>
+        <p:style>
+          <a:lnRef idx="2">
+            <a:schemeClr val="accent1">
+              <a:shade val="50000"/>
+            </a:schemeClr>
+          </a:lnRef>
+          <a:fillRef idx="1">
+            <a:schemeClr val="accent1"/>
+          </a:fillRef>
+          <a:effectRef idx="0">
+            <a:schemeClr val="accent1"/>
+          </a:effectRef>
+          <a:fontRef idx="minor">
+            <a:schemeClr val="lt1"/>
+          </a:fontRef>
+        </p:style>
+        <p:txBody>
+          <a:bodyPr lIns="0" tIns="0" rIns="0" bIns="0" rtlCol="0" anchor="ctr"/>
+          <a:lstStyle/>
+          <a:p>
+            <a:pPr algn="ctr"/>
+            <a:r>
+              <a:rPr lang="fr-FR" sz="1100" b="1" dirty="0" smtClean="0">
+                <a:solidFill>
+                  <a:schemeClr val="tx1"/>
+                </a:solidFill>
+              </a:rPr>
+              <a:t>1</a:t>
+            </a:r>
+            <a:endParaRPr lang="fr-FR" b="1" dirty="0">
+              <a:solidFill>
+                <a:schemeClr val="tx1"/>
+              </a:solidFill>
+            </a:endParaRPr>
+          </a:p>
+        </p:txBody>
+      </p:sp>
+      <p:sp>
+        <p:nvSpPr>
+          <p:cNvPr id="23" name="Ellipse 22"/>
+          <p:cNvSpPr/>
+          <p:nvPr/>
+        </p:nvSpPr>
+        <p:spPr>
+          <a:xfrm>
+            <a:off x="1408659" y="1319094"/>
+            <a:ext cx="216024" cy="216024"/>
+          </a:xfrm>
+          <a:prstGeom prst="ellipse">
+            <a:avLst/>
+          </a:prstGeom>
+          <a:solidFill>
+            <a:schemeClr val="bg1"/>
+          </a:solidFill>
+          <a:ln w="19050">
+            <a:solidFill>
+              <a:schemeClr val="tx1"/>
+            </a:solidFill>
+          </a:ln>
+        </p:spPr>
+        <p:style>
+          <a:lnRef idx="2">
+            <a:schemeClr val="accent1">
+              <a:shade val="50000"/>
+            </a:schemeClr>
+          </a:lnRef>
+          <a:fillRef idx="1">
+            <a:schemeClr val="accent1"/>
+          </a:fillRef>
+          <a:effectRef idx="0">
+            <a:schemeClr val="accent1"/>
+          </a:effectRef>
+          <a:fontRef idx="minor">
+            <a:schemeClr val="lt1"/>
+          </a:fontRef>
+        </p:style>
+        <p:txBody>
+          <a:bodyPr lIns="0" tIns="0" rIns="0" bIns="0" rtlCol="0" anchor="ctr"/>
+          <a:lstStyle/>
+          <a:p>
+            <a:pPr algn="ctr"/>
+            <a:r>
+              <a:rPr lang="fr-FR" sz="1100" b="1" dirty="0" smtClean="0">
+                <a:solidFill>
+                  <a:schemeClr val="tx1"/>
+                </a:solidFill>
+              </a:rPr>
+              <a:t>2</a:t>
+            </a:r>
+            <a:endParaRPr lang="fr-FR" b="1" dirty="0">
+              <a:solidFill>
+                <a:schemeClr val="tx1"/>
+              </a:solidFill>
+            </a:endParaRPr>
+          </a:p>
+        </p:txBody>
+      </p:sp>
+      <p:sp>
+        <p:nvSpPr>
+          <p:cNvPr id="24" name="Ellipse 23"/>
+          <p:cNvSpPr/>
+          <p:nvPr/>
+        </p:nvSpPr>
+        <p:spPr>
+          <a:xfrm>
+            <a:off x="2128332" y="1248180"/>
+            <a:ext cx="216024" cy="216024"/>
+          </a:xfrm>
+          <a:prstGeom prst="ellipse">
+            <a:avLst/>
+          </a:prstGeom>
+          <a:solidFill>
+            <a:schemeClr val="bg1"/>
+          </a:solidFill>
+          <a:ln w="19050">
+            <a:solidFill>
+              <a:schemeClr val="tx1"/>
+            </a:solidFill>
+          </a:ln>
+        </p:spPr>
+        <p:style>
+          <a:lnRef idx="2">
+            <a:schemeClr val="accent1">
+              <a:shade val="50000"/>
+            </a:schemeClr>
+          </a:lnRef>
+          <a:fillRef idx="1">
+            <a:schemeClr val="accent1"/>
+          </a:fillRef>
+          <a:effectRef idx="0">
+            <a:schemeClr val="accent1"/>
+          </a:effectRef>
+          <a:fontRef idx="minor">
+            <a:schemeClr val="lt1"/>
+          </a:fontRef>
+        </p:style>
+        <p:txBody>
+          <a:bodyPr lIns="0" tIns="0" rIns="0" bIns="0" rtlCol="0" anchor="ctr"/>
+          <a:lstStyle/>
+          <a:p>
+            <a:pPr algn="ctr"/>
+            <a:r>
+              <a:rPr lang="fr-FR" sz="1100" b="1" dirty="0" smtClean="0">
+                <a:solidFill>
+                  <a:schemeClr val="tx1"/>
+                </a:solidFill>
+              </a:rPr>
+              <a:t>3</a:t>
+            </a:r>
+            <a:endParaRPr lang="fr-FR" b="1" dirty="0">
+              <a:solidFill>
+                <a:schemeClr val="tx1"/>
+              </a:solidFill>
+            </a:endParaRPr>
+          </a:p>
+        </p:txBody>
+      </p:sp>
+      <p:sp>
+        <p:nvSpPr>
+          <p:cNvPr id="25" name="Ellipse 24"/>
+          <p:cNvSpPr/>
+          <p:nvPr/>
+        </p:nvSpPr>
+        <p:spPr>
+          <a:xfrm>
+            <a:off x="2652371" y="1274146"/>
+            <a:ext cx="216024" cy="216024"/>
+          </a:xfrm>
+          <a:prstGeom prst="ellipse">
+            <a:avLst/>
+          </a:prstGeom>
+          <a:solidFill>
+            <a:schemeClr val="bg1"/>
+          </a:solidFill>
+          <a:ln w="19050">
+            <a:solidFill>
+              <a:schemeClr val="tx1"/>
+            </a:solidFill>
+          </a:ln>
+        </p:spPr>
+        <p:style>
+          <a:lnRef idx="2">
+            <a:schemeClr val="accent1">
+              <a:shade val="50000"/>
+            </a:schemeClr>
+          </a:lnRef>
+          <a:fillRef idx="1">
+            <a:schemeClr val="accent1"/>
+          </a:fillRef>
+          <a:effectRef idx="0">
+            <a:schemeClr val="accent1"/>
+          </a:effectRef>
+          <a:fontRef idx="minor">
+            <a:schemeClr val="lt1"/>
+          </a:fontRef>
+        </p:style>
+        <p:txBody>
+          <a:bodyPr lIns="0" tIns="0" rIns="0" bIns="0" rtlCol="0" anchor="ctr"/>
+          <a:lstStyle/>
+          <a:p>
+            <a:pPr algn="ctr"/>
+            <a:r>
+              <a:rPr lang="fr-FR" sz="1100" b="1" dirty="0" smtClean="0">
+                <a:solidFill>
+                  <a:schemeClr val="tx1"/>
+                </a:solidFill>
+              </a:rPr>
+              <a:t>4</a:t>
+            </a:r>
+            <a:endParaRPr lang="fr-FR" b="1" dirty="0">
+              <a:solidFill>
+                <a:schemeClr val="tx1"/>
+              </a:solidFill>
+            </a:endParaRPr>
+          </a:p>
+        </p:txBody>
+      </p:sp>
+      <p:sp>
+        <p:nvSpPr>
+          <p:cNvPr id="26" name="Ellipse 25"/>
+          <p:cNvSpPr/>
+          <p:nvPr/>
+        </p:nvSpPr>
+        <p:spPr>
+          <a:xfrm>
+            <a:off x="2652371" y="1659198"/>
+            <a:ext cx="216024" cy="216024"/>
+          </a:xfrm>
+          <a:prstGeom prst="ellipse">
+            <a:avLst/>
+          </a:prstGeom>
+          <a:solidFill>
+            <a:schemeClr val="bg1"/>
+          </a:solidFill>
+          <a:ln w="19050">
+            <a:solidFill>
+              <a:schemeClr val="tx1"/>
+            </a:solidFill>
+          </a:ln>
+        </p:spPr>
+        <p:style>
+          <a:lnRef idx="2">
+            <a:schemeClr val="accent1">
+              <a:shade val="50000"/>
+            </a:schemeClr>
+          </a:lnRef>
+          <a:fillRef idx="1">
+            <a:schemeClr val="accent1"/>
+          </a:fillRef>
+          <a:effectRef idx="0">
+            <a:schemeClr val="accent1"/>
+          </a:effectRef>
+          <a:fontRef idx="minor">
+            <a:schemeClr val="lt1"/>
+          </a:fontRef>
+        </p:style>
+        <p:txBody>
+          <a:bodyPr lIns="0" tIns="0" rIns="0" bIns="0" rtlCol="0" anchor="ctr"/>
+          <a:lstStyle/>
+          <a:p>
+            <a:pPr algn="ctr"/>
+            <a:r>
+              <a:rPr lang="fr-FR" sz="1100" b="1" dirty="0">
+                <a:solidFill>
+                  <a:schemeClr val="tx1"/>
+                </a:solidFill>
+              </a:rPr>
+              <a:t>5</a:t>
+            </a:r>
+            <a:endParaRPr lang="fr-FR" b="1" dirty="0">
+              <a:solidFill>
+                <a:schemeClr val="tx1"/>
+              </a:solidFill>
+            </a:endParaRPr>
+          </a:p>
+        </p:txBody>
+      </p:sp>
+      <p:sp>
+        <p:nvSpPr>
+          <p:cNvPr id="27" name="Ellipse 26"/>
+          <p:cNvSpPr/>
+          <p:nvPr/>
+        </p:nvSpPr>
+        <p:spPr>
+          <a:xfrm>
+            <a:off x="4665761" y="1572607"/>
+            <a:ext cx="216024" cy="216024"/>
+          </a:xfrm>
+          <a:prstGeom prst="ellipse">
+            <a:avLst/>
+          </a:prstGeom>
+          <a:solidFill>
+            <a:schemeClr val="bg1"/>
+          </a:solidFill>
+          <a:ln w="19050">
+            <a:solidFill>
+              <a:schemeClr val="tx1"/>
+            </a:solidFill>
+          </a:ln>
+        </p:spPr>
+        <p:style>
+          <a:lnRef idx="2">
+            <a:schemeClr val="accent1">
+              <a:shade val="50000"/>
+            </a:schemeClr>
+          </a:lnRef>
+          <a:fillRef idx="1">
+            <a:schemeClr val="accent1"/>
+          </a:fillRef>
+          <a:effectRef idx="0">
+            <a:schemeClr val="accent1"/>
+          </a:effectRef>
+          <a:fontRef idx="minor">
+            <a:schemeClr val="lt1"/>
+          </a:fontRef>
+        </p:style>
+        <p:txBody>
+          <a:bodyPr lIns="0" tIns="0" rIns="0" bIns="0" rtlCol="0" anchor="ctr"/>
+          <a:lstStyle/>
+          <a:p>
+            <a:pPr algn="ctr"/>
+            <a:r>
+              <a:rPr lang="fr-FR" sz="1100" b="1" dirty="0" smtClean="0">
+                <a:solidFill>
+                  <a:schemeClr val="tx1"/>
+                </a:solidFill>
+              </a:rPr>
+              <a:t>6</a:t>
+            </a:r>
+            <a:endParaRPr lang="fr-FR" b="1" dirty="0">
+              <a:solidFill>
+                <a:schemeClr val="tx1"/>
+              </a:solidFill>
+            </a:endParaRPr>
+          </a:p>
+        </p:txBody>
+      </p:sp>
+      <p:sp>
+        <p:nvSpPr>
+          <p:cNvPr id="28" name="Ellipse 27"/>
+          <p:cNvSpPr/>
+          <p:nvPr/>
+        </p:nvSpPr>
+        <p:spPr>
+          <a:xfrm>
+            <a:off x="579116" y="1193433"/>
+            <a:ext cx="216024" cy="216024"/>
+          </a:xfrm>
+          <a:prstGeom prst="ellipse">
+            <a:avLst/>
+          </a:prstGeom>
+          <a:solidFill>
+            <a:schemeClr val="bg1"/>
+          </a:solidFill>
+          <a:ln w="19050">
+            <a:solidFill>
+              <a:schemeClr val="tx1"/>
+            </a:solidFill>
+          </a:ln>
+        </p:spPr>
+        <p:style>
+          <a:lnRef idx="2">
+            <a:schemeClr val="accent1">
+              <a:shade val="50000"/>
+            </a:schemeClr>
+          </a:lnRef>
+          <a:fillRef idx="1">
+            <a:schemeClr val="accent1"/>
+          </a:fillRef>
+          <a:effectRef idx="0">
+            <a:schemeClr val="accent1"/>
+          </a:effectRef>
+          <a:fontRef idx="minor">
+            <a:schemeClr val="lt1"/>
+          </a:fontRef>
+        </p:style>
+        <p:txBody>
+          <a:bodyPr lIns="0" tIns="0" rIns="0" bIns="0" rtlCol="0" anchor="ctr"/>
+          <a:lstStyle/>
+          <a:p>
+            <a:pPr algn="ctr"/>
+            <a:r>
+              <a:rPr lang="fr-FR" sz="1100" b="1" dirty="0" smtClean="0">
+                <a:solidFill>
+                  <a:schemeClr val="tx1"/>
+                </a:solidFill>
+              </a:rPr>
+              <a:t>A</a:t>
+            </a:r>
+            <a:endParaRPr lang="fr-FR" b="1" dirty="0">
+              <a:solidFill>
+                <a:schemeClr val="tx1"/>
+              </a:solidFill>
+            </a:endParaRPr>
+          </a:p>
+        </p:txBody>
+      </p:sp>
+      <p:sp>
+        <p:nvSpPr>
+          <p:cNvPr id="29" name="Ellipse 28"/>
+          <p:cNvSpPr/>
+          <p:nvPr/>
+        </p:nvSpPr>
+        <p:spPr>
+          <a:xfrm>
+            <a:off x="1179923" y="2085298"/>
+            <a:ext cx="216024" cy="216024"/>
+          </a:xfrm>
+          <a:prstGeom prst="ellipse">
+            <a:avLst/>
+          </a:prstGeom>
+          <a:solidFill>
+            <a:schemeClr val="bg1"/>
+          </a:solidFill>
+          <a:ln w="19050">
+            <a:solidFill>
+              <a:schemeClr val="tx1"/>
+            </a:solidFill>
+          </a:ln>
+        </p:spPr>
+        <p:style>
+          <a:lnRef idx="2">
+            <a:schemeClr val="accent1">
+              <a:shade val="50000"/>
+            </a:schemeClr>
+          </a:lnRef>
+          <a:fillRef idx="1">
+            <a:schemeClr val="accent1"/>
+          </a:fillRef>
+          <a:effectRef idx="0">
+            <a:schemeClr val="accent1"/>
+          </a:effectRef>
+          <a:fontRef idx="minor">
+            <a:schemeClr val="lt1"/>
+          </a:fontRef>
+        </p:style>
+        <p:txBody>
+          <a:bodyPr lIns="0" tIns="0" rIns="0" bIns="0" rtlCol="0" anchor="ctr"/>
+          <a:lstStyle/>
+          <a:p>
+            <a:pPr algn="ctr"/>
+            <a:r>
+              <a:rPr lang="fr-FR" sz="1100" b="1" dirty="0" smtClean="0">
+                <a:solidFill>
+                  <a:schemeClr val="tx1"/>
+                </a:solidFill>
+              </a:rPr>
+              <a:t>B</a:t>
+            </a:r>
+            <a:endParaRPr lang="fr-FR" b="1" dirty="0">
+              <a:solidFill>
+                <a:schemeClr val="tx1"/>
+              </a:solidFill>
+            </a:endParaRPr>
+          </a:p>
+        </p:txBody>
+      </p:sp>
+      <p:sp>
+        <p:nvSpPr>
+          <p:cNvPr id="30" name="Ellipse 29"/>
+          <p:cNvSpPr/>
+          <p:nvPr/>
+        </p:nvSpPr>
+        <p:spPr>
+          <a:xfrm>
+            <a:off x="3251153" y="2141647"/>
+            <a:ext cx="216024" cy="216024"/>
+          </a:xfrm>
+          <a:prstGeom prst="ellipse">
+            <a:avLst/>
+          </a:prstGeom>
+          <a:solidFill>
+            <a:schemeClr val="bg1"/>
+          </a:solidFill>
+          <a:ln w="19050">
+            <a:solidFill>
+              <a:schemeClr val="tx1"/>
+            </a:solidFill>
+          </a:ln>
+        </p:spPr>
+        <p:style>
+          <a:lnRef idx="2">
+            <a:schemeClr val="accent1">
+              <a:shade val="50000"/>
+            </a:schemeClr>
+          </a:lnRef>
+          <a:fillRef idx="1">
+            <a:schemeClr val="accent1"/>
+          </a:fillRef>
+          <a:effectRef idx="0">
+            <a:schemeClr val="accent1"/>
+          </a:effectRef>
+          <a:fontRef idx="minor">
+            <a:schemeClr val="lt1"/>
+          </a:fontRef>
+        </p:style>
+        <p:txBody>
+          <a:bodyPr lIns="0" tIns="0" rIns="0" bIns="0" rtlCol="0" anchor="ctr"/>
+          <a:lstStyle/>
+          <a:p>
+            <a:pPr algn="ctr"/>
+            <a:r>
+              <a:rPr lang="fr-FR" sz="1100" b="1" dirty="0">
+                <a:solidFill>
+                  <a:schemeClr val="tx1"/>
+                </a:solidFill>
+              </a:rPr>
+              <a:t>C</a:t>
+            </a:r>
+            <a:endParaRPr lang="fr-FR" b="1" dirty="0">
+              <a:solidFill>
+                <a:schemeClr val="tx1"/>
+              </a:solidFill>
+            </a:endParaRPr>
+          </a:p>
+        </p:txBody>
+      </p:sp>
+      <p:sp>
+        <p:nvSpPr>
+          <p:cNvPr id="31" name="Ellipse 30"/>
+          <p:cNvSpPr/>
+          <p:nvPr/>
+        </p:nvSpPr>
+        <p:spPr>
+          <a:xfrm>
+            <a:off x="3366209" y="1159696"/>
+            <a:ext cx="216024" cy="216024"/>
+          </a:xfrm>
+          <a:prstGeom prst="ellipse">
+            <a:avLst/>
+          </a:prstGeom>
+          <a:solidFill>
+            <a:schemeClr val="bg1"/>
+          </a:solidFill>
+          <a:ln w="19050">
+            <a:solidFill>
+              <a:schemeClr val="tx1"/>
+            </a:solidFill>
+          </a:ln>
+        </p:spPr>
+        <p:style>
+          <a:lnRef idx="2">
+            <a:schemeClr val="accent1">
+              <a:shade val="50000"/>
+            </a:schemeClr>
+          </a:lnRef>
+          <a:fillRef idx="1">
+            <a:schemeClr val="accent1"/>
+          </a:fillRef>
+          <a:effectRef idx="0">
+            <a:schemeClr val="accent1"/>
+          </a:effectRef>
+          <a:fontRef idx="minor">
+            <a:schemeClr val="lt1"/>
+          </a:fontRef>
+        </p:style>
+        <p:txBody>
+          <a:bodyPr lIns="0" tIns="0" rIns="0" bIns="0" rtlCol="0" anchor="ctr"/>
+          <a:lstStyle/>
+          <a:p>
+            <a:pPr algn="ctr"/>
+            <a:r>
+              <a:rPr lang="fr-FR" sz="1100" b="1" dirty="0" smtClean="0">
+                <a:solidFill>
+                  <a:schemeClr val="tx1"/>
+                </a:solidFill>
+              </a:rPr>
+              <a:t>D</a:t>
+            </a:r>
+            <a:endParaRPr lang="fr-FR" b="1" dirty="0">
+              <a:solidFill>
+                <a:schemeClr val="tx1"/>
+              </a:solidFill>
+            </a:endParaRPr>
+          </a:p>
+        </p:txBody>
+      </p:sp>
+      <p:sp>
+        <p:nvSpPr>
+          <p:cNvPr id="32" name="Ellipse 31"/>
+          <p:cNvSpPr/>
+          <p:nvPr/>
+        </p:nvSpPr>
+        <p:spPr>
+          <a:xfrm>
+            <a:off x="3520480" y="1780060"/>
+            <a:ext cx="216024" cy="216024"/>
+          </a:xfrm>
+          <a:prstGeom prst="ellipse">
+            <a:avLst/>
+          </a:prstGeom>
+          <a:solidFill>
+            <a:schemeClr val="bg1"/>
+          </a:solidFill>
+          <a:ln w="19050">
+            <a:solidFill>
+              <a:schemeClr val="tx1"/>
+            </a:solidFill>
+          </a:ln>
+        </p:spPr>
+        <p:style>
+          <a:lnRef idx="2">
+            <a:schemeClr val="accent1">
+              <a:shade val="50000"/>
+            </a:schemeClr>
+          </a:lnRef>
+          <a:fillRef idx="1">
+            <a:schemeClr val="accent1"/>
+          </a:fillRef>
+          <a:effectRef idx="0">
+            <a:schemeClr val="accent1"/>
+          </a:effectRef>
+          <a:fontRef idx="minor">
+            <a:schemeClr val="lt1"/>
+          </a:fontRef>
+        </p:style>
+        <p:txBody>
+          <a:bodyPr lIns="0" tIns="0" rIns="0" bIns="0" rtlCol="0" anchor="ctr"/>
+          <a:lstStyle/>
+          <a:p>
+            <a:pPr algn="ctr"/>
+            <a:r>
+              <a:rPr lang="fr-FR" sz="1100" b="1" dirty="0" smtClean="0">
+                <a:solidFill>
+                  <a:schemeClr val="tx1"/>
+                </a:solidFill>
+              </a:rPr>
+              <a:t>E</a:t>
+            </a:r>
+            <a:endParaRPr lang="fr-FR" b="1" dirty="0">
+              <a:solidFill>
+                <a:schemeClr val="tx1"/>
+              </a:solidFill>
+            </a:endParaRPr>
+          </a:p>
+        </p:txBody>
+      </p:sp>
+      <p:graphicFrame>
+        <p:nvGraphicFramePr>
+          <p:cNvPr id="20" name="Tableau 19"/>
+          <p:cNvGraphicFramePr>
+            <a:graphicFrameLocks noGrp="1"/>
+          </p:cNvGraphicFramePr>
+          <p:nvPr>
+            <p:extLst>
+              <p:ext uri="{D42A27DB-BD31-4B8C-83A1-F6EECF244321}">
+                <p14:modId xmlns:p14="http://schemas.microsoft.com/office/powerpoint/2010/main" val="2637311546"/>
+              </p:ext>
+            </p:extLst>
+          </p:nvPr>
+        </p:nvGraphicFramePr>
+        <p:xfrm>
+          <a:off x="388133" y="3072408"/>
+          <a:ext cx="5903688" cy="548640"/>
+        </p:xfrm>
+        <a:graphic>
+          <a:graphicData uri="http://schemas.openxmlformats.org/drawingml/2006/table">
+            <a:tbl>
+              <a:tblPr firstRow="1" bandRow="1">
+                <a:tableStyleId>{5C22544A-7EE6-4342-B048-85BDC9FD1C3A}</a:tableStyleId>
+              </a:tblPr>
+              <a:tblGrid>
+                <a:gridCol w="1116123"/>
+                <a:gridCol w="1721309"/>
+                <a:gridCol w="1533128"/>
+                <a:gridCol w="1533128"/>
+              </a:tblGrid>
+              <a:tr h="0">
+                <a:tc rowSpan="2">
+                  <a:txBody>
+                    <a:bodyPr/>
+                    <a:lstStyle/>
+                    <a:p>
+                      <a:r>
+                        <a:rPr lang="fr-FR" sz="1200" b="0" dirty="0" smtClean="0">
+                          <a:solidFill>
+                            <a:schemeClr val="tx1"/>
+                          </a:solidFill>
+                        </a:rPr>
+                        <a:t>Grandeur physique</a:t>
+                      </a:r>
+                      <a:endParaRPr lang="fr-FR" sz="1200" b="0" dirty="0">
+                        <a:solidFill>
+                          <a:schemeClr val="tx1"/>
+                        </a:solidFill>
+                      </a:endParaRPr>
+                    </a:p>
+                  </a:txBody>
+                  <a:tcPr anchor="ctr">
+                    <a:lnL w="12700" cap="flat" cmpd="sng" algn="ctr">
+                      <a:solidFill>
+                        <a:schemeClr val="tx1"/>
+                      </a:solidFill>
+                      <a:prstDash val="solid"/>
+                      <a:round/>
+                      <a:headEnd type="none" w="med" len="med"/>
+                      <a:tailEnd type="none" w="med" len="med"/>
+                    </a:lnL>
+                    <a:lnR w="12700" cap="flat" cmpd="sng" algn="ctr">
+                      <a:solidFill>
+                        <a:schemeClr val="tx1"/>
+                      </a:solidFill>
+                      <a:prstDash val="solid"/>
+                      <a:round/>
+                      <a:headEnd type="none" w="med" len="med"/>
+                      <a:tailEnd type="none" w="med" len="med"/>
+                    </a:lnR>
+                    <a:lnT w="12700" cap="flat" cmpd="sng" algn="ctr">
+                      <a:solidFill>
+                        <a:schemeClr val="tx1"/>
+                      </a:solidFill>
+                      <a:prstDash val="solid"/>
+                      <a:round/>
+                      <a:headEnd type="none" w="med" len="med"/>
+                      <a:tailEnd type="none" w="med" len="med"/>
+                    </a:lnT>
+                    <a:lnB w="12700" cap="flat" cmpd="sng" algn="ctr">
+                      <a:solidFill>
+                        <a:schemeClr val="tx1"/>
+                      </a:solidFill>
+                      <a:prstDash val="solid"/>
+                      <a:round/>
+                      <a:headEnd type="none" w="med" len="med"/>
+                      <a:tailEnd type="none" w="med" len="med"/>
+                    </a:lnB>
+                    <a:solidFill>
+                      <a:schemeClr val="bg1"/>
+                    </a:solidFill>
+                  </a:tcPr>
+                </a:tc>
+                <a:tc>
+                  <a:txBody>
+                    <a:bodyPr/>
+                    <a:lstStyle/>
+                    <a:p>
+                      <a:r>
+                        <a:rPr lang="fr-FR" sz="1200" b="0" dirty="0" smtClean="0">
+                          <a:solidFill>
+                            <a:schemeClr val="tx1"/>
+                          </a:solidFill>
+                        </a:rPr>
+                        <a:t>1 – Angle</a:t>
+                      </a:r>
+                      <a:r>
+                        <a:rPr lang="fr-FR" sz="1200" b="0" baseline="0" dirty="0" smtClean="0">
+                          <a:solidFill>
+                            <a:schemeClr val="tx1"/>
+                          </a:solidFill>
+                        </a:rPr>
+                        <a:t> (°)</a:t>
+                      </a:r>
+                      <a:endParaRPr lang="fr-FR" sz="1200" b="0" dirty="0">
+                        <a:solidFill>
+                          <a:schemeClr val="tx1"/>
+                        </a:solidFill>
+                      </a:endParaRPr>
+                    </a:p>
+                  </a:txBody>
+                  <a:tcPr>
+                    <a:lnL w="12700" cap="flat" cmpd="sng" algn="ctr">
+                      <a:solidFill>
+                        <a:schemeClr val="tx1"/>
+                      </a:solidFill>
+                      <a:prstDash val="solid"/>
+                      <a:round/>
+                      <a:headEnd type="none" w="med" len="med"/>
+                      <a:tailEnd type="none" w="med" len="med"/>
+                    </a:lnL>
+                    <a:lnR w="12700" cap="flat" cmpd="sng" algn="ctr">
+                      <a:solidFill>
+                        <a:schemeClr val="tx1"/>
+                      </a:solidFill>
+                      <a:prstDash val="solid"/>
+                      <a:round/>
+                      <a:headEnd type="none" w="med" len="med"/>
+                      <a:tailEnd type="none" w="med" len="med"/>
+                    </a:lnR>
+                    <a:lnT w="12700" cap="flat" cmpd="sng" algn="ctr">
+                      <a:solidFill>
+                        <a:schemeClr val="tx1"/>
+                      </a:solidFill>
+                      <a:prstDash val="solid"/>
+                      <a:round/>
+                      <a:headEnd type="none" w="med" len="med"/>
+                      <a:tailEnd type="none" w="med" len="med"/>
+                    </a:lnT>
+                    <a:lnB w="12700" cap="flat" cmpd="sng" algn="ctr">
+                      <a:solidFill>
+                        <a:schemeClr val="tx1"/>
+                      </a:solidFill>
+                      <a:prstDash val="solid"/>
+                      <a:round/>
+                      <a:headEnd type="none" w="med" len="med"/>
+                      <a:tailEnd type="none" w="med" len="med"/>
+                    </a:lnB>
+                    <a:solidFill>
+                      <a:schemeClr val="bg1"/>
+                    </a:solidFill>
+                  </a:tcPr>
+                </a:tc>
+                <a:tc>
+                  <a:txBody>
+                    <a:bodyPr/>
+                    <a:lstStyle/>
+                    <a:p>
+                      <a:r>
+                        <a:rPr lang="fr-FR" sz="1200" b="0" dirty="0" smtClean="0">
+                          <a:solidFill>
+                            <a:schemeClr val="tx1"/>
+                          </a:solidFill>
+                        </a:rPr>
+                        <a:t>2 – Tension (V)</a:t>
+                      </a:r>
+                      <a:endParaRPr lang="fr-FR" sz="1200" b="0" dirty="0">
+                        <a:solidFill>
+                          <a:schemeClr val="tx1"/>
+                        </a:solidFill>
+                      </a:endParaRPr>
+                    </a:p>
+                  </a:txBody>
+                  <a:tcPr>
+                    <a:lnL w="12700" cap="flat" cmpd="sng" algn="ctr">
+                      <a:solidFill>
+                        <a:schemeClr val="tx1"/>
+                      </a:solidFill>
+                      <a:prstDash val="solid"/>
+                      <a:round/>
+                      <a:headEnd type="none" w="med" len="med"/>
+                      <a:tailEnd type="none" w="med" len="med"/>
+                    </a:lnL>
+                    <a:lnR w="12700" cap="flat" cmpd="sng" algn="ctr">
+                      <a:solidFill>
+                        <a:schemeClr val="tx1"/>
+                      </a:solidFill>
+                      <a:prstDash val="solid"/>
+                      <a:round/>
+                      <a:headEnd type="none" w="med" len="med"/>
+                      <a:tailEnd type="none" w="med" len="med"/>
+                    </a:lnR>
+                    <a:lnT w="12700" cap="flat" cmpd="sng" algn="ctr">
+                      <a:solidFill>
+                        <a:schemeClr val="tx1"/>
+                      </a:solidFill>
+                      <a:prstDash val="solid"/>
+                      <a:round/>
+                      <a:headEnd type="none" w="med" len="med"/>
+                      <a:tailEnd type="none" w="med" len="med"/>
+                    </a:lnT>
+                    <a:lnB w="12700" cap="flat" cmpd="sng" algn="ctr">
+                      <a:solidFill>
+                        <a:schemeClr val="tx1"/>
+                      </a:solidFill>
+                      <a:prstDash val="solid"/>
+                      <a:round/>
+                      <a:headEnd type="none" w="med" len="med"/>
+                      <a:tailEnd type="none" w="med" len="med"/>
+                    </a:lnB>
+                    <a:solidFill>
+                      <a:schemeClr val="bg1"/>
+                    </a:solidFill>
+                  </a:tcPr>
+                </a:tc>
+                <a:tc>
+                  <a:txBody>
+                    <a:bodyPr/>
+                    <a:lstStyle/>
+                    <a:p>
+                      <a:r>
+                        <a:rPr lang="fr-FR" sz="1200" b="0" dirty="0" smtClean="0">
+                          <a:solidFill>
+                            <a:schemeClr val="tx1"/>
+                          </a:solidFill>
+                        </a:rPr>
+                        <a:t>3 –  Tension (V)</a:t>
+                      </a:r>
+                      <a:endParaRPr lang="fr-FR" sz="1200" b="0" dirty="0">
+                        <a:solidFill>
+                          <a:schemeClr val="tx1"/>
+                        </a:solidFill>
+                      </a:endParaRPr>
+                    </a:p>
+                  </a:txBody>
+                  <a:tcPr>
+                    <a:lnL w="12700" cap="flat" cmpd="sng" algn="ctr">
+                      <a:solidFill>
+                        <a:schemeClr val="tx1"/>
+                      </a:solidFill>
+                      <a:prstDash val="solid"/>
+                      <a:round/>
+                      <a:headEnd type="none" w="med" len="med"/>
+                      <a:tailEnd type="none" w="med" len="med"/>
+                    </a:lnL>
+                    <a:lnR w="12700" cap="flat" cmpd="sng" algn="ctr">
+                      <a:solidFill>
+                        <a:schemeClr val="tx1"/>
+                      </a:solidFill>
+                      <a:prstDash val="solid"/>
+                      <a:round/>
+                      <a:headEnd type="none" w="med" len="med"/>
+                      <a:tailEnd type="none" w="med" len="med"/>
+                    </a:lnR>
+                    <a:lnT w="12700" cap="flat" cmpd="sng" algn="ctr">
+                      <a:solidFill>
+                        <a:schemeClr val="tx1"/>
+                      </a:solidFill>
+                      <a:prstDash val="solid"/>
+                      <a:round/>
+                      <a:headEnd type="none" w="med" len="med"/>
+                      <a:tailEnd type="none" w="med" len="med"/>
+                    </a:lnT>
+                    <a:lnB w="12700" cap="flat" cmpd="sng" algn="ctr">
+                      <a:solidFill>
+                        <a:schemeClr val="tx1"/>
+                      </a:solidFill>
+                      <a:prstDash val="solid"/>
+                      <a:round/>
+                      <a:headEnd type="none" w="med" len="med"/>
+                      <a:tailEnd type="none" w="med" len="med"/>
+                    </a:lnB>
+                    <a:solidFill>
+                      <a:schemeClr val="bg1"/>
+                    </a:solidFill>
+                  </a:tcPr>
+                </a:tc>
+              </a:tr>
+              <a:tr h="0">
+                <a:tc vMerge="1">
+                  <a:txBody>
+                    <a:bodyPr/>
+                    <a:lstStyle/>
+                    <a:p>
+                      <a:endParaRPr lang="fr-FR" dirty="0"/>
+                    </a:p>
+                  </a:txBody>
+                  <a:tcPr>
+                    <a:lnL w="12700" cap="flat" cmpd="sng" algn="ctr">
+                      <a:solidFill>
+                        <a:schemeClr val="tx1"/>
+                      </a:solidFill>
+                      <a:prstDash val="solid"/>
+                      <a:round/>
+                      <a:headEnd type="none" w="med" len="med"/>
+                      <a:tailEnd type="none" w="med" len="med"/>
+                    </a:lnL>
+                    <a:lnR w="12700" cap="flat" cmpd="sng" algn="ctr">
+                      <a:solidFill>
+                        <a:schemeClr val="tx1"/>
+                      </a:solidFill>
+                      <a:prstDash val="solid"/>
+                      <a:round/>
+                      <a:headEnd type="none" w="med" len="med"/>
+                      <a:tailEnd type="none" w="med" len="med"/>
+                    </a:lnR>
+                    <a:lnT w="12700" cap="flat" cmpd="sng" algn="ctr">
+                      <a:solidFill>
+                        <a:schemeClr val="tx1"/>
+                      </a:solidFill>
+                      <a:prstDash val="solid"/>
+                      <a:round/>
+                      <a:headEnd type="none" w="med" len="med"/>
+                      <a:tailEnd type="none" w="med" len="med"/>
+                    </a:lnT>
+                    <a:lnB w="12700" cap="flat" cmpd="sng" algn="ctr">
+                      <a:solidFill>
+                        <a:schemeClr val="tx1"/>
+                      </a:solidFill>
+                      <a:prstDash val="solid"/>
+                      <a:round/>
+                      <a:headEnd type="none" w="med" len="med"/>
+                      <a:tailEnd type="none" w="med" len="med"/>
+                    </a:lnB>
+                    <a:solidFill>
+                      <a:schemeClr val="bg1"/>
+                    </a:solidFill>
+                  </a:tcPr>
+                </a:tc>
+                <a:tc>
+                  <a:txBody>
+                    <a:bodyPr/>
+                    <a:lstStyle/>
+                    <a:p>
+                      <a:r>
+                        <a:rPr lang="fr-FR" sz="1200" b="0" dirty="0" smtClean="0">
+                          <a:solidFill>
+                            <a:schemeClr val="tx1"/>
+                          </a:solidFill>
+                        </a:rPr>
+                        <a:t>4 – Coupl</a:t>
+                      </a:r>
+                      <a:r>
+                        <a:rPr lang="fr-FR" sz="1200" b="0" baseline="0" dirty="0" smtClean="0">
+                          <a:solidFill>
+                            <a:schemeClr val="tx1"/>
+                          </a:solidFill>
+                        </a:rPr>
+                        <a:t>e (Nm)</a:t>
+                      </a:r>
+                      <a:endParaRPr lang="fr-FR" sz="1200" b="0" dirty="0">
+                        <a:solidFill>
+                          <a:schemeClr val="tx1"/>
+                        </a:solidFill>
+                      </a:endParaRPr>
+                    </a:p>
+                  </a:txBody>
+                  <a:tcPr>
+                    <a:lnL w="12700" cap="flat" cmpd="sng" algn="ctr">
+                      <a:solidFill>
+                        <a:schemeClr val="tx1"/>
+                      </a:solidFill>
+                      <a:prstDash val="solid"/>
+                      <a:round/>
+                      <a:headEnd type="none" w="med" len="med"/>
+                      <a:tailEnd type="none" w="med" len="med"/>
+                    </a:lnL>
+                    <a:lnR w="12700" cap="flat" cmpd="sng" algn="ctr">
+                      <a:solidFill>
+                        <a:schemeClr val="tx1"/>
+                      </a:solidFill>
+                      <a:prstDash val="solid"/>
+                      <a:round/>
+                      <a:headEnd type="none" w="med" len="med"/>
+                      <a:tailEnd type="none" w="med" len="med"/>
+                    </a:lnR>
+                    <a:lnT w="12700" cap="flat" cmpd="sng" algn="ctr">
+                      <a:solidFill>
+                        <a:schemeClr val="tx1"/>
+                      </a:solidFill>
+                      <a:prstDash val="solid"/>
+                      <a:round/>
+                      <a:headEnd type="none" w="med" len="med"/>
+                      <a:tailEnd type="none" w="med" len="med"/>
+                    </a:lnT>
+                    <a:lnB w="12700" cap="flat" cmpd="sng" algn="ctr">
+                      <a:solidFill>
+                        <a:schemeClr val="tx1"/>
+                      </a:solidFill>
+                      <a:prstDash val="solid"/>
+                      <a:round/>
+                      <a:headEnd type="none" w="med" len="med"/>
+                      <a:tailEnd type="none" w="med" len="med"/>
+                    </a:lnB>
+                    <a:solidFill>
+                      <a:schemeClr val="bg1"/>
+                    </a:solidFill>
+                  </a:tcPr>
+                </a:tc>
+                <a:tc>
+                  <a:txBody>
+                    <a:bodyPr/>
+                    <a:lstStyle/>
+                    <a:p>
+                      <a:r>
+                        <a:rPr lang="fr-FR" sz="1200" b="0" dirty="0" smtClean="0">
+                          <a:solidFill>
+                            <a:schemeClr val="tx1"/>
+                          </a:solidFill>
+                        </a:rPr>
+                        <a:t>5 – </a:t>
+                      </a:r>
+                      <a:r>
+                        <a:rPr lang="fr-FR" sz="1200" b="0" dirty="0" err="1" smtClean="0">
+                          <a:solidFill>
+                            <a:schemeClr val="tx1"/>
+                          </a:solidFill>
+                        </a:rPr>
+                        <a:t>Fréq</a:t>
+                      </a:r>
+                      <a:r>
+                        <a:rPr lang="fr-FR" sz="1200" b="0" baseline="0" dirty="0" smtClean="0">
+                          <a:solidFill>
+                            <a:schemeClr val="tx1"/>
+                          </a:solidFill>
+                        </a:rPr>
+                        <a:t> </a:t>
+                      </a:r>
+                      <a:r>
+                        <a:rPr lang="fr-FR" sz="1200" b="0" baseline="0" dirty="0" err="1" smtClean="0">
+                          <a:solidFill>
+                            <a:schemeClr val="tx1"/>
+                          </a:solidFill>
+                        </a:rPr>
+                        <a:t>rotat</a:t>
+                      </a:r>
+                      <a:r>
+                        <a:rPr lang="fr-FR" sz="1200" b="0" baseline="0" dirty="0" smtClean="0">
+                          <a:solidFill>
+                            <a:schemeClr val="tx1"/>
+                          </a:solidFill>
+                        </a:rPr>
+                        <a:t>° </a:t>
+                      </a:r>
+                      <a:r>
+                        <a:rPr lang="fr-FR" sz="900" b="0" baseline="0" dirty="0" smtClean="0">
+                          <a:solidFill>
+                            <a:schemeClr val="tx1"/>
+                          </a:solidFill>
+                        </a:rPr>
+                        <a:t>(rad.s-1)</a:t>
+                      </a:r>
+                      <a:endParaRPr lang="fr-FR" sz="1200" b="0" dirty="0">
+                        <a:solidFill>
+                          <a:schemeClr val="tx1"/>
+                        </a:solidFill>
+                      </a:endParaRPr>
+                    </a:p>
+                  </a:txBody>
+                  <a:tcPr>
+                    <a:lnL w="12700" cap="flat" cmpd="sng" algn="ctr">
+                      <a:solidFill>
+                        <a:schemeClr val="tx1"/>
+                      </a:solidFill>
+                      <a:prstDash val="solid"/>
+                      <a:round/>
+                      <a:headEnd type="none" w="med" len="med"/>
+                      <a:tailEnd type="none" w="med" len="med"/>
+                    </a:lnL>
+                    <a:lnR w="12700" cap="flat" cmpd="sng" algn="ctr">
+                      <a:solidFill>
+                        <a:schemeClr val="tx1"/>
+                      </a:solidFill>
+                      <a:prstDash val="solid"/>
+                      <a:round/>
+                      <a:headEnd type="none" w="med" len="med"/>
+                      <a:tailEnd type="none" w="med" len="med"/>
+                    </a:lnR>
+                    <a:lnT w="12700" cap="flat" cmpd="sng" algn="ctr">
+                      <a:solidFill>
+                        <a:schemeClr val="tx1"/>
+                      </a:solidFill>
+                      <a:prstDash val="solid"/>
+                      <a:round/>
+                      <a:headEnd type="none" w="med" len="med"/>
+                      <a:tailEnd type="none" w="med" len="med"/>
+                    </a:lnT>
+                    <a:lnB w="12700" cap="flat" cmpd="sng" algn="ctr">
+                      <a:solidFill>
+                        <a:schemeClr val="tx1"/>
+                      </a:solidFill>
+                      <a:prstDash val="solid"/>
+                      <a:round/>
+                      <a:headEnd type="none" w="med" len="med"/>
+                      <a:tailEnd type="none" w="med" len="med"/>
+                    </a:lnB>
+                    <a:solidFill>
+                      <a:schemeClr val="bg1"/>
+                    </a:solidFill>
+                  </a:tcPr>
+                </a:tc>
+                <a:tc>
+                  <a:txBody>
+                    <a:bodyPr/>
+                    <a:lstStyle/>
+                    <a:p>
+                      <a:r>
+                        <a:rPr lang="fr-FR" sz="1200" b="0" dirty="0" smtClean="0">
+                          <a:solidFill>
+                            <a:schemeClr val="tx1"/>
+                          </a:solidFill>
+                        </a:rPr>
+                        <a:t>6 – Angle °</a:t>
+                      </a:r>
+                      <a:endParaRPr lang="fr-FR" sz="1200" b="0" dirty="0">
+                        <a:solidFill>
+                          <a:schemeClr val="tx1"/>
+                        </a:solidFill>
+                      </a:endParaRPr>
+                    </a:p>
+                  </a:txBody>
+                  <a:tcPr>
+                    <a:lnL w="12700" cap="flat" cmpd="sng" algn="ctr">
+                      <a:solidFill>
+                        <a:schemeClr val="tx1"/>
+                      </a:solidFill>
+                      <a:prstDash val="solid"/>
+                      <a:round/>
+                      <a:headEnd type="none" w="med" len="med"/>
+                      <a:tailEnd type="none" w="med" len="med"/>
+                    </a:lnL>
+                    <a:lnR w="12700" cap="flat" cmpd="sng" algn="ctr">
+                      <a:solidFill>
+                        <a:schemeClr val="tx1"/>
+                      </a:solidFill>
+                      <a:prstDash val="solid"/>
+                      <a:round/>
+                      <a:headEnd type="none" w="med" len="med"/>
+                      <a:tailEnd type="none" w="med" len="med"/>
+                    </a:lnR>
+                    <a:lnT w="12700" cap="flat" cmpd="sng" algn="ctr">
+                      <a:solidFill>
+                        <a:schemeClr val="tx1"/>
+                      </a:solidFill>
+                      <a:prstDash val="solid"/>
+                      <a:round/>
+                      <a:headEnd type="none" w="med" len="med"/>
+                      <a:tailEnd type="none" w="med" len="med"/>
+                    </a:lnT>
+                    <a:lnB w="12700" cap="flat" cmpd="sng" algn="ctr">
+                      <a:solidFill>
+                        <a:schemeClr val="tx1"/>
+                      </a:solidFill>
+                      <a:prstDash val="solid"/>
+                      <a:round/>
+                      <a:headEnd type="none" w="med" len="med"/>
+                      <a:tailEnd type="none" w="med" len="med"/>
+                    </a:lnB>
+                    <a:solidFill>
+                      <a:schemeClr val="bg1"/>
+                    </a:solidFill>
+                  </a:tcPr>
+                </a:tc>
+              </a:tr>
+            </a:tbl>
+          </a:graphicData>
+        </a:graphic>
+      </p:graphicFrame>
+      <p:graphicFrame>
+        <p:nvGraphicFramePr>
+          <p:cNvPr id="34" name="Tableau 33"/>
+          <p:cNvGraphicFramePr>
+            <a:graphicFrameLocks noGrp="1"/>
+          </p:cNvGraphicFramePr>
+          <p:nvPr>
+            <p:extLst>
+              <p:ext uri="{D42A27DB-BD31-4B8C-83A1-F6EECF244321}">
+                <p14:modId xmlns:p14="http://schemas.microsoft.com/office/powerpoint/2010/main" val="3312230580"/>
+              </p:ext>
+            </p:extLst>
+          </p:nvPr>
+        </p:nvGraphicFramePr>
+        <p:xfrm>
+          <a:off x="381871" y="2437186"/>
+          <a:ext cx="5909950" cy="548640"/>
+        </p:xfrm>
+        <a:graphic>
+          <a:graphicData uri="http://schemas.openxmlformats.org/drawingml/2006/table">
+            <a:tbl>
+              <a:tblPr firstRow="1" bandRow="1">
+                <a:tableStyleId>{5C22544A-7EE6-4342-B048-85BDC9FD1C3A}</a:tableStyleId>
+              </a:tblPr>
+              <a:tblGrid>
+                <a:gridCol w="1122385"/>
+                <a:gridCol w="1726023"/>
+                <a:gridCol w="1530771"/>
+                <a:gridCol w="1530771"/>
+              </a:tblGrid>
+              <a:tr h="0">
+                <a:tc rowSpan="2">
+                  <a:txBody>
+                    <a:bodyPr/>
+                    <a:lstStyle/>
+                    <a:p>
+                      <a:r>
+                        <a:rPr lang="fr-FR" sz="1200" b="0" dirty="0" smtClean="0">
+                          <a:solidFill>
+                            <a:schemeClr val="tx1"/>
+                          </a:solidFill>
+                        </a:rPr>
+                        <a:t>Commentaires</a:t>
+                      </a:r>
+                      <a:endParaRPr lang="fr-FR" sz="1200" b="0" dirty="0">
+                        <a:solidFill>
+                          <a:schemeClr val="tx1"/>
+                        </a:solidFill>
+                      </a:endParaRPr>
+                    </a:p>
+                  </a:txBody>
+                  <a:tcPr anchor="ctr">
+                    <a:lnL w="12700" cap="flat" cmpd="sng" algn="ctr">
+                      <a:solidFill>
+                        <a:schemeClr val="tx1"/>
+                      </a:solidFill>
+                      <a:prstDash val="solid"/>
+                      <a:round/>
+                      <a:headEnd type="none" w="med" len="med"/>
+                      <a:tailEnd type="none" w="med" len="med"/>
+                    </a:lnL>
+                    <a:lnR w="12700" cap="flat" cmpd="sng" algn="ctr">
+                      <a:solidFill>
+                        <a:schemeClr val="tx1"/>
+                      </a:solidFill>
+                      <a:prstDash val="solid"/>
+                      <a:round/>
+                      <a:headEnd type="none" w="med" len="med"/>
+                      <a:tailEnd type="none" w="med" len="med"/>
+                    </a:lnR>
+                    <a:lnT w="12700" cap="flat" cmpd="sng" algn="ctr">
+                      <a:solidFill>
+                        <a:schemeClr val="tx1"/>
+                      </a:solidFill>
+                      <a:prstDash val="solid"/>
+                      <a:round/>
+                      <a:headEnd type="none" w="med" len="med"/>
+                      <a:tailEnd type="none" w="med" len="med"/>
+                    </a:lnT>
+                    <a:lnB w="12700" cap="flat" cmpd="sng" algn="ctr">
+                      <a:solidFill>
+                        <a:schemeClr val="tx1"/>
+                      </a:solidFill>
+                      <a:prstDash val="solid"/>
+                      <a:round/>
+                      <a:headEnd type="none" w="med" len="med"/>
+                      <a:tailEnd type="none" w="med" len="med"/>
+                    </a:lnB>
+                    <a:solidFill>
+                      <a:schemeClr val="bg1"/>
+                    </a:solidFill>
+                  </a:tcPr>
+                </a:tc>
+                <a:tc>
+                  <a:txBody>
+                    <a:bodyPr/>
+                    <a:lstStyle/>
+                    <a:p>
+                      <a:r>
+                        <a:rPr lang="fr-FR" sz="1200" b="0" dirty="0" smtClean="0">
+                          <a:solidFill>
+                            <a:schemeClr val="tx1"/>
+                          </a:solidFill>
+                        </a:rPr>
+                        <a:t>A – Signaux d’entrée</a:t>
+                      </a:r>
+                      <a:endParaRPr lang="fr-FR" sz="1200" b="0" dirty="0">
+                        <a:solidFill>
+                          <a:schemeClr val="tx1"/>
+                        </a:solidFill>
+                      </a:endParaRPr>
+                    </a:p>
+                  </a:txBody>
+                  <a:tcPr>
+                    <a:lnL w="12700" cap="flat" cmpd="sng" algn="ctr">
+                      <a:solidFill>
+                        <a:schemeClr val="tx1"/>
+                      </a:solidFill>
+                      <a:prstDash val="solid"/>
+                      <a:round/>
+                      <a:headEnd type="none" w="med" len="med"/>
+                      <a:tailEnd type="none" w="med" len="med"/>
+                    </a:lnL>
+                    <a:lnR w="12700" cap="flat" cmpd="sng" algn="ctr">
+                      <a:solidFill>
+                        <a:schemeClr val="tx1"/>
+                      </a:solidFill>
+                      <a:prstDash val="solid"/>
+                      <a:round/>
+                      <a:headEnd type="none" w="med" len="med"/>
+                      <a:tailEnd type="none" w="med" len="med"/>
+                    </a:lnR>
+                    <a:lnT w="12700" cap="flat" cmpd="sng" algn="ctr">
+                      <a:solidFill>
+                        <a:schemeClr val="tx1"/>
+                      </a:solidFill>
+                      <a:prstDash val="solid"/>
+                      <a:round/>
+                      <a:headEnd type="none" w="med" len="med"/>
+                      <a:tailEnd type="none" w="med" len="med"/>
+                    </a:lnT>
+                    <a:lnB w="12700" cap="flat" cmpd="sng" algn="ctr">
+                      <a:solidFill>
+                        <a:schemeClr val="tx1"/>
+                      </a:solidFill>
+                      <a:prstDash val="solid"/>
+                      <a:round/>
+                      <a:headEnd type="none" w="med" len="med"/>
+                      <a:tailEnd type="none" w="med" len="med"/>
+                    </a:lnB>
+                    <a:solidFill>
+                      <a:schemeClr val="bg1"/>
+                    </a:solidFill>
+                  </a:tcPr>
+                </a:tc>
+                <a:tc>
+                  <a:txBody>
+                    <a:bodyPr/>
+                    <a:lstStyle/>
+                    <a:p>
+                      <a:r>
+                        <a:rPr lang="fr-FR" sz="1200" b="0" dirty="0" smtClean="0">
+                          <a:solidFill>
+                            <a:schemeClr val="tx1"/>
+                          </a:solidFill>
+                        </a:rPr>
+                        <a:t>B – Pilotage</a:t>
+                      </a:r>
+                      <a:r>
+                        <a:rPr lang="fr-FR" sz="1200" b="0" baseline="0" dirty="0" smtClean="0">
+                          <a:solidFill>
+                            <a:schemeClr val="tx1"/>
+                          </a:solidFill>
+                        </a:rPr>
+                        <a:t> du roulis</a:t>
+                      </a:r>
+                      <a:endParaRPr lang="fr-FR" sz="1200" b="0" dirty="0">
+                        <a:solidFill>
+                          <a:schemeClr val="tx1"/>
+                        </a:solidFill>
+                      </a:endParaRPr>
+                    </a:p>
+                  </a:txBody>
+                  <a:tcPr>
+                    <a:lnL w="12700" cap="flat" cmpd="sng" algn="ctr">
+                      <a:solidFill>
+                        <a:schemeClr val="tx1"/>
+                      </a:solidFill>
+                      <a:prstDash val="solid"/>
+                      <a:round/>
+                      <a:headEnd type="none" w="med" len="med"/>
+                      <a:tailEnd type="none" w="med" len="med"/>
+                    </a:lnL>
+                    <a:lnR w="12700" cap="flat" cmpd="sng" algn="ctr">
+                      <a:solidFill>
+                        <a:schemeClr val="tx1"/>
+                      </a:solidFill>
+                      <a:prstDash val="solid"/>
+                      <a:round/>
+                      <a:headEnd type="none" w="med" len="med"/>
+                      <a:tailEnd type="none" w="med" len="med"/>
+                    </a:lnR>
+                    <a:lnT w="12700" cap="flat" cmpd="sng" algn="ctr">
+                      <a:solidFill>
+                        <a:schemeClr val="tx1"/>
+                      </a:solidFill>
+                      <a:prstDash val="solid"/>
+                      <a:round/>
+                      <a:headEnd type="none" w="med" len="med"/>
+                      <a:tailEnd type="none" w="med" len="med"/>
+                    </a:lnT>
+                    <a:lnB w="12700" cap="flat" cmpd="sng" algn="ctr">
+                      <a:solidFill>
+                        <a:schemeClr val="tx1"/>
+                      </a:solidFill>
+                      <a:prstDash val="solid"/>
+                      <a:round/>
+                      <a:headEnd type="none" w="med" len="med"/>
+                      <a:tailEnd type="none" w="med" len="med"/>
+                    </a:lnB>
+                    <a:solidFill>
+                      <a:schemeClr val="bg1"/>
+                    </a:solidFill>
+                  </a:tcPr>
+                </a:tc>
+                <a:tc>
+                  <a:txBody>
+                    <a:bodyPr/>
+                    <a:lstStyle/>
+                    <a:p>
+                      <a:r>
+                        <a:rPr lang="fr-FR" sz="1200" b="0" dirty="0" smtClean="0">
+                          <a:solidFill>
+                            <a:schemeClr val="tx1"/>
+                          </a:solidFill>
+                        </a:rPr>
+                        <a:t>C – Capteur</a:t>
+                      </a:r>
+                      <a:endParaRPr lang="fr-FR" sz="1200" b="0" dirty="0">
+                        <a:solidFill>
+                          <a:schemeClr val="tx1"/>
+                        </a:solidFill>
+                      </a:endParaRPr>
+                    </a:p>
+                  </a:txBody>
+                  <a:tcPr>
+                    <a:lnL w="12700" cap="flat" cmpd="sng" algn="ctr">
+                      <a:solidFill>
+                        <a:schemeClr val="tx1"/>
+                      </a:solidFill>
+                      <a:prstDash val="solid"/>
+                      <a:round/>
+                      <a:headEnd type="none" w="med" len="med"/>
+                      <a:tailEnd type="none" w="med" len="med"/>
+                    </a:lnL>
+                    <a:lnR w="12700" cap="flat" cmpd="sng" algn="ctr">
+                      <a:solidFill>
+                        <a:schemeClr val="tx1"/>
+                      </a:solidFill>
+                      <a:prstDash val="solid"/>
+                      <a:round/>
+                      <a:headEnd type="none" w="med" len="med"/>
+                      <a:tailEnd type="none" w="med" len="med"/>
+                    </a:lnR>
+                    <a:lnT w="12700" cap="flat" cmpd="sng" algn="ctr">
+                      <a:solidFill>
+                        <a:schemeClr val="tx1"/>
+                      </a:solidFill>
+                      <a:prstDash val="solid"/>
+                      <a:round/>
+                      <a:headEnd type="none" w="med" len="med"/>
+                      <a:tailEnd type="none" w="med" len="med"/>
+                    </a:lnT>
+                    <a:lnB w="12700" cap="flat" cmpd="sng" algn="ctr">
+                      <a:solidFill>
+                        <a:schemeClr val="tx1"/>
+                      </a:solidFill>
+                      <a:prstDash val="solid"/>
+                      <a:round/>
+                      <a:headEnd type="none" w="med" len="med"/>
+                      <a:tailEnd type="none" w="med" len="med"/>
+                    </a:lnB>
+                    <a:solidFill>
+                      <a:schemeClr val="bg1"/>
+                    </a:solidFill>
+                  </a:tcPr>
+                </a:tc>
+              </a:tr>
+              <a:tr h="0">
+                <a:tc vMerge="1">
+                  <a:txBody>
+                    <a:bodyPr/>
+                    <a:lstStyle/>
+                    <a:p>
+                      <a:endParaRPr lang="fr-FR" dirty="0"/>
+                    </a:p>
+                  </a:txBody>
+                  <a:tcPr>
+                    <a:lnL w="12700" cap="flat" cmpd="sng" algn="ctr">
+                      <a:solidFill>
+                        <a:schemeClr val="tx1"/>
+                      </a:solidFill>
+                      <a:prstDash val="solid"/>
+                      <a:round/>
+                      <a:headEnd type="none" w="med" len="med"/>
+                      <a:tailEnd type="none" w="med" len="med"/>
+                    </a:lnL>
+                    <a:lnR w="12700" cap="flat" cmpd="sng" algn="ctr">
+                      <a:solidFill>
+                        <a:schemeClr val="tx1"/>
+                      </a:solidFill>
+                      <a:prstDash val="solid"/>
+                      <a:round/>
+                      <a:headEnd type="none" w="med" len="med"/>
+                      <a:tailEnd type="none" w="med" len="med"/>
+                    </a:lnR>
+                    <a:lnT w="12700" cap="flat" cmpd="sng" algn="ctr">
+                      <a:solidFill>
+                        <a:schemeClr val="tx1"/>
+                      </a:solidFill>
+                      <a:prstDash val="solid"/>
+                      <a:round/>
+                      <a:headEnd type="none" w="med" len="med"/>
+                      <a:tailEnd type="none" w="med" len="med"/>
+                    </a:lnT>
+                    <a:lnB w="12700" cap="flat" cmpd="sng" algn="ctr">
+                      <a:solidFill>
+                        <a:schemeClr val="tx1"/>
+                      </a:solidFill>
+                      <a:prstDash val="solid"/>
+                      <a:round/>
+                      <a:headEnd type="none" w="med" len="med"/>
+                      <a:tailEnd type="none" w="med" len="med"/>
+                    </a:lnB>
+                    <a:solidFill>
+                      <a:schemeClr val="bg1"/>
+                    </a:solidFill>
+                  </a:tcPr>
+                </a:tc>
+                <a:tc>
+                  <a:txBody>
+                    <a:bodyPr/>
+                    <a:lstStyle/>
+                    <a:p>
+                      <a:r>
+                        <a:rPr lang="fr-FR" sz="1200" b="0" dirty="0" smtClean="0">
+                          <a:solidFill>
+                            <a:schemeClr val="tx1"/>
+                          </a:solidFill>
+                        </a:rPr>
+                        <a:t>D – </a:t>
+                      </a:r>
+                      <a:r>
+                        <a:rPr lang="fr-FR" sz="1000" b="0" dirty="0" smtClean="0">
+                          <a:solidFill>
+                            <a:schemeClr val="tx1"/>
+                          </a:solidFill>
+                        </a:rPr>
+                        <a:t>Modéliser</a:t>
+                      </a:r>
+                      <a:r>
+                        <a:rPr lang="fr-FR" sz="1000" b="0" baseline="0" dirty="0" smtClean="0">
+                          <a:solidFill>
+                            <a:schemeClr val="tx1"/>
+                          </a:solidFill>
+                        </a:rPr>
+                        <a:t> le frottement</a:t>
+                      </a:r>
+                      <a:endParaRPr lang="fr-FR" sz="1200" b="0" dirty="0">
+                        <a:solidFill>
+                          <a:schemeClr val="tx1"/>
+                        </a:solidFill>
+                      </a:endParaRPr>
+                    </a:p>
+                  </a:txBody>
+                  <a:tcPr>
+                    <a:lnL w="12700" cap="flat" cmpd="sng" algn="ctr">
+                      <a:solidFill>
+                        <a:schemeClr val="tx1"/>
+                      </a:solidFill>
+                      <a:prstDash val="solid"/>
+                      <a:round/>
+                      <a:headEnd type="none" w="med" len="med"/>
+                      <a:tailEnd type="none" w="med" len="med"/>
+                    </a:lnL>
+                    <a:lnR w="12700" cap="flat" cmpd="sng" algn="ctr">
+                      <a:solidFill>
+                        <a:schemeClr val="tx1"/>
+                      </a:solidFill>
+                      <a:prstDash val="solid"/>
+                      <a:round/>
+                      <a:headEnd type="none" w="med" len="med"/>
+                      <a:tailEnd type="none" w="med" len="med"/>
+                    </a:lnR>
+                    <a:lnT w="12700" cap="flat" cmpd="sng" algn="ctr">
+                      <a:solidFill>
+                        <a:schemeClr val="tx1"/>
+                      </a:solidFill>
+                      <a:prstDash val="solid"/>
+                      <a:round/>
+                      <a:headEnd type="none" w="med" len="med"/>
+                      <a:tailEnd type="none" w="med" len="med"/>
+                    </a:lnT>
+                    <a:lnB w="12700" cap="flat" cmpd="sng" algn="ctr">
+                      <a:solidFill>
+                        <a:schemeClr val="tx1"/>
+                      </a:solidFill>
+                      <a:prstDash val="solid"/>
+                      <a:round/>
+                      <a:headEnd type="none" w="med" len="med"/>
+                      <a:tailEnd type="none" w="med" len="med"/>
+                    </a:lnB>
+                    <a:solidFill>
+                      <a:schemeClr val="bg1"/>
+                    </a:solidFill>
+                  </a:tcPr>
+                </a:tc>
+                <a:tc>
+                  <a:txBody>
+                    <a:bodyPr/>
+                    <a:lstStyle/>
+                    <a:p>
+                      <a:r>
+                        <a:rPr lang="fr-FR" sz="1200" b="0" dirty="0" smtClean="0">
+                          <a:solidFill>
+                            <a:schemeClr val="tx1"/>
+                          </a:solidFill>
+                        </a:rPr>
+                        <a:t>E – </a:t>
+                      </a:r>
+                      <a:r>
+                        <a:rPr lang="fr-FR" sz="1050" b="0" dirty="0" smtClean="0">
+                          <a:solidFill>
+                            <a:schemeClr val="tx1"/>
+                          </a:solidFill>
+                        </a:rPr>
+                        <a:t>Train</a:t>
+                      </a:r>
+                      <a:r>
+                        <a:rPr lang="fr-FR" sz="1050" b="0" baseline="0" dirty="0" smtClean="0">
+                          <a:solidFill>
+                            <a:schemeClr val="tx1"/>
+                          </a:solidFill>
+                        </a:rPr>
+                        <a:t> d’engrenages</a:t>
+                      </a:r>
+                      <a:endParaRPr lang="fr-FR" sz="1200" b="0" dirty="0">
+                        <a:solidFill>
+                          <a:schemeClr val="tx1"/>
+                        </a:solidFill>
+                      </a:endParaRPr>
+                    </a:p>
+                  </a:txBody>
+                  <a:tcPr>
+                    <a:lnL w="12700" cap="flat" cmpd="sng" algn="ctr">
+                      <a:solidFill>
+                        <a:schemeClr val="tx1"/>
+                      </a:solidFill>
+                      <a:prstDash val="solid"/>
+                      <a:round/>
+                      <a:headEnd type="none" w="med" len="med"/>
+                      <a:tailEnd type="none" w="med" len="med"/>
+                    </a:lnL>
+                    <a:lnR w="12700" cap="flat" cmpd="sng" algn="ctr">
+                      <a:solidFill>
+                        <a:schemeClr val="tx1"/>
+                      </a:solidFill>
+                      <a:prstDash val="solid"/>
+                      <a:round/>
+                      <a:headEnd type="none" w="med" len="med"/>
+                      <a:tailEnd type="none" w="med" len="med"/>
+                    </a:lnR>
+                    <a:lnT w="12700" cap="flat" cmpd="sng" algn="ctr">
+                      <a:solidFill>
+                        <a:schemeClr val="tx1"/>
+                      </a:solidFill>
+                      <a:prstDash val="solid"/>
+                      <a:round/>
+                      <a:headEnd type="none" w="med" len="med"/>
+                      <a:tailEnd type="none" w="med" len="med"/>
+                    </a:lnT>
+                    <a:lnB w="12700" cap="flat" cmpd="sng" algn="ctr">
+                      <a:solidFill>
+                        <a:schemeClr val="tx1"/>
+                      </a:solidFill>
+                      <a:prstDash val="solid"/>
+                      <a:round/>
+                      <a:headEnd type="none" w="med" len="med"/>
+                      <a:tailEnd type="none" w="med" len="med"/>
+                    </a:lnB>
+                    <a:solidFill>
+                      <a:schemeClr val="bg1"/>
+                    </a:solidFill>
+                  </a:tcPr>
+                </a:tc>
+                <a:tc>
+                  <a:txBody>
+                    <a:bodyPr/>
+                    <a:lstStyle/>
+                    <a:p>
+                      <a:r>
+                        <a:rPr lang="fr-FR" sz="1200" b="0" dirty="0" smtClean="0">
+                          <a:solidFill>
+                            <a:schemeClr val="tx1"/>
+                          </a:solidFill>
+                        </a:rPr>
+                        <a:t>F – Afficheur</a:t>
+                      </a:r>
+                      <a:endParaRPr lang="fr-FR" sz="1200" b="0" dirty="0">
+                        <a:solidFill>
+                          <a:schemeClr val="tx1"/>
+                        </a:solidFill>
+                      </a:endParaRPr>
+                    </a:p>
+                  </a:txBody>
+                  <a:tcPr>
+                    <a:lnL w="12700" cap="flat" cmpd="sng" algn="ctr">
+                      <a:solidFill>
+                        <a:schemeClr val="tx1"/>
+                      </a:solidFill>
+                      <a:prstDash val="solid"/>
+                      <a:round/>
+                      <a:headEnd type="none" w="med" len="med"/>
+                      <a:tailEnd type="none" w="med" len="med"/>
+                    </a:lnL>
+                    <a:lnR w="12700" cap="flat" cmpd="sng" algn="ctr">
+                      <a:solidFill>
+                        <a:schemeClr val="tx1"/>
+                      </a:solidFill>
+                      <a:prstDash val="solid"/>
+                      <a:round/>
+                      <a:headEnd type="none" w="med" len="med"/>
+                      <a:tailEnd type="none" w="med" len="med"/>
+                    </a:lnR>
+                    <a:lnT w="12700" cap="flat" cmpd="sng" algn="ctr">
+                      <a:solidFill>
+                        <a:schemeClr val="tx1"/>
+                      </a:solidFill>
+                      <a:prstDash val="solid"/>
+                      <a:round/>
+                      <a:headEnd type="none" w="med" len="med"/>
+                      <a:tailEnd type="none" w="med" len="med"/>
+                    </a:lnT>
+                    <a:lnB w="12700" cap="flat" cmpd="sng" algn="ctr">
+                      <a:solidFill>
+                        <a:schemeClr val="tx1"/>
+                      </a:solidFill>
+                      <a:prstDash val="solid"/>
+                      <a:round/>
+                      <a:headEnd type="none" w="med" len="med"/>
+                      <a:tailEnd type="none" w="med" len="med"/>
+                    </a:lnB>
+                    <a:solidFill>
+                      <a:schemeClr val="bg1"/>
+                    </a:solidFill>
+                  </a:tcPr>
+                </a:tc>
+              </a:tr>
+            </a:tbl>
+          </a:graphicData>
+        </a:graphic>
+      </p:graphicFrame>
+      <p:sp>
+        <p:nvSpPr>
+          <p:cNvPr id="35" name="Ellipse 34"/>
+          <p:cNvSpPr/>
+          <p:nvPr/>
+        </p:nvSpPr>
+        <p:spPr>
+          <a:xfrm>
+            <a:off x="6075796" y="1469764"/>
+            <a:ext cx="216024" cy="216024"/>
+          </a:xfrm>
+          <a:prstGeom prst="ellipse">
+            <a:avLst/>
+          </a:prstGeom>
+          <a:solidFill>
+            <a:schemeClr val="bg1"/>
+          </a:solidFill>
+          <a:ln w="19050">
+            <a:solidFill>
+              <a:schemeClr val="tx1"/>
+            </a:solidFill>
+          </a:ln>
+        </p:spPr>
+        <p:style>
+          <a:lnRef idx="2">
+            <a:schemeClr val="accent1">
+              <a:shade val="50000"/>
+            </a:schemeClr>
+          </a:lnRef>
+          <a:fillRef idx="1">
+            <a:schemeClr val="accent1"/>
+          </a:fillRef>
+          <a:effectRef idx="0">
+            <a:schemeClr val="accent1"/>
+          </a:effectRef>
+          <a:fontRef idx="minor">
+            <a:schemeClr val="lt1"/>
+          </a:fontRef>
+        </p:style>
+        <p:txBody>
+          <a:bodyPr lIns="0" tIns="0" rIns="0" bIns="0" rtlCol="0" anchor="ctr"/>
+          <a:lstStyle/>
+          <a:p>
+            <a:pPr algn="ctr"/>
+            <a:r>
+              <a:rPr lang="fr-FR" sz="1100" b="1" dirty="0" smtClean="0">
+                <a:solidFill>
+                  <a:schemeClr val="tx1"/>
+                </a:solidFill>
+              </a:rPr>
+              <a:t>F</a:t>
+            </a:r>
+            <a:endParaRPr lang="fr-FR" b="1" dirty="0">
+              <a:solidFill>
+                <a:schemeClr val="tx1"/>
+              </a:solidFill>
+            </a:endParaRPr>
+          </a:p>
+        </p:txBody>
+      </p:sp>
+      <p:sp>
+        <p:nvSpPr>
+          <p:cNvPr id="36" name="Rectangle 35"/>
+          <p:cNvSpPr/>
+          <p:nvPr/>
+        </p:nvSpPr>
+        <p:spPr>
+          <a:xfrm>
+            <a:off x="5680720" y="1409907"/>
+            <a:ext cx="324017" cy="275881"/>
+          </a:xfrm>
+          <a:prstGeom prst="rect">
+            <a:avLst/>
+          </a:prstGeom>
+          <a:noFill/>
+          <a:ln>
+            <a:solidFill>
+              <a:srgbClr val="FF0000"/>
+            </a:solidFill>
+            <a:prstDash val="dash"/>
+          </a:ln>
+        </p:spPr>
+        <p:style>
+          <a:lnRef idx="2">
+            <a:schemeClr val="accent1">
+              <a:shade val="50000"/>
+            </a:schemeClr>
+          </a:lnRef>
+          <a:fillRef idx="1">
+            <a:schemeClr val="accent1"/>
+          </a:fillRef>
+          <a:effectRef idx="0">
+            <a:schemeClr val="accent1"/>
+          </a:effectRef>
+          <a:fontRef idx="minor">
+            <a:schemeClr val="lt1"/>
+          </a:fontRef>
+        </p:style>
+        <p:txBody>
+          <a:bodyPr rtlCol="0" anchor="ctr"/>
+          <a:lstStyle/>
+          <a:p>
+            <a:pPr algn="ctr"/>
+            <a:endParaRPr lang="fr-FR"/>
+          </a:p>
+        </p:txBody>
+      </p:sp>
+      <p:graphicFrame>
+        <p:nvGraphicFramePr>
+          <p:cNvPr id="22" name="Tableau 21"/>
+          <p:cNvGraphicFramePr>
+            <a:graphicFrameLocks noGrp="1"/>
+          </p:cNvGraphicFramePr>
+          <p:nvPr>
+            <p:extLst>
+              <p:ext uri="{D42A27DB-BD31-4B8C-83A1-F6EECF244321}">
+                <p14:modId xmlns:p14="http://schemas.microsoft.com/office/powerpoint/2010/main" val="1013785524"/>
+              </p:ext>
+            </p:extLst>
+          </p:nvPr>
+        </p:nvGraphicFramePr>
+        <p:xfrm>
+          <a:off x="449885" y="3720480"/>
+          <a:ext cx="5841935" cy="1008112"/>
+        </p:xfrm>
+        <a:graphic>
+          <a:graphicData uri="http://schemas.openxmlformats.org/drawingml/2006/table">
+            <a:tbl>
+              <a:tblPr firstRow="1" bandRow="1">
+                <a:tableStyleId>{5C22544A-7EE6-4342-B048-85BDC9FD1C3A}</a:tableStyleId>
+              </a:tblPr>
+              <a:tblGrid>
+                <a:gridCol w="5841935"/>
+              </a:tblGrid>
+              <a:tr h="1008112">
+                <a:tc>
+                  <a:txBody>
+                    <a:bodyPr/>
+                    <a:lstStyle/>
+                    <a:p>
+                      <a:r>
+                        <a:rPr lang="fr-FR" sz="1200" dirty="0" smtClean="0">
+                          <a:solidFill>
+                            <a:schemeClr val="accent2">
+                              <a:lumMod val="50000"/>
+                            </a:schemeClr>
+                          </a:solidFill>
+                        </a:rPr>
+                        <a:t>Différences Modèle</a:t>
+                      </a:r>
+                      <a:r>
+                        <a:rPr lang="fr-FR" sz="1200" baseline="0" dirty="0" smtClean="0">
+                          <a:solidFill>
+                            <a:schemeClr val="accent2">
+                              <a:lumMod val="50000"/>
+                            </a:schemeClr>
+                          </a:solidFill>
+                        </a:rPr>
+                        <a:t> - réel</a:t>
+                      </a:r>
+                      <a:endParaRPr lang="fr-FR" sz="1200" dirty="0">
+                        <a:solidFill>
+                          <a:schemeClr val="accent2">
+                            <a:lumMod val="50000"/>
+                          </a:schemeClr>
+                        </a:solidFill>
+                      </a:endParaRPr>
+                    </a:p>
+                  </a:txBody>
+                  <a:tcPr>
+                    <a:lnL w="12700" cap="flat" cmpd="sng" algn="ctr">
+                      <a:solidFill>
+                        <a:schemeClr val="accent2">
+                          <a:lumMod val="50000"/>
+                        </a:schemeClr>
+                      </a:solidFill>
+                      <a:prstDash val="solid"/>
+                      <a:round/>
+                      <a:headEnd type="none" w="med" len="med"/>
+                      <a:tailEnd type="none" w="med" len="med"/>
+                    </a:lnL>
+                    <a:lnR w="12700" cap="flat" cmpd="sng" algn="ctr">
+                      <a:solidFill>
+                        <a:schemeClr val="accent2">
+                          <a:lumMod val="50000"/>
+                        </a:schemeClr>
+                      </a:solidFill>
+                      <a:prstDash val="solid"/>
+                      <a:round/>
+                      <a:headEnd type="none" w="med" len="med"/>
+                      <a:tailEnd type="none" w="med" len="med"/>
+                    </a:lnR>
+                    <a:lnT w="12700" cap="flat" cmpd="sng" algn="ctr">
+                      <a:solidFill>
+                        <a:schemeClr val="accent2">
+                          <a:lumMod val="50000"/>
+                        </a:schemeClr>
+                      </a:solidFill>
+                      <a:prstDash val="solid"/>
+                      <a:round/>
+                      <a:headEnd type="none" w="med" len="med"/>
+                      <a:tailEnd type="none" w="med" len="med"/>
+                    </a:lnT>
+                    <a:lnB w="12700" cap="flat" cmpd="sng" algn="ctr">
+                      <a:solidFill>
+                        <a:schemeClr val="accent2">
+                          <a:lumMod val="50000"/>
+                        </a:schemeClr>
+                      </a:solidFill>
+                      <a:prstDash val="solid"/>
+                      <a:round/>
+                      <a:headEnd type="none" w="med" len="med"/>
+                      <a:tailEnd type="none" w="med" len="med"/>
+                    </a:lnB>
+                    <a:lnTlToBr w="12700" cmpd="sng">
+                      <a:noFill/>
+                      <a:prstDash val="solid"/>
+                    </a:lnTlToBr>
+                    <a:lnBlToTr w="12700" cmpd="sng">
+                      <a:noFill/>
+                      <a:prstDash val="solid"/>
+                    </a:lnBlToTr>
+                    <a:solidFill>
+                      <a:schemeClr val="bg1"/>
+                    </a:solidFill>
+                  </a:tcPr>
+                </a:tc>
+              </a:tr>
+            </a:tbl>
+          </a:graphicData>
+        </a:graphic>
+      </p:graphicFrame>
+      <p:sp>
+        <p:nvSpPr>
+          <p:cNvPr id="33" name="Rectangle 32"/>
+          <p:cNvSpPr/>
+          <p:nvPr/>
+        </p:nvSpPr>
+        <p:spPr>
+          <a:xfrm rot="16200000">
+            <a:off x="-1664094" y="2804888"/>
+            <a:ext cx="3744418" cy="247009"/>
+          </a:xfrm>
+          <a:prstGeom prst="rect">
+            <a:avLst/>
+          </a:prstGeom>
+          <a:solidFill>
+            <a:schemeClr val="accent2">
+              <a:lumMod val="50000"/>
+            </a:schemeClr>
+          </a:solidFill>
+          <a:ln w="12700">
+            <a:solidFill>
+              <a:schemeClr val="accent2">
+                <a:lumMod val="50000"/>
+              </a:schemeClr>
+            </a:solidFill>
+          </a:ln>
+        </p:spPr>
+        <p:style>
+          <a:lnRef idx="2">
+            <a:schemeClr val="accent1">
+              <a:shade val="50000"/>
+            </a:schemeClr>
+          </a:lnRef>
+          <a:fillRef idx="1">
+            <a:schemeClr val="accent1"/>
+          </a:fillRef>
+          <a:effectRef idx="0">
+            <a:schemeClr val="accent1"/>
+          </a:effectRef>
+          <a:fontRef idx="minor">
+            <a:schemeClr val="lt1"/>
+          </a:fontRef>
+        </p:style>
+        <p:txBody>
+          <a:bodyPr rtlCol="0" anchor="ctr"/>
+          <a:lstStyle/>
+          <a:p>
+            <a:pPr algn="ctr"/>
+            <a:r>
+              <a:rPr lang="fr-FR" sz="1200" b="1" dirty="0"/>
+              <a:t>Synthèse 1</a:t>
+            </a:r>
+          </a:p>
+        </p:txBody>
+      </p:sp>
+      <p:sp>
+        <p:nvSpPr>
+          <p:cNvPr id="37" name="Rectangle 36"/>
+          <p:cNvSpPr/>
+          <p:nvPr/>
+        </p:nvSpPr>
+        <p:spPr>
+          <a:xfrm>
+            <a:off x="331619" y="1056183"/>
+            <a:ext cx="5997173" cy="3744417"/>
+          </a:xfrm>
+          <a:prstGeom prst="rect">
+            <a:avLst/>
+          </a:prstGeom>
+          <a:noFill/>
+          <a:ln w="12700">
+            <a:solidFill>
+              <a:schemeClr val="accent2">
+                <a:lumMod val="50000"/>
+              </a:schemeClr>
+            </a:solidFill>
+          </a:ln>
+        </p:spPr>
+        <p:style>
+          <a:lnRef idx="2">
+            <a:schemeClr val="accent1">
+              <a:shade val="50000"/>
+            </a:schemeClr>
+          </a:lnRef>
+          <a:fillRef idx="1">
+            <a:schemeClr val="accent1"/>
+          </a:fillRef>
+          <a:effectRef idx="0">
+            <a:schemeClr val="accent1"/>
+          </a:effectRef>
+          <a:fontRef idx="minor">
+            <a:schemeClr val="lt1"/>
+          </a:fontRef>
+        </p:style>
+        <p:txBody>
+          <a:bodyPr rtlCol="0" anchor="ctr"/>
+          <a:lstStyle/>
+          <a:p>
+            <a:pPr algn="ctr"/>
+            <a:endParaRPr lang="fr-FR"/>
+          </a:p>
+        </p:txBody>
+      </p:sp>
+      <p:sp>
+        <p:nvSpPr>
+          <p:cNvPr id="42" name="Rectangle 41"/>
+          <p:cNvSpPr/>
+          <p:nvPr/>
+        </p:nvSpPr>
+        <p:spPr>
+          <a:xfrm rot="16200000">
+            <a:off x="-2063062" y="7086438"/>
+            <a:ext cx="4542358" cy="247009"/>
+          </a:xfrm>
+          <a:prstGeom prst="rect">
+            <a:avLst/>
+          </a:prstGeom>
+          <a:solidFill>
+            <a:schemeClr val="accent2">
+              <a:lumMod val="50000"/>
+            </a:schemeClr>
+          </a:solidFill>
+          <a:ln w="12700">
+            <a:solidFill>
+              <a:schemeClr val="accent2">
+                <a:lumMod val="50000"/>
+              </a:schemeClr>
+            </a:solidFill>
+          </a:ln>
+        </p:spPr>
+        <p:style>
+          <a:lnRef idx="2">
+            <a:schemeClr val="accent1">
+              <a:shade val="50000"/>
+            </a:schemeClr>
+          </a:lnRef>
+          <a:fillRef idx="1">
+            <a:schemeClr val="accent1"/>
+          </a:fillRef>
+          <a:effectRef idx="0">
+            <a:schemeClr val="accent1"/>
+          </a:effectRef>
+          <a:fontRef idx="minor">
+            <a:schemeClr val="lt1"/>
+          </a:fontRef>
+        </p:style>
+        <p:txBody>
+          <a:bodyPr rtlCol="0" anchor="ctr"/>
+          <a:lstStyle/>
+          <a:p>
+            <a:pPr algn="ctr"/>
+            <a:r>
+              <a:rPr lang="fr-FR" sz="1200" b="1" dirty="0" smtClean="0"/>
+              <a:t>Synthèse 2 et 3 – Entrée échelon</a:t>
+            </a:r>
+            <a:endParaRPr lang="fr-FR" sz="1200" b="1" dirty="0"/>
+          </a:p>
+        </p:txBody>
+      </p:sp>
+      <p:sp>
+        <p:nvSpPr>
+          <p:cNvPr id="43" name="Rectangle 42"/>
+          <p:cNvSpPr/>
+          <p:nvPr/>
+        </p:nvSpPr>
+        <p:spPr>
+          <a:xfrm>
+            <a:off x="333849" y="4938763"/>
+            <a:ext cx="5994943" cy="4542359"/>
+          </a:xfrm>
+          <a:prstGeom prst="rect">
+            <a:avLst/>
+          </a:prstGeom>
+          <a:noFill/>
+          <a:ln w="12700">
+            <a:solidFill>
+              <a:schemeClr val="accent2">
+                <a:lumMod val="50000"/>
+              </a:schemeClr>
+            </a:solidFill>
+          </a:ln>
+        </p:spPr>
+        <p:style>
+          <a:lnRef idx="2">
+            <a:schemeClr val="accent1">
+              <a:shade val="50000"/>
+            </a:schemeClr>
+          </a:lnRef>
+          <a:fillRef idx="1">
+            <a:schemeClr val="accent1"/>
+          </a:fillRef>
+          <a:effectRef idx="0">
+            <a:schemeClr val="accent1"/>
+          </a:effectRef>
+          <a:fontRef idx="minor">
+            <a:schemeClr val="lt1"/>
+          </a:fontRef>
+        </p:style>
+        <p:txBody>
+          <a:bodyPr rtlCol="0" anchor="ctr"/>
+          <a:lstStyle/>
+          <a:p>
+            <a:pPr algn="ctr"/>
+            <a:endParaRPr lang="fr-FR"/>
+          </a:p>
+        </p:txBody>
+      </p:sp>
+      <p:cxnSp>
+        <p:nvCxnSpPr>
+          <p:cNvPr id="41" name="Connecteur droit avec flèche 40"/>
+          <p:cNvCxnSpPr/>
+          <p:nvPr/>
+        </p:nvCxnSpPr>
+        <p:spPr>
+          <a:xfrm flipV="1">
+            <a:off x="622639" y="5022140"/>
+            <a:ext cx="0" cy="1506652"/>
+          </a:xfrm>
+          <a:prstGeom prst="straightConnector1">
+            <a:avLst/>
+          </a:prstGeom>
+          <a:ln w="28575">
+            <a:solidFill>
+              <a:schemeClr val="tx1"/>
+            </a:solidFill>
+            <a:tailEnd type="stealth" w="med" len="lg"/>
+          </a:ln>
+        </p:spPr>
+        <p:style>
+          <a:lnRef idx="1">
+            <a:schemeClr val="accent1"/>
+          </a:lnRef>
+          <a:fillRef idx="0">
+            <a:schemeClr val="accent1"/>
+          </a:fillRef>
+          <a:effectRef idx="0">
+            <a:schemeClr val="accent1"/>
+          </a:effectRef>
+          <a:fontRef idx="minor">
+            <a:schemeClr val="tx1"/>
+          </a:fontRef>
+        </p:style>
+      </p:cxnSp>
+      <p:cxnSp>
+        <p:nvCxnSpPr>
+          <p:cNvPr id="46" name="Connecteur droit avec flèche 45"/>
+          <p:cNvCxnSpPr/>
+          <p:nvPr/>
+        </p:nvCxnSpPr>
+        <p:spPr>
+          <a:xfrm>
+            <a:off x="639613" y="6528792"/>
+            <a:ext cx="2137744" cy="0"/>
+          </a:xfrm>
+          <a:prstGeom prst="straightConnector1">
+            <a:avLst/>
+          </a:prstGeom>
+          <a:ln w="28575">
+            <a:solidFill>
+              <a:schemeClr val="tx1"/>
+            </a:solidFill>
+            <a:tailEnd type="stealth" w="med" len="lg"/>
+          </a:ln>
+        </p:spPr>
+        <p:style>
+          <a:lnRef idx="1">
+            <a:schemeClr val="accent1"/>
+          </a:lnRef>
+          <a:fillRef idx="0">
+            <a:schemeClr val="accent1"/>
+          </a:fillRef>
+          <a:effectRef idx="0">
+            <a:schemeClr val="accent1"/>
+          </a:effectRef>
+          <a:fontRef idx="minor">
+            <a:schemeClr val="tx1"/>
+          </a:fontRef>
+        </p:style>
+      </p:cxnSp>
+      <p:sp>
+        <p:nvSpPr>
+          <p:cNvPr id="50" name="Rectangle 49"/>
+          <p:cNvSpPr/>
+          <p:nvPr/>
+        </p:nvSpPr>
+        <p:spPr>
+          <a:xfrm>
+            <a:off x="2642082" y="6223575"/>
+            <a:ext cx="776175" cy="276999"/>
+          </a:xfrm>
+          <a:prstGeom prst="rect">
+            <a:avLst/>
+          </a:prstGeom>
+        </p:spPr>
+        <p:txBody>
+          <a:bodyPr wrap="none">
+            <a:spAutoFit/>
+          </a:bodyPr>
+          <a:lstStyle/>
+          <a:p>
+            <a:r>
+              <a:rPr lang="fr-FR" sz="1200" dirty="0" smtClean="0"/>
+              <a:t>Temps (s)</a:t>
+            </a:r>
+            <a:endParaRPr lang="fr-FR" sz="1200" dirty="0"/>
+          </a:p>
+        </p:txBody>
+      </p:sp>
+      <p:sp>
+        <p:nvSpPr>
+          <p:cNvPr id="56" name="Rectangle 55"/>
+          <p:cNvSpPr/>
+          <p:nvPr/>
+        </p:nvSpPr>
+        <p:spPr>
+          <a:xfrm>
+            <a:off x="647394" y="5022140"/>
+            <a:ext cx="869277" cy="276999"/>
+          </a:xfrm>
+          <a:prstGeom prst="rect">
+            <a:avLst/>
+          </a:prstGeom>
+        </p:spPr>
+        <p:txBody>
+          <a:bodyPr wrap="none">
+            <a:spAutoFit/>
+          </a:bodyPr>
+          <a:lstStyle/>
+          <a:p>
+            <a:r>
+              <a:rPr lang="fr-FR" sz="1200" dirty="0" smtClean="0"/>
+              <a:t>Position (°)</a:t>
+            </a:r>
+            <a:endParaRPr lang="fr-FR" sz="1200" dirty="0"/>
+          </a:p>
+        </p:txBody>
+      </p:sp>
+      <p:graphicFrame>
+        <p:nvGraphicFramePr>
+          <p:cNvPr id="59" name="Tableau 58"/>
+          <p:cNvGraphicFramePr>
+            <a:graphicFrameLocks noGrp="1"/>
+          </p:cNvGraphicFramePr>
+          <p:nvPr>
+            <p:extLst>
+              <p:ext uri="{D42A27DB-BD31-4B8C-83A1-F6EECF244321}">
+                <p14:modId xmlns:p14="http://schemas.microsoft.com/office/powerpoint/2010/main" val="3223429546"/>
+              </p:ext>
+            </p:extLst>
+          </p:nvPr>
+        </p:nvGraphicFramePr>
+        <p:xfrm>
+          <a:off x="568702" y="6744816"/>
+          <a:ext cx="5507094" cy="2641656"/>
+        </p:xfrm>
+        <a:graphic>
+          <a:graphicData uri="http://schemas.openxmlformats.org/drawingml/2006/table">
+            <a:tbl>
+              <a:tblPr firstRow="1" bandRow="1">
+                <a:tableStyleId>{5C22544A-7EE6-4342-B048-85BDC9FD1C3A}</a:tableStyleId>
+              </a:tblPr>
+              <a:tblGrid>
+                <a:gridCol w="1024138"/>
+                <a:gridCol w="991536"/>
+                <a:gridCol w="1104080"/>
+                <a:gridCol w="795780"/>
+                <a:gridCol w="795780"/>
+                <a:gridCol w="795780"/>
+              </a:tblGrid>
+              <a:tr h="208265">
+                <a:tc>
+                  <a:txBody>
+                    <a:bodyPr/>
+                    <a:lstStyle/>
+                    <a:p>
+                      <a:pPr algn="ctr"/>
+                      <a:r>
+                        <a:rPr lang="fr-FR" sz="1000" b="1" dirty="0" smtClean="0">
+                          <a:solidFill>
+                            <a:schemeClr val="tx1"/>
+                          </a:solidFill>
+                        </a:rPr>
+                        <a:t>Échelon</a:t>
+                      </a:r>
+                      <a:endParaRPr lang="fr-FR" sz="1000" b="1" dirty="0">
+                        <a:solidFill>
+                          <a:schemeClr val="tx1"/>
+                        </a:solidFill>
+                      </a:endParaRPr>
+                    </a:p>
+                  </a:txBody>
+                  <a:tcPr>
+                    <a:lnL w="12700" cap="flat" cmpd="sng" algn="ctr">
+                      <a:solidFill>
+                        <a:schemeClr val="tx1"/>
+                      </a:solidFill>
+                      <a:prstDash val="solid"/>
+                      <a:round/>
+                      <a:headEnd type="none" w="med" len="med"/>
+                      <a:tailEnd type="none" w="med" len="med"/>
+                    </a:lnL>
+                    <a:lnR w="12700" cap="flat" cmpd="sng" algn="ctr">
+                      <a:solidFill>
+                        <a:schemeClr val="tx1"/>
+                      </a:solidFill>
+                      <a:prstDash val="solid"/>
+                      <a:round/>
+                      <a:headEnd type="none" w="med" len="med"/>
+                      <a:tailEnd type="none" w="med" len="med"/>
+                    </a:lnR>
+                    <a:lnT w="12700" cap="flat" cmpd="sng" algn="ctr">
+                      <a:solidFill>
+                        <a:schemeClr val="tx1"/>
+                      </a:solidFill>
+                      <a:prstDash val="solid"/>
+                      <a:round/>
+                      <a:headEnd type="none" w="med" len="med"/>
+                      <a:tailEnd type="none" w="med" len="med"/>
+                    </a:lnT>
+                    <a:lnB w="12700" cap="flat" cmpd="sng" algn="ctr">
+                      <a:solidFill>
+                        <a:schemeClr val="tx1"/>
+                      </a:solidFill>
+                      <a:prstDash val="solid"/>
+                      <a:round/>
+                      <a:headEnd type="none" w="med" len="med"/>
+                      <a:tailEnd type="none" w="med" len="med"/>
+                    </a:lnB>
+                    <a:solidFill>
+                      <a:schemeClr val="bg1"/>
+                    </a:solidFill>
+                  </a:tcPr>
+                </a:tc>
+                <a:tc>
+                  <a:txBody>
+                    <a:bodyPr/>
+                    <a:lstStyle/>
+                    <a:p>
+                      <a:pPr algn="ctr"/>
+                      <a:r>
+                        <a:rPr lang="fr-FR" sz="1000" b="1" dirty="0" smtClean="0">
+                          <a:solidFill>
+                            <a:schemeClr val="tx1"/>
+                          </a:solidFill>
+                        </a:rPr>
+                        <a:t>10</a:t>
+                      </a:r>
+                      <a:endParaRPr lang="fr-FR" sz="1000" b="1" dirty="0">
+                        <a:solidFill>
+                          <a:schemeClr val="tx1"/>
+                        </a:solidFill>
+                      </a:endParaRPr>
+                    </a:p>
+                  </a:txBody>
+                  <a:tcPr>
+                    <a:lnL w="12700" cap="flat" cmpd="sng" algn="ctr">
+                      <a:solidFill>
+                        <a:schemeClr val="tx1"/>
+                      </a:solidFill>
+                      <a:prstDash val="solid"/>
+                      <a:round/>
+                      <a:headEnd type="none" w="med" len="med"/>
+                      <a:tailEnd type="none" w="med" len="med"/>
+                    </a:lnL>
+                    <a:lnR w="12700" cap="flat" cmpd="sng" algn="ctr">
+                      <a:solidFill>
+                        <a:schemeClr val="tx1"/>
+                      </a:solidFill>
+                      <a:prstDash val="solid"/>
+                      <a:round/>
+                      <a:headEnd type="none" w="med" len="med"/>
+                      <a:tailEnd type="none" w="med" len="med"/>
+                    </a:lnR>
+                    <a:lnT w="12700" cap="flat" cmpd="sng" algn="ctr">
+                      <a:solidFill>
+                        <a:schemeClr val="tx1"/>
+                      </a:solidFill>
+                      <a:prstDash val="solid"/>
+                      <a:round/>
+                      <a:headEnd type="none" w="med" len="med"/>
+                      <a:tailEnd type="none" w="med" len="med"/>
+                    </a:lnT>
+                    <a:lnB w="12700" cap="flat" cmpd="sng" algn="ctr">
+                      <a:solidFill>
+                        <a:schemeClr val="tx1"/>
+                      </a:solidFill>
+                      <a:prstDash val="solid"/>
+                      <a:round/>
+                      <a:headEnd type="none" w="med" len="med"/>
+                      <a:tailEnd type="none" w="med" len="med"/>
+                    </a:lnB>
+                    <a:solidFill>
+                      <a:schemeClr val="bg1"/>
+                    </a:solidFill>
+                  </a:tcPr>
+                </a:tc>
+                <a:tc>
+                  <a:txBody>
+                    <a:bodyPr/>
+                    <a:lstStyle/>
+                    <a:p>
+                      <a:pPr algn="ctr"/>
+                      <a:r>
+                        <a:rPr lang="fr-FR" sz="1000" b="1" dirty="0" smtClean="0">
+                          <a:solidFill>
+                            <a:schemeClr val="tx1"/>
+                          </a:solidFill>
+                        </a:rPr>
+                        <a:t>20</a:t>
+                      </a:r>
+                      <a:endParaRPr lang="fr-FR" sz="1000" b="1" dirty="0">
+                        <a:solidFill>
+                          <a:schemeClr val="tx1"/>
+                        </a:solidFill>
+                      </a:endParaRPr>
+                    </a:p>
+                  </a:txBody>
+                  <a:tcPr>
+                    <a:lnL w="12700" cap="flat" cmpd="sng" algn="ctr">
+                      <a:solidFill>
+                        <a:schemeClr val="tx1"/>
+                      </a:solidFill>
+                      <a:prstDash val="solid"/>
+                      <a:round/>
+                      <a:headEnd type="none" w="med" len="med"/>
+                      <a:tailEnd type="none" w="med" len="med"/>
+                    </a:lnL>
+                    <a:lnR w="12700" cap="flat" cmpd="sng" algn="ctr">
+                      <a:solidFill>
+                        <a:schemeClr val="tx1"/>
+                      </a:solidFill>
+                      <a:prstDash val="solid"/>
+                      <a:round/>
+                      <a:headEnd type="none" w="med" len="med"/>
+                      <a:tailEnd type="none" w="med" len="med"/>
+                    </a:lnR>
+                    <a:lnT w="12700" cap="flat" cmpd="sng" algn="ctr">
+                      <a:solidFill>
+                        <a:schemeClr val="tx1"/>
+                      </a:solidFill>
+                      <a:prstDash val="solid"/>
+                      <a:round/>
+                      <a:headEnd type="none" w="med" len="med"/>
+                      <a:tailEnd type="none" w="med" len="med"/>
+                    </a:lnT>
+                    <a:lnB w="12700" cap="flat" cmpd="sng" algn="ctr">
+                      <a:solidFill>
+                        <a:schemeClr val="tx1"/>
+                      </a:solidFill>
+                      <a:prstDash val="solid"/>
+                      <a:round/>
+                      <a:headEnd type="none" w="med" len="med"/>
+                      <a:tailEnd type="none" w="med" len="med"/>
+                    </a:lnB>
+                    <a:solidFill>
+                      <a:schemeClr val="bg1"/>
+                    </a:solidFill>
+                  </a:tcPr>
+                </a:tc>
+                <a:tc>
+                  <a:txBody>
+                    <a:bodyPr/>
+                    <a:lstStyle/>
+                    <a:p>
+                      <a:pPr algn="ctr"/>
+                      <a:r>
+                        <a:rPr lang="fr-FR" sz="1000" b="1" dirty="0" smtClean="0">
+                          <a:solidFill>
+                            <a:schemeClr val="tx1"/>
+                          </a:solidFill>
+                        </a:rPr>
+                        <a:t>10</a:t>
+                      </a:r>
+                      <a:endParaRPr lang="fr-FR" sz="1000" b="1" dirty="0">
+                        <a:solidFill>
+                          <a:schemeClr val="tx1"/>
+                        </a:solidFill>
+                      </a:endParaRPr>
+                    </a:p>
+                  </a:txBody>
+                  <a:tcPr>
+                    <a:lnL w="12700" cap="flat" cmpd="sng" algn="ctr">
+                      <a:solidFill>
+                        <a:schemeClr val="tx1"/>
+                      </a:solidFill>
+                      <a:prstDash val="solid"/>
+                      <a:round/>
+                      <a:headEnd type="none" w="med" len="med"/>
+                      <a:tailEnd type="none" w="med" len="med"/>
+                    </a:lnL>
+                    <a:lnR w="12700" cap="flat" cmpd="sng" algn="ctr">
+                      <a:solidFill>
+                        <a:schemeClr val="tx1"/>
+                      </a:solidFill>
+                      <a:prstDash val="solid"/>
+                      <a:round/>
+                      <a:headEnd type="none" w="med" len="med"/>
+                      <a:tailEnd type="none" w="med" len="med"/>
+                    </a:lnR>
+                    <a:lnT w="12700" cap="flat" cmpd="sng" algn="ctr">
+                      <a:solidFill>
+                        <a:schemeClr val="tx1"/>
+                      </a:solidFill>
+                      <a:prstDash val="solid"/>
+                      <a:round/>
+                      <a:headEnd type="none" w="med" len="med"/>
+                      <a:tailEnd type="none" w="med" len="med"/>
+                    </a:lnT>
+                    <a:lnB w="12700" cap="flat" cmpd="sng" algn="ctr">
+                      <a:solidFill>
+                        <a:schemeClr val="tx1"/>
+                      </a:solidFill>
+                      <a:prstDash val="solid"/>
+                      <a:round/>
+                      <a:headEnd type="none" w="med" len="med"/>
+                      <a:tailEnd type="none" w="med" len="med"/>
+                    </a:lnB>
+                    <a:solidFill>
+                      <a:schemeClr val="bg1"/>
+                    </a:solidFill>
+                  </a:tcPr>
+                </a:tc>
+                <a:tc>
+                  <a:txBody>
+                    <a:bodyPr/>
+                    <a:lstStyle/>
+                    <a:p>
+                      <a:pPr algn="ctr"/>
+                      <a:r>
+                        <a:rPr lang="fr-FR" sz="1000" b="1" dirty="0" smtClean="0">
+                          <a:solidFill>
+                            <a:schemeClr val="tx1"/>
+                          </a:solidFill>
+                        </a:rPr>
+                        <a:t>10</a:t>
+                      </a:r>
+                      <a:endParaRPr lang="fr-FR" sz="1000" b="1" dirty="0">
+                        <a:solidFill>
+                          <a:schemeClr val="tx1"/>
+                        </a:solidFill>
+                      </a:endParaRPr>
+                    </a:p>
+                  </a:txBody>
+                  <a:tcPr>
+                    <a:lnL w="12700" cap="flat" cmpd="sng" algn="ctr">
+                      <a:solidFill>
+                        <a:schemeClr val="tx1"/>
+                      </a:solidFill>
+                      <a:prstDash val="solid"/>
+                      <a:round/>
+                      <a:headEnd type="none" w="med" len="med"/>
+                      <a:tailEnd type="none" w="med" len="med"/>
+                    </a:lnL>
+                    <a:lnR w="12700" cap="flat" cmpd="sng" algn="ctr">
+                      <a:solidFill>
+                        <a:schemeClr val="tx1"/>
+                      </a:solidFill>
+                      <a:prstDash val="solid"/>
+                      <a:round/>
+                      <a:headEnd type="none" w="med" len="med"/>
+                      <a:tailEnd type="none" w="med" len="med"/>
+                    </a:lnR>
+                    <a:lnT w="12700" cap="flat" cmpd="sng" algn="ctr">
+                      <a:solidFill>
+                        <a:schemeClr val="tx1"/>
+                      </a:solidFill>
+                      <a:prstDash val="solid"/>
+                      <a:round/>
+                      <a:headEnd type="none" w="med" len="med"/>
+                      <a:tailEnd type="none" w="med" len="med"/>
+                    </a:lnT>
+                    <a:lnB w="12700" cap="flat" cmpd="sng" algn="ctr">
+                      <a:solidFill>
+                        <a:schemeClr val="tx1"/>
+                      </a:solidFill>
+                      <a:prstDash val="solid"/>
+                      <a:round/>
+                      <a:headEnd type="none" w="med" len="med"/>
+                      <a:tailEnd type="none" w="med" len="med"/>
+                    </a:lnB>
+                    <a:solidFill>
+                      <a:schemeClr val="bg1"/>
+                    </a:solidFill>
+                  </a:tcPr>
+                </a:tc>
+                <a:tc>
+                  <a:txBody>
+                    <a:bodyPr/>
+                    <a:lstStyle/>
+                    <a:p>
+                      <a:pPr algn="ctr"/>
+                      <a:r>
+                        <a:rPr lang="fr-FR" sz="1000" b="1" dirty="0" smtClean="0">
+                          <a:solidFill>
+                            <a:schemeClr val="tx1"/>
+                          </a:solidFill>
+                        </a:rPr>
+                        <a:t>10</a:t>
+                      </a:r>
+                      <a:endParaRPr lang="fr-FR" sz="1000" b="1" dirty="0">
+                        <a:solidFill>
+                          <a:schemeClr val="tx1"/>
+                        </a:solidFill>
+                      </a:endParaRPr>
+                    </a:p>
+                  </a:txBody>
+                  <a:tcPr>
+                    <a:lnL w="12700" cap="flat" cmpd="sng" algn="ctr">
+                      <a:solidFill>
+                        <a:schemeClr val="tx1"/>
+                      </a:solidFill>
+                      <a:prstDash val="solid"/>
+                      <a:round/>
+                      <a:headEnd type="none" w="med" len="med"/>
+                      <a:tailEnd type="none" w="med" len="med"/>
+                    </a:lnL>
+                    <a:lnR w="12700" cap="flat" cmpd="sng" algn="ctr">
+                      <a:solidFill>
+                        <a:schemeClr val="tx1"/>
+                      </a:solidFill>
+                      <a:prstDash val="solid"/>
+                      <a:round/>
+                      <a:headEnd type="none" w="med" len="med"/>
+                      <a:tailEnd type="none" w="med" len="med"/>
+                    </a:lnR>
+                    <a:lnT w="12700" cap="flat" cmpd="sng" algn="ctr">
+                      <a:solidFill>
+                        <a:schemeClr val="tx1"/>
+                      </a:solidFill>
+                      <a:prstDash val="solid"/>
+                      <a:round/>
+                      <a:headEnd type="none" w="med" len="med"/>
+                      <a:tailEnd type="none" w="med" len="med"/>
+                    </a:lnT>
+                    <a:lnB w="12700" cap="flat" cmpd="sng" algn="ctr">
+                      <a:solidFill>
+                        <a:schemeClr val="tx1"/>
+                      </a:solidFill>
+                      <a:prstDash val="solid"/>
+                      <a:round/>
+                      <a:headEnd type="none" w="med" len="med"/>
+                      <a:tailEnd type="none" w="med" len="med"/>
+                    </a:lnB>
+                    <a:solidFill>
+                      <a:schemeClr val="bg1"/>
+                    </a:solidFill>
+                  </a:tcPr>
+                </a:tc>
+              </a:tr>
+              <a:tr h="208265">
+                <a:tc>
+                  <a:txBody>
+                    <a:bodyPr/>
+                    <a:lstStyle/>
+                    <a:p>
+                      <a:pPr algn="ctr"/>
+                      <a:r>
+                        <a:rPr lang="fr-FR" sz="1000" b="1" dirty="0" err="1" smtClean="0">
+                          <a:solidFill>
+                            <a:schemeClr val="tx1"/>
+                          </a:solidFill>
+                        </a:rPr>
+                        <a:t>Kp</a:t>
+                      </a:r>
+                      <a:endParaRPr lang="fr-FR" sz="1000" b="1" dirty="0">
+                        <a:solidFill>
+                          <a:schemeClr val="tx1"/>
+                        </a:solidFill>
+                      </a:endParaRPr>
+                    </a:p>
+                  </a:txBody>
+                  <a:tcPr>
+                    <a:lnL w="12700" cap="flat" cmpd="sng" algn="ctr">
+                      <a:solidFill>
+                        <a:schemeClr val="tx1"/>
+                      </a:solidFill>
+                      <a:prstDash val="solid"/>
+                      <a:round/>
+                      <a:headEnd type="none" w="med" len="med"/>
+                      <a:tailEnd type="none" w="med" len="med"/>
+                    </a:lnL>
+                    <a:lnR w="12700" cap="flat" cmpd="sng" algn="ctr">
+                      <a:solidFill>
+                        <a:schemeClr val="tx1"/>
+                      </a:solidFill>
+                      <a:prstDash val="solid"/>
+                      <a:round/>
+                      <a:headEnd type="none" w="med" len="med"/>
+                      <a:tailEnd type="none" w="med" len="med"/>
+                    </a:lnR>
+                    <a:lnT w="12700" cap="flat" cmpd="sng" algn="ctr">
+                      <a:solidFill>
+                        <a:schemeClr val="tx1"/>
+                      </a:solidFill>
+                      <a:prstDash val="solid"/>
+                      <a:round/>
+                      <a:headEnd type="none" w="med" len="med"/>
+                      <a:tailEnd type="none" w="med" len="med"/>
+                    </a:lnT>
+                    <a:lnB w="12700" cap="flat" cmpd="sng" algn="ctr">
+                      <a:solidFill>
+                        <a:schemeClr val="tx1"/>
+                      </a:solidFill>
+                      <a:prstDash val="solid"/>
+                      <a:round/>
+                      <a:headEnd type="none" w="med" len="med"/>
+                      <a:tailEnd type="none" w="med" len="med"/>
+                    </a:lnB>
+                    <a:solidFill>
+                      <a:schemeClr val="bg1"/>
+                    </a:solidFill>
+                  </a:tcPr>
+                </a:tc>
+                <a:tc>
+                  <a:txBody>
+                    <a:bodyPr/>
+                    <a:lstStyle/>
+                    <a:p>
+                      <a:pPr algn="ctr"/>
+                      <a:r>
+                        <a:rPr lang="fr-FR" sz="1000" b="1" dirty="0" smtClean="0">
+                          <a:solidFill>
+                            <a:schemeClr val="tx1"/>
+                          </a:solidFill>
+                        </a:rPr>
+                        <a:t>400</a:t>
+                      </a:r>
+                      <a:endParaRPr lang="fr-FR" sz="1000" b="1" dirty="0">
+                        <a:solidFill>
+                          <a:schemeClr val="tx1"/>
+                        </a:solidFill>
+                      </a:endParaRPr>
+                    </a:p>
+                  </a:txBody>
+                  <a:tcPr>
+                    <a:lnL w="12700" cap="flat" cmpd="sng" algn="ctr">
+                      <a:solidFill>
+                        <a:schemeClr val="tx1"/>
+                      </a:solidFill>
+                      <a:prstDash val="solid"/>
+                      <a:round/>
+                      <a:headEnd type="none" w="med" len="med"/>
+                      <a:tailEnd type="none" w="med" len="med"/>
+                    </a:lnL>
+                    <a:lnR w="12700" cap="flat" cmpd="sng" algn="ctr">
+                      <a:solidFill>
+                        <a:schemeClr val="tx1"/>
+                      </a:solidFill>
+                      <a:prstDash val="solid"/>
+                      <a:round/>
+                      <a:headEnd type="none" w="med" len="med"/>
+                      <a:tailEnd type="none" w="med" len="med"/>
+                    </a:lnR>
+                    <a:lnT w="12700" cap="flat" cmpd="sng" algn="ctr">
+                      <a:solidFill>
+                        <a:schemeClr val="tx1"/>
+                      </a:solidFill>
+                      <a:prstDash val="solid"/>
+                      <a:round/>
+                      <a:headEnd type="none" w="med" len="med"/>
+                      <a:tailEnd type="none" w="med" len="med"/>
+                    </a:lnT>
+                    <a:lnB w="12700" cap="flat" cmpd="sng" algn="ctr">
+                      <a:solidFill>
+                        <a:schemeClr val="tx1"/>
+                      </a:solidFill>
+                      <a:prstDash val="solid"/>
+                      <a:round/>
+                      <a:headEnd type="none" w="med" len="med"/>
+                      <a:tailEnd type="none" w="med" len="med"/>
+                    </a:lnB>
+                    <a:solidFill>
+                      <a:schemeClr val="bg1"/>
+                    </a:solidFill>
+                  </a:tcPr>
+                </a:tc>
+                <a:tc>
+                  <a:txBody>
+                    <a:bodyPr/>
+                    <a:lstStyle/>
+                    <a:p>
+                      <a:pPr algn="ctr"/>
+                      <a:r>
+                        <a:rPr lang="fr-FR" sz="1000" b="1" dirty="0" smtClean="0">
+                          <a:solidFill>
+                            <a:schemeClr val="tx1"/>
+                          </a:solidFill>
+                        </a:rPr>
+                        <a:t>400</a:t>
+                      </a:r>
+                      <a:endParaRPr lang="fr-FR" sz="1000" b="1" dirty="0">
+                        <a:solidFill>
+                          <a:schemeClr val="tx1"/>
+                        </a:solidFill>
+                      </a:endParaRPr>
+                    </a:p>
+                  </a:txBody>
+                  <a:tcPr>
+                    <a:lnL w="12700" cap="flat" cmpd="sng" algn="ctr">
+                      <a:solidFill>
+                        <a:schemeClr val="tx1"/>
+                      </a:solidFill>
+                      <a:prstDash val="solid"/>
+                      <a:round/>
+                      <a:headEnd type="none" w="med" len="med"/>
+                      <a:tailEnd type="none" w="med" len="med"/>
+                    </a:lnL>
+                    <a:lnR w="12700" cap="flat" cmpd="sng" algn="ctr">
+                      <a:solidFill>
+                        <a:schemeClr val="tx1"/>
+                      </a:solidFill>
+                      <a:prstDash val="solid"/>
+                      <a:round/>
+                      <a:headEnd type="none" w="med" len="med"/>
+                      <a:tailEnd type="none" w="med" len="med"/>
+                    </a:lnR>
+                    <a:lnT w="12700" cap="flat" cmpd="sng" algn="ctr">
+                      <a:solidFill>
+                        <a:schemeClr val="tx1"/>
+                      </a:solidFill>
+                      <a:prstDash val="solid"/>
+                      <a:round/>
+                      <a:headEnd type="none" w="med" len="med"/>
+                      <a:tailEnd type="none" w="med" len="med"/>
+                    </a:lnT>
+                    <a:lnB w="12700" cap="flat" cmpd="sng" algn="ctr">
+                      <a:solidFill>
+                        <a:schemeClr val="tx1"/>
+                      </a:solidFill>
+                      <a:prstDash val="solid"/>
+                      <a:round/>
+                      <a:headEnd type="none" w="med" len="med"/>
+                      <a:tailEnd type="none" w="med" len="med"/>
+                    </a:lnB>
+                    <a:solidFill>
+                      <a:schemeClr val="bg1"/>
+                    </a:solidFill>
+                  </a:tcPr>
+                </a:tc>
+                <a:tc>
+                  <a:txBody>
+                    <a:bodyPr/>
+                    <a:lstStyle/>
+                    <a:p>
+                      <a:pPr algn="ctr"/>
+                      <a:r>
+                        <a:rPr lang="fr-FR" sz="1000" b="1" dirty="0" smtClean="0">
+                          <a:solidFill>
+                            <a:schemeClr val="tx1"/>
+                          </a:solidFill>
+                        </a:rPr>
+                        <a:t>400</a:t>
+                      </a:r>
+                      <a:endParaRPr lang="fr-FR" sz="1000" b="1" dirty="0">
+                        <a:solidFill>
+                          <a:schemeClr val="tx1"/>
+                        </a:solidFill>
+                      </a:endParaRPr>
+                    </a:p>
+                  </a:txBody>
+                  <a:tcPr>
+                    <a:lnL w="12700" cap="flat" cmpd="sng" algn="ctr">
+                      <a:solidFill>
+                        <a:schemeClr val="tx1"/>
+                      </a:solidFill>
+                      <a:prstDash val="solid"/>
+                      <a:round/>
+                      <a:headEnd type="none" w="med" len="med"/>
+                      <a:tailEnd type="none" w="med" len="med"/>
+                    </a:lnL>
+                    <a:lnR w="12700" cap="flat" cmpd="sng" algn="ctr">
+                      <a:solidFill>
+                        <a:schemeClr val="tx1"/>
+                      </a:solidFill>
+                      <a:prstDash val="solid"/>
+                      <a:round/>
+                      <a:headEnd type="none" w="med" len="med"/>
+                      <a:tailEnd type="none" w="med" len="med"/>
+                    </a:lnR>
+                    <a:lnT w="12700" cap="flat" cmpd="sng" algn="ctr">
+                      <a:solidFill>
+                        <a:schemeClr val="tx1"/>
+                      </a:solidFill>
+                      <a:prstDash val="solid"/>
+                      <a:round/>
+                      <a:headEnd type="none" w="med" len="med"/>
+                      <a:tailEnd type="none" w="med" len="med"/>
+                    </a:lnT>
+                    <a:lnB w="12700" cap="flat" cmpd="sng" algn="ctr">
+                      <a:solidFill>
+                        <a:schemeClr val="tx1"/>
+                      </a:solidFill>
+                      <a:prstDash val="solid"/>
+                      <a:round/>
+                      <a:headEnd type="none" w="med" len="med"/>
+                      <a:tailEnd type="none" w="med" len="med"/>
+                    </a:lnB>
+                    <a:solidFill>
+                      <a:schemeClr val="bg1"/>
+                    </a:solidFill>
+                  </a:tcPr>
+                </a:tc>
+                <a:tc>
+                  <a:txBody>
+                    <a:bodyPr/>
+                    <a:lstStyle/>
+                    <a:p>
+                      <a:pPr algn="ctr"/>
+                      <a:r>
+                        <a:rPr lang="fr-FR" sz="1000" b="1" dirty="0" smtClean="0">
+                          <a:solidFill>
+                            <a:schemeClr val="tx1"/>
+                          </a:solidFill>
+                        </a:rPr>
+                        <a:t>1000</a:t>
+                      </a:r>
+                      <a:endParaRPr lang="fr-FR" sz="1000" b="1" dirty="0">
+                        <a:solidFill>
+                          <a:schemeClr val="tx1"/>
+                        </a:solidFill>
+                      </a:endParaRPr>
+                    </a:p>
+                  </a:txBody>
+                  <a:tcPr>
+                    <a:lnL w="12700" cap="flat" cmpd="sng" algn="ctr">
+                      <a:solidFill>
+                        <a:schemeClr val="tx1"/>
+                      </a:solidFill>
+                      <a:prstDash val="solid"/>
+                      <a:round/>
+                      <a:headEnd type="none" w="med" len="med"/>
+                      <a:tailEnd type="none" w="med" len="med"/>
+                    </a:lnL>
+                    <a:lnR w="12700" cap="flat" cmpd="sng" algn="ctr">
+                      <a:solidFill>
+                        <a:schemeClr val="tx1"/>
+                      </a:solidFill>
+                      <a:prstDash val="solid"/>
+                      <a:round/>
+                      <a:headEnd type="none" w="med" len="med"/>
+                      <a:tailEnd type="none" w="med" len="med"/>
+                    </a:lnR>
+                    <a:lnT w="12700" cap="flat" cmpd="sng" algn="ctr">
+                      <a:solidFill>
+                        <a:schemeClr val="tx1"/>
+                      </a:solidFill>
+                      <a:prstDash val="solid"/>
+                      <a:round/>
+                      <a:headEnd type="none" w="med" len="med"/>
+                      <a:tailEnd type="none" w="med" len="med"/>
+                    </a:lnT>
+                    <a:lnB w="12700" cap="flat" cmpd="sng" algn="ctr">
+                      <a:solidFill>
+                        <a:schemeClr val="tx1"/>
+                      </a:solidFill>
+                      <a:prstDash val="solid"/>
+                      <a:round/>
+                      <a:headEnd type="none" w="med" len="med"/>
+                      <a:tailEnd type="none" w="med" len="med"/>
+                    </a:lnB>
+                    <a:solidFill>
+                      <a:schemeClr val="bg1"/>
+                    </a:solidFill>
+                  </a:tcPr>
+                </a:tc>
+                <a:tc>
+                  <a:txBody>
+                    <a:bodyPr/>
+                    <a:lstStyle/>
+                    <a:p>
+                      <a:pPr algn="ctr"/>
+                      <a:r>
+                        <a:rPr lang="fr-FR" sz="1000" b="1" dirty="0" smtClean="0">
+                          <a:solidFill>
+                            <a:schemeClr val="tx1"/>
+                          </a:solidFill>
+                        </a:rPr>
+                        <a:t>1500</a:t>
+                      </a:r>
+                      <a:endParaRPr lang="fr-FR" sz="1000" b="1" dirty="0">
+                        <a:solidFill>
+                          <a:schemeClr val="tx1"/>
+                        </a:solidFill>
+                      </a:endParaRPr>
+                    </a:p>
+                  </a:txBody>
+                  <a:tcPr>
+                    <a:lnL w="12700" cap="flat" cmpd="sng" algn="ctr">
+                      <a:solidFill>
+                        <a:schemeClr val="tx1"/>
+                      </a:solidFill>
+                      <a:prstDash val="solid"/>
+                      <a:round/>
+                      <a:headEnd type="none" w="med" len="med"/>
+                      <a:tailEnd type="none" w="med" len="med"/>
+                    </a:lnL>
+                    <a:lnR w="12700" cap="flat" cmpd="sng" algn="ctr">
+                      <a:solidFill>
+                        <a:schemeClr val="tx1"/>
+                      </a:solidFill>
+                      <a:prstDash val="solid"/>
+                      <a:round/>
+                      <a:headEnd type="none" w="med" len="med"/>
+                      <a:tailEnd type="none" w="med" len="med"/>
+                    </a:lnR>
+                    <a:lnT w="12700" cap="flat" cmpd="sng" algn="ctr">
+                      <a:solidFill>
+                        <a:schemeClr val="tx1"/>
+                      </a:solidFill>
+                      <a:prstDash val="solid"/>
+                      <a:round/>
+                      <a:headEnd type="none" w="med" len="med"/>
+                      <a:tailEnd type="none" w="med" len="med"/>
+                    </a:lnT>
+                    <a:lnB w="12700" cap="flat" cmpd="sng" algn="ctr">
+                      <a:solidFill>
+                        <a:schemeClr val="tx1"/>
+                      </a:solidFill>
+                      <a:prstDash val="solid"/>
+                      <a:round/>
+                      <a:headEnd type="none" w="med" len="med"/>
+                      <a:tailEnd type="none" w="med" len="med"/>
+                    </a:lnB>
+                    <a:solidFill>
+                      <a:schemeClr val="bg1"/>
+                    </a:solidFill>
+                  </a:tcPr>
+                </a:tc>
+              </a:tr>
+              <a:tr h="210497">
+                <a:tc rowSpan="2">
+                  <a:txBody>
+                    <a:bodyPr/>
+                    <a:lstStyle/>
+                    <a:p>
+                      <a:pPr marL="0" marR="0" indent="0" algn="ctr" defTabSz="1280160" rtl="0" eaLnBrk="1" fontAlgn="auto" latinLnBrk="0" hangingPunct="1">
+                        <a:lnSpc>
+                          <a:spcPct val="100000"/>
+                        </a:lnSpc>
+                        <a:spcBef>
+                          <a:spcPts val="0"/>
+                        </a:spcBef>
+                        <a:spcAft>
+                          <a:spcPts val="0"/>
+                        </a:spcAft>
+                        <a:buClrTx/>
+                        <a:buSzTx/>
+                        <a:buFontTx/>
+                        <a:buNone/>
+                        <a:tabLst/>
+                        <a:defRPr/>
+                      </a:pPr>
+                      <a:r>
+                        <a:rPr lang="fr-FR" sz="1000" b="0" dirty="0" smtClean="0">
+                          <a:solidFill>
+                            <a:schemeClr val="tx1"/>
+                          </a:solidFill>
+                        </a:rPr>
+                        <a:t>Écart</a:t>
+                      </a:r>
+                      <a:r>
+                        <a:rPr lang="fr-FR" sz="1000" b="0" baseline="0" dirty="0" smtClean="0">
+                          <a:solidFill>
+                            <a:schemeClr val="tx1"/>
+                          </a:solidFill>
+                        </a:rPr>
+                        <a:t> statique</a:t>
+                      </a:r>
+                      <a:endParaRPr lang="fr-FR" sz="1000" b="0" dirty="0" smtClean="0">
+                        <a:solidFill>
+                          <a:schemeClr val="tx1"/>
+                        </a:solidFill>
+                      </a:endParaRPr>
+                    </a:p>
+                  </a:txBody>
+                  <a:tcPr anchor="ctr">
+                    <a:lnL w="12700" cap="flat" cmpd="sng" algn="ctr">
+                      <a:solidFill>
+                        <a:schemeClr val="tx1"/>
+                      </a:solidFill>
+                      <a:prstDash val="solid"/>
+                      <a:round/>
+                      <a:headEnd type="none" w="med" len="med"/>
+                      <a:tailEnd type="none" w="med" len="med"/>
+                    </a:lnL>
+                    <a:lnR w="12700" cap="flat" cmpd="sng" algn="ctr">
+                      <a:solidFill>
+                        <a:schemeClr val="tx1"/>
+                      </a:solidFill>
+                      <a:prstDash val="solid"/>
+                      <a:round/>
+                      <a:headEnd type="none" w="med" len="med"/>
+                      <a:tailEnd type="none" w="med" len="med"/>
+                    </a:lnR>
+                    <a:lnT w="12700" cap="flat" cmpd="sng" algn="ctr">
+                      <a:solidFill>
+                        <a:schemeClr val="tx1"/>
+                      </a:solidFill>
+                      <a:prstDash val="solid"/>
+                      <a:round/>
+                      <a:headEnd type="none" w="med" len="med"/>
+                      <a:tailEnd type="none" w="med" len="med"/>
+                    </a:lnT>
+                    <a:lnB w="12700" cap="flat" cmpd="sng" algn="ctr">
+                      <a:solidFill>
+                        <a:schemeClr val="tx1"/>
+                      </a:solidFill>
+                      <a:prstDash val="solid"/>
+                      <a:round/>
+                      <a:headEnd type="none" w="med" len="med"/>
+                      <a:tailEnd type="none" w="med" len="med"/>
+                    </a:lnB>
+                    <a:solidFill>
+                      <a:schemeClr val="bg1"/>
+                    </a:solidFill>
+                  </a:tcPr>
+                </a:tc>
+                <a:tc>
+                  <a:txBody>
+                    <a:bodyPr/>
+                    <a:lstStyle/>
+                    <a:p>
+                      <a:r>
+                        <a:rPr lang="fr-FR" sz="1000" b="0" dirty="0" smtClean="0">
+                          <a:solidFill>
+                            <a:schemeClr val="tx1"/>
+                          </a:solidFill>
+                        </a:rPr>
+                        <a:t>Modèle : 0,5°</a:t>
+                      </a:r>
+                      <a:endParaRPr lang="fr-FR" sz="1000" b="0" dirty="0">
+                        <a:solidFill>
+                          <a:schemeClr val="tx1"/>
+                        </a:solidFill>
+                      </a:endParaRPr>
+                    </a:p>
+                  </a:txBody>
+                  <a:tcPr>
+                    <a:lnL w="12700" cap="flat" cmpd="sng" algn="ctr">
+                      <a:solidFill>
+                        <a:schemeClr val="tx1"/>
+                      </a:solidFill>
+                      <a:prstDash val="solid"/>
+                      <a:round/>
+                      <a:headEnd type="none" w="med" len="med"/>
+                      <a:tailEnd type="none" w="med" len="med"/>
+                    </a:lnL>
+                    <a:lnR w="12700" cap="flat" cmpd="sng" algn="ctr">
+                      <a:solidFill>
+                        <a:schemeClr val="tx1"/>
+                      </a:solidFill>
+                      <a:prstDash val="solid"/>
+                      <a:round/>
+                      <a:headEnd type="none" w="med" len="med"/>
+                      <a:tailEnd type="none" w="med" len="med"/>
+                    </a:lnR>
+                    <a:lnT w="12700" cap="flat" cmpd="sng" algn="ctr">
+                      <a:solidFill>
+                        <a:schemeClr val="tx1"/>
+                      </a:solidFill>
+                      <a:prstDash val="solid"/>
+                      <a:round/>
+                      <a:headEnd type="none" w="med" len="med"/>
+                      <a:tailEnd type="none" w="med" len="med"/>
+                    </a:lnT>
+                    <a:lnB w="12700" cap="flat" cmpd="sng" algn="ctr">
+                      <a:solidFill>
+                        <a:schemeClr val="tx1"/>
+                      </a:solidFill>
+                      <a:prstDash val="solid"/>
+                      <a:round/>
+                      <a:headEnd type="none" w="med" len="med"/>
+                      <a:tailEnd type="none" w="med" len="med"/>
+                    </a:lnB>
+                    <a:solidFill>
+                      <a:schemeClr val="bg1"/>
+                    </a:solidFill>
+                  </a:tcPr>
+                </a:tc>
+                <a:tc>
+                  <a:txBody>
+                    <a:bodyPr/>
+                    <a:lstStyle/>
+                    <a:p>
+                      <a:r>
+                        <a:rPr lang="fr-FR" sz="1000" b="0" dirty="0" smtClean="0">
+                          <a:solidFill>
+                            <a:schemeClr val="tx1"/>
+                          </a:solidFill>
+                        </a:rPr>
+                        <a:t>0,4°</a:t>
+                      </a:r>
+                      <a:endParaRPr lang="fr-FR" sz="1000" b="0" dirty="0">
+                        <a:solidFill>
+                          <a:schemeClr val="tx1"/>
+                        </a:solidFill>
+                      </a:endParaRPr>
+                    </a:p>
+                  </a:txBody>
+                  <a:tcPr>
+                    <a:lnL w="12700" cap="flat" cmpd="sng" algn="ctr">
+                      <a:solidFill>
+                        <a:schemeClr val="tx1"/>
+                      </a:solidFill>
+                      <a:prstDash val="solid"/>
+                      <a:round/>
+                      <a:headEnd type="none" w="med" len="med"/>
+                      <a:tailEnd type="none" w="med" len="med"/>
+                    </a:lnL>
+                    <a:lnR w="12700" cap="flat" cmpd="sng" algn="ctr">
+                      <a:solidFill>
+                        <a:schemeClr val="tx1"/>
+                      </a:solidFill>
+                      <a:prstDash val="solid"/>
+                      <a:round/>
+                      <a:headEnd type="none" w="med" len="med"/>
+                      <a:tailEnd type="none" w="med" len="med"/>
+                    </a:lnR>
+                    <a:lnT w="12700" cap="flat" cmpd="sng" algn="ctr">
+                      <a:solidFill>
+                        <a:schemeClr val="tx1"/>
+                      </a:solidFill>
+                      <a:prstDash val="solid"/>
+                      <a:round/>
+                      <a:headEnd type="none" w="med" len="med"/>
+                      <a:tailEnd type="none" w="med" len="med"/>
+                    </a:lnT>
+                    <a:lnB w="12700" cap="flat" cmpd="sng" algn="ctr">
+                      <a:solidFill>
+                        <a:schemeClr val="tx1"/>
+                      </a:solidFill>
+                      <a:prstDash val="solid"/>
+                      <a:round/>
+                      <a:headEnd type="none" w="med" len="med"/>
+                      <a:tailEnd type="none" w="med" len="med"/>
+                    </a:lnB>
+                    <a:solidFill>
+                      <a:schemeClr val="bg1"/>
+                    </a:solidFill>
+                  </a:tcPr>
+                </a:tc>
+                <a:tc>
+                  <a:txBody>
+                    <a:bodyPr/>
+                    <a:lstStyle/>
+                    <a:p>
+                      <a:endParaRPr lang="fr-FR" sz="1000" b="0" dirty="0">
+                        <a:solidFill>
+                          <a:schemeClr val="tx1"/>
+                        </a:solidFill>
+                      </a:endParaRPr>
+                    </a:p>
+                  </a:txBody>
+                  <a:tcPr>
+                    <a:lnL w="12700" cap="flat" cmpd="sng" algn="ctr">
+                      <a:solidFill>
+                        <a:schemeClr val="tx1"/>
+                      </a:solidFill>
+                      <a:prstDash val="solid"/>
+                      <a:round/>
+                      <a:headEnd type="none" w="med" len="med"/>
+                      <a:tailEnd type="none" w="med" len="med"/>
+                    </a:lnL>
+                    <a:lnR w="12700" cap="flat" cmpd="sng" algn="ctr">
+                      <a:solidFill>
+                        <a:schemeClr val="tx1"/>
+                      </a:solidFill>
+                      <a:prstDash val="solid"/>
+                      <a:round/>
+                      <a:headEnd type="none" w="med" len="med"/>
+                      <a:tailEnd type="none" w="med" len="med"/>
+                    </a:lnR>
+                    <a:lnT w="12700" cap="flat" cmpd="sng" algn="ctr">
+                      <a:solidFill>
+                        <a:schemeClr val="tx1"/>
+                      </a:solidFill>
+                      <a:prstDash val="solid"/>
+                      <a:round/>
+                      <a:headEnd type="none" w="med" len="med"/>
+                      <a:tailEnd type="none" w="med" len="med"/>
+                    </a:lnT>
+                    <a:lnB w="12700" cap="flat" cmpd="sng" algn="ctr">
+                      <a:solidFill>
+                        <a:schemeClr val="tx1"/>
+                      </a:solidFill>
+                      <a:prstDash val="solid"/>
+                      <a:round/>
+                      <a:headEnd type="none" w="med" len="med"/>
+                      <a:tailEnd type="none" w="med" len="med"/>
+                    </a:lnB>
+                    <a:solidFill>
+                      <a:schemeClr val="bg1"/>
+                    </a:solidFill>
+                  </a:tcPr>
+                </a:tc>
+                <a:tc>
+                  <a:txBody>
+                    <a:bodyPr/>
+                    <a:lstStyle/>
+                    <a:p>
+                      <a:r>
+                        <a:rPr lang="fr-FR" sz="1000" b="0" dirty="0" smtClean="0">
+                          <a:solidFill>
+                            <a:schemeClr val="tx1"/>
+                          </a:solidFill>
+                        </a:rPr>
+                        <a:t>0,03°</a:t>
+                      </a:r>
+                      <a:endParaRPr lang="fr-FR" sz="1000" b="0" dirty="0">
+                        <a:solidFill>
+                          <a:schemeClr val="tx1"/>
+                        </a:solidFill>
+                      </a:endParaRPr>
+                    </a:p>
+                  </a:txBody>
+                  <a:tcPr>
+                    <a:lnL w="12700" cap="flat" cmpd="sng" algn="ctr">
+                      <a:solidFill>
+                        <a:schemeClr val="tx1"/>
+                      </a:solidFill>
+                      <a:prstDash val="solid"/>
+                      <a:round/>
+                      <a:headEnd type="none" w="med" len="med"/>
+                      <a:tailEnd type="none" w="med" len="med"/>
+                    </a:lnL>
+                    <a:lnR w="12700" cap="flat" cmpd="sng" algn="ctr">
+                      <a:solidFill>
+                        <a:schemeClr val="tx1"/>
+                      </a:solidFill>
+                      <a:prstDash val="solid"/>
+                      <a:round/>
+                      <a:headEnd type="none" w="med" len="med"/>
+                      <a:tailEnd type="none" w="med" len="med"/>
+                    </a:lnR>
+                    <a:lnT w="12700" cap="flat" cmpd="sng" algn="ctr">
+                      <a:solidFill>
+                        <a:schemeClr val="tx1"/>
+                      </a:solidFill>
+                      <a:prstDash val="solid"/>
+                      <a:round/>
+                      <a:headEnd type="none" w="med" len="med"/>
+                      <a:tailEnd type="none" w="med" len="med"/>
+                    </a:lnT>
+                    <a:lnB w="12700" cap="flat" cmpd="sng" algn="ctr">
+                      <a:solidFill>
+                        <a:schemeClr val="tx1"/>
+                      </a:solidFill>
+                      <a:prstDash val="solid"/>
+                      <a:round/>
+                      <a:headEnd type="none" w="med" len="med"/>
+                      <a:tailEnd type="none" w="med" len="med"/>
+                    </a:lnB>
+                    <a:solidFill>
+                      <a:schemeClr val="bg1"/>
+                    </a:solidFill>
+                  </a:tcPr>
+                </a:tc>
+                <a:tc>
+                  <a:txBody>
+                    <a:bodyPr/>
+                    <a:lstStyle/>
+                    <a:p>
+                      <a:r>
+                        <a:rPr lang="fr-FR" sz="1000" b="0" dirty="0" smtClean="0">
+                          <a:solidFill>
+                            <a:schemeClr val="tx1"/>
+                          </a:solidFill>
+                        </a:rPr>
+                        <a:t>0,085°</a:t>
+                      </a:r>
+                      <a:endParaRPr lang="fr-FR" sz="1000" b="0" dirty="0">
+                        <a:solidFill>
+                          <a:schemeClr val="tx1"/>
+                        </a:solidFill>
+                      </a:endParaRPr>
+                    </a:p>
+                  </a:txBody>
+                  <a:tcPr>
+                    <a:lnL w="12700" cap="flat" cmpd="sng" algn="ctr">
+                      <a:solidFill>
+                        <a:schemeClr val="tx1"/>
+                      </a:solidFill>
+                      <a:prstDash val="solid"/>
+                      <a:round/>
+                      <a:headEnd type="none" w="med" len="med"/>
+                      <a:tailEnd type="none" w="med" len="med"/>
+                    </a:lnL>
+                    <a:lnR w="12700" cap="flat" cmpd="sng" algn="ctr">
+                      <a:solidFill>
+                        <a:schemeClr val="tx1"/>
+                      </a:solidFill>
+                      <a:prstDash val="solid"/>
+                      <a:round/>
+                      <a:headEnd type="none" w="med" len="med"/>
+                      <a:tailEnd type="none" w="med" len="med"/>
+                    </a:lnR>
+                    <a:lnT w="12700" cap="flat" cmpd="sng" algn="ctr">
+                      <a:solidFill>
+                        <a:schemeClr val="tx1"/>
+                      </a:solidFill>
+                      <a:prstDash val="solid"/>
+                      <a:round/>
+                      <a:headEnd type="none" w="med" len="med"/>
+                      <a:tailEnd type="none" w="med" len="med"/>
+                    </a:lnT>
+                    <a:lnB w="12700" cap="flat" cmpd="sng" algn="ctr">
+                      <a:solidFill>
+                        <a:schemeClr val="tx1"/>
+                      </a:solidFill>
+                      <a:prstDash val="solid"/>
+                      <a:round/>
+                      <a:headEnd type="none" w="med" len="med"/>
+                      <a:tailEnd type="none" w="med" len="med"/>
+                    </a:lnB>
+                    <a:solidFill>
+                      <a:schemeClr val="bg1"/>
+                    </a:solidFill>
+                  </a:tcPr>
+                </a:tc>
+              </a:tr>
+              <a:tr h="210497">
+                <a:tc vMerge="1">
+                  <a:txBody>
+                    <a:bodyPr/>
+                    <a:lstStyle/>
+                    <a:p>
+                      <a:pPr marL="0" marR="0" indent="0" algn="l" defTabSz="1280160" rtl="0" eaLnBrk="1" fontAlgn="auto" latinLnBrk="0" hangingPunct="1">
+                        <a:lnSpc>
+                          <a:spcPct val="100000"/>
+                        </a:lnSpc>
+                        <a:spcBef>
+                          <a:spcPts val="0"/>
+                        </a:spcBef>
+                        <a:spcAft>
+                          <a:spcPts val="0"/>
+                        </a:spcAft>
+                        <a:buClrTx/>
+                        <a:buSzTx/>
+                        <a:buFontTx/>
+                        <a:buNone/>
+                        <a:tabLst/>
+                        <a:defRPr/>
+                      </a:pPr>
+                      <a:endParaRPr lang="fr-FR" sz="1200" b="0" dirty="0" smtClean="0">
+                        <a:solidFill>
+                          <a:schemeClr val="tx1"/>
+                        </a:solidFill>
+                      </a:endParaRPr>
+                    </a:p>
+                  </a:txBody>
+                  <a:tcPr>
+                    <a:lnL w="12700" cap="flat" cmpd="sng" algn="ctr">
+                      <a:solidFill>
+                        <a:schemeClr val="tx1"/>
+                      </a:solidFill>
+                      <a:prstDash val="solid"/>
+                      <a:round/>
+                      <a:headEnd type="none" w="med" len="med"/>
+                      <a:tailEnd type="none" w="med" len="med"/>
+                    </a:lnL>
+                    <a:lnR w="12700" cap="flat" cmpd="sng" algn="ctr">
+                      <a:solidFill>
+                        <a:schemeClr val="tx1"/>
+                      </a:solidFill>
+                      <a:prstDash val="solid"/>
+                      <a:round/>
+                      <a:headEnd type="none" w="med" len="med"/>
+                      <a:tailEnd type="none" w="med" len="med"/>
+                    </a:lnR>
+                    <a:lnT w="12700" cap="flat" cmpd="sng" algn="ctr">
+                      <a:solidFill>
+                        <a:schemeClr val="tx1"/>
+                      </a:solidFill>
+                      <a:prstDash val="solid"/>
+                      <a:round/>
+                      <a:headEnd type="none" w="med" len="med"/>
+                      <a:tailEnd type="none" w="med" len="med"/>
+                    </a:lnT>
+                    <a:lnB w="12700" cap="flat" cmpd="sng" algn="ctr">
+                      <a:solidFill>
+                        <a:schemeClr val="tx1"/>
+                      </a:solidFill>
+                      <a:prstDash val="solid"/>
+                      <a:round/>
+                      <a:headEnd type="none" w="med" len="med"/>
+                      <a:tailEnd type="none" w="med" len="med"/>
+                    </a:lnB>
+                    <a:solidFill>
+                      <a:schemeClr val="bg1"/>
+                    </a:solidFill>
+                  </a:tcPr>
+                </a:tc>
+                <a:tc>
+                  <a:txBody>
+                    <a:bodyPr/>
+                    <a:lstStyle/>
+                    <a:p>
+                      <a:r>
+                        <a:rPr lang="fr-FR" sz="1000" b="0" dirty="0" smtClean="0">
+                          <a:solidFill>
+                            <a:schemeClr val="tx1"/>
+                          </a:solidFill>
+                        </a:rPr>
+                        <a:t>Réel :</a:t>
+                      </a:r>
+                      <a:r>
+                        <a:rPr lang="fr-FR" sz="1000" b="0" baseline="0" dirty="0" smtClean="0">
+                          <a:solidFill>
+                            <a:schemeClr val="tx1"/>
+                          </a:solidFill>
+                        </a:rPr>
+                        <a:t> 0,8° - 1°</a:t>
+                      </a:r>
+                      <a:endParaRPr lang="fr-FR" sz="1000" b="0" dirty="0">
+                        <a:solidFill>
+                          <a:schemeClr val="tx1"/>
+                        </a:solidFill>
+                      </a:endParaRPr>
+                    </a:p>
+                  </a:txBody>
+                  <a:tcPr>
+                    <a:lnL w="12700" cap="flat" cmpd="sng" algn="ctr">
+                      <a:solidFill>
+                        <a:schemeClr val="tx1"/>
+                      </a:solidFill>
+                      <a:prstDash val="solid"/>
+                      <a:round/>
+                      <a:headEnd type="none" w="med" len="med"/>
+                      <a:tailEnd type="none" w="med" len="med"/>
+                    </a:lnL>
+                    <a:lnR w="12700" cap="flat" cmpd="sng" algn="ctr">
+                      <a:solidFill>
+                        <a:schemeClr val="tx1"/>
+                      </a:solidFill>
+                      <a:prstDash val="solid"/>
+                      <a:round/>
+                      <a:headEnd type="none" w="med" len="med"/>
+                      <a:tailEnd type="none" w="med" len="med"/>
+                    </a:lnR>
+                    <a:lnT w="12700" cap="flat" cmpd="sng" algn="ctr">
+                      <a:solidFill>
+                        <a:schemeClr val="tx1"/>
+                      </a:solidFill>
+                      <a:prstDash val="solid"/>
+                      <a:round/>
+                      <a:headEnd type="none" w="med" len="med"/>
+                      <a:tailEnd type="none" w="med" len="med"/>
+                    </a:lnT>
+                    <a:lnB w="12700" cap="flat" cmpd="sng" algn="ctr">
+                      <a:solidFill>
+                        <a:schemeClr val="tx1"/>
+                      </a:solidFill>
+                      <a:prstDash val="solid"/>
+                      <a:round/>
+                      <a:headEnd type="none" w="med" len="med"/>
+                      <a:tailEnd type="none" w="med" len="med"/>
+                    </a:lnB>
+                    <a:solidFill>
+                      <a:schemeClr val="bg1"/>
+                    </a:solidFill>
+                  </a:tcPr>
+                </a:tc>
+                <a:tc>
+                  <a:txBody>
+                    <a:bodyPr/>
+                    <a:lstStyle/>
+                    <a:p>
+                      <a:r>
+                        <a:rPr lang="fr-FR" sz="1000" b="0" dirty="0" smtClean="0">
+                          <a:solidFill>
+                            <a:schemeClr val="tx1"/>
+                          </a:solidFill>
+                        </a:rPr>
+                        <a:t>1,09°</a:t>
+                      </a:r>
+                      <a:r>
+                        <a:rPr lang="fr-FR" sz="1000" b="0" baseline="0" dirty="0" smtClean="0">
+                          <a:solidFill>
+                            <a:schemeClr val="tx1"/>
+                          </a:solidFill>
+                        </a:rPr>
+                        <a:t> - 0,41°</a:t>
+                      </a:r>
+                      <a:endParaRPr lang="fr-FR" sz="1000" b="0" dirty="0">
+                        <a:solidFill>
+                          <a:schemeClr val="tx1"/>
+                        </a:solidFill>
+                      </a:endParaRPr>
+                    </a:p>
+                  </a:txBody>
+                  <a:tcPr>
+                    <a:lnL w="12700" cap="flat" cmpd="sng" algn="ctr">
+                      <a:solidFill>
+                        <a:schemeClr val="tx1"/>
+                      </a:solidFill>
+                      <a:prstDash val="solid"/>
+                      <a:round/>
+                      <a:headEnd type="none" w="med" len="med"/>
+                      <a:tailEnd type="none" w="med" len="med"/>
+                    </a:lnL>
+                    <a:lnR w="12700" cap="flat" cmpd="sng" algn="ctr">
+                      <a:solidFill>
+                        <a:schemeClr val="tx1"/>
+                      </a:solidFill>
+                      <a:prstDash val="solid"/>
+                      <a:round/>
+                      <a:headEnd type="none" w="med" len="med"/>
+                      <a:tailEnd type="none" w="med" len="med"/>
+                    </a:lnR>
+                    <a:lnT w="12700" cap="flat" cmpd="sng" algn="ctr">
+                      <a:solidFill>
+                        <a:schemeClr val="tx1"/>
+                      </a:solidFill>
+                      <a:prstDash val="solid"/>
+                      <a:round/>
+                      <a:headEnd type="none" w="med" len="med"/>
+                      <a:tailEnd type="none" w="med" len="med"/>
+                    </a:lnT>
+                    <a:lnB w="12700" cap="flat" cmpd="sng" algn="ctr">
+                      <a:solidFill>
+                        <a:schemeClr val="tx1"/>
+                      </a:solidFill>
+                      <a:prstDash val="solid"/>
+                      <a:round/>
+                      <a:headEnd type="none" w="med" len="med"/>
+                      <a:tailEnd type="none" w="med" len="med"/>
+                    </a:lnB>
+                    <a:solidFill>
+                      <a:schemeClr val="bg1"/>
+                    </a:solidFill>
+                  </a:tcPr>
+                </a:tc>
+                <a:tc>
+                  <a:txBody>
+                    <a:bodyPr/>
+                    <a:lstStyle/>
+                    <a:p>
+                      <a:endParaRPr lang="fr-FR" sz="1000" b="0" dirty="0">
+                        <a:solidFill>
+                          <a:schemeClr val="tx1"/>
+                        </a:solidFill>
+                      </a:endParaRPr>
+                    </a:p>
+                  </a:txBody>
+                  <a:tcPr>
+                    <a:lnL w="12700" cap="flat" cmpd="sng" algn="ctr">
+                      <a:solidFill>
+                        <a:schemeClr val="tx1"/>
+                      </a:solidFill>
+                      <a:prstDash val="solid"/>
+                      <a:round/>
+                      <a:headEnd type="none" w="med" len="med"/>
+                      <a:tailEnd type="none" w="med" len="med"/>
+                    </a:lnL>
+                    <a:lnR w="12700" cap="flat" cmpd="sng" algn="ctr">
+                      <a:solidFill>
+                        <a:schemeClr val="tx1"/>
+                      </a:solidFill>
+                      <a:prstDash val="solid"/>
+                      <a:round/>
+                      <a:headEnd type="none" w="med" len="med"/>
+                      <a:tailEnd type="none" w="med" len="med"/>
+                    </a:lnR>
+                    <a:lnT w="12700" cap="flat" cmpd="sng" algn="ctr">
+                      <a:solidFill>
+                        <a:schemeClr val="tx1"/>
+                      </a:solidFill>
+                      <a:prstDash val="solid"/>
+                      <a:round/>
+                      <a:headEnd type="none" w="med" len="med"/>
+                      <a:tailEnd type="none" w="med" len="med"/>
+                    </a:lnT>
+                    <a:lnB w="12700" cap="flat" cmpd="sng" algn="ctr">
+                      <a:solidFill>
+                        <a:schemeClr val="tx1"/>
+                      </a:solidFill>
+                      <a:prstDash val="solid"/>
+                      <a:round/>
+                      <a:headEnd type="none" w="med" len="med"/>
+                      <a:tailEnd type="none" w="med" len="med"/>
+                    </a:lnB>
+                    <a:solidFill>
+                      <a:schemeClr val="bg1"/>
+                    </a:solidFill>
+                  </a:tcPr>
+                </a:tc>
+                <a:tc>
+                  <a:txBody>
+                    <a:bodyPr/>
+                    <a:lstStyle/>
+                    <a:p>
+                      <a:r>
+                        <a:rPr lang="fr-FR" sz="1000" b="0" dirty="0" smtClean="0">
+                          <a:solidFill>
+                            <a:schemeClr val="tx1"/>
+                          </a:solidFill>
+                        </a:rPr>
+                        <a:t>0,28</a:t>
+                      </a:r>
+                      <a:r>
+                        <a:rPr lang="fr-FR" sz="1000" b="0" baseline="0" dirty="0" smtClean="0">
+                          <a:solidFill>
+                            <a:schemeClr val="tx1"/>
+                          </a:solidFill>
+                        </a:rPr>
+                        <a:t> – 0,35</a:t>
+                      </a:r>
+                      <a:endParaRPr lang="fr-FR" sz="1000" b="0" dirty="0">
+                        <a:solidFill>
+                          <a:schemeClr val="tx1"/>
+                        </a:solidFill>
+                      </a:endParaRPr>
+                    </a:p>
+                  </a:txBody>
+                  <a:tcPr>
+                    <a:lnL w="12700" cap="flat" cmpd="sng" algn="ctr">
+                      <a:solidFill>
+                        <a:schemeClr val="tx1"/>
+                      </a:solidFill>
+                      <a:prstDash val="solid"/>
+                      <a:round/>
+                      <a:headEnd type="none" w="med" len="med"/>
+                      <a:tailEnd type="none" w="med" len="med"/>
+                    </a:lnL>
+                    <a:lnR w="12700" cap="flat" cmpd="sng" algn="ctr">
+                      <a:solidFill>
+                        <a:schemeClr val="tx1"/>
+                      </a:solidFill>
+                      <a:prstDash val="solid"/>
+                      <a:round/>
+                      <a:headEnd type="none" w="med" len="med"/>
+                      <a:tailEnd type="none" w="med" len="med"/>
+                    </a:lnR>
+                    <a:lnT w="12700" cap="flat" cmpd="sng" algn="ctr">
+                      <a:solidFill>
+                        <a:schemeClr val="tx1"/>
+                      </a:solidFill>
+                      <a:prstDash val="solid"/>
+                      <a:round/>
+                      <a:headEnd type="none" w="med" len="med"/>
+                      <a:tailEnd type="none" w="med" len="med"/>
+                    </a:lnT>
+                    <a:lnB w="12700" cap="flat" cmpd="sng" algn="ctr">
+                      <a:solidFill>
+                        <a:schemeClr val="tx1"/>
+                      </a:solidFill>
+                      <a:prstDash val="solid"/>
+                      <a:round/>
+                      <a:headEnd type="none" w="med" len="med"/>
+                      <a:tailEnd type="none" w="med" len="med"/>
+                    </a:lnB>
+                    <a:solidFill>
+                      <a:schemeClr val="bg1"/>
+                    </a:solidFill>
+                  </a:tcPr>
+                </a:tc>
+                <a:tc>
+                  <a:txBody>
+                    <a:bodyPr/>
+                    <a:lstStyle/>
+                    <a:p>
+                      <a:r>
+                        <a:rPr lang="fr-FR" sz="1000" b="0" dirty="0" smtClean="0">
+                          <a:solidFill>
+                            <a:schemeClr val="tx1"/>
+                          </a:solidFill>
+                        </a:rPr>
+                        <a:t>0/Instable</a:t>
+                      </a:r>
+                      <a:endParaRPr lang="fr-FR" sz="1000" b="0" dirty="0">
+                        <a:solidFill>
+                          <a:schemeClr val="tx1"/>
+                        </a:solidFill>
+                      </a:endParaRPr>
+                    </a:p>
+                  </a:txBody>
+                  <a:tcPr>
+                    <a:lnL w="12700" cap="flat" cmpd="sng" algn="ctr">
+                      <a:solidFill>
+                        <a:schemeClr val="tx1"/>
+                      </a:solidFill>
+                      <a:prstDash val="solid"/>
+                      <a:round/>
+                      <a:headEnd type="none" w="med" len="med"/>
+                      <a:tailEnd type="none" w="med" len="med"/>
+                    </a:lnL>
+                    <a:lnR w="12700" cap="flat" cmpd="sng" algn="ctr">
+                      <a:solidFill>
+                        <a:schemeClr val="tx1"/>
+                      </a:solidFill>
+                      <a:prstDash val="solid"/>
+                      <a:round/>
+                      <a:headEnd type="none" w="med" len="med"/>
+                      <a:tailEnd type="none" w="med" len="med"/>
+                    </a:lnR>
+                    <a:lnT w="12700" cap="flat" cmpd="sng" algn="ctr">
+                      <a:solidFill>
+                        <a:schemeClr val="tx1"/>
+                      </a:solidFill>
+                      <a:prstDash val="solid"/>
+                      <a:round/>
+                      <a:headEnd type="none" w="med" len="med"/>
+                      <a:tailEnd type="none" w="med" len="med"/>
+                    </a:lnT>
+                    <a:lnB w="12700" cap="flat" cmpd="sng" algn="ctr">
+                      <a:solidFill>
+                        <a:schemeClr val="tx1"/>
+                      </a:solidFill>
+                      <a:prstDash val="solid"/>
+                      <a:round/>
+                      <a:headEnd type="none" w="med" len="med"/>
+                      <a:tailEnd type="none" w="med" len="med"/>
+                    </a:lnB>
+                    <a:solidFill>
+                      <a:schemeClr val="bg1"/>
+                    </a:solidFill>
+                  </a:tcPr>
+                </a:tc>
+              </a:tr>
+              <a:tr h="294696">
+                <a:tc rowSpan="2">
+                  <a:txBody>
+                    <a:bodyPr/>
+                    <a:lstStyle/>
+                    <a:p>
+                      <a:pPr marL="0" marR="0" indent="0" algn="ctr" defTabSz="1280160" rtl="0" eaLnBrk="1" fontAlgn="auto" latinLnBrk="0" hangingPunct="1">
+                        <a:lnSpc>
+                          <a:spcPct val="100000"/>
+                        </a:lnSpc>
+                        <a:spcBef>
+                          <a:spcPts val="0"/>
+                        </a:spcBef>
+                        <a:spcAft>
+                          <a:spcPts val="0"/>
+                        </a:spcAft>
+                        <a:buClrTx/>
+                        <a:buSzTx/>
+                        <a:buFontTx/>
+                        <a:buNone/>
+                        <a:tabLst/>
+                        <a:defRPr/>
+                      </a:pPr>
+                      <a:r>
+                        <a:rPr lang="fr-FR" sz="1000" b="0" dirty="0" smtClean="0">
+                          <a:solidFill>
+                            <a:schemeClr val="tx1"/>
+                          </a:solidFill>
+                        </a:rPr>
+                        <a:t>Temps</a:t>
+                      </a:r>
+                      <a:r>
+                        <a:rPr lang="fr-FR" sz="1000" b="0" baseline="0" dirty="0" smtClean="0">
+                          <a:solidFill>
+                            <a:schemeClr val="tx1"/>
+                          </a:solidFill>
+                        </a:rPr>
+                        <a:t> de réponse à 5%</a:t>
+                      </a:r>
+                      <a:endParaRPr lang="fr-FR" sz="1000" b="0" dirty="0" smtClean="0">
+                        <a:solidFill>
+                          <a:schemeClr val="tx1"/>
+                        </a:solidFill>
+                      </a:endParaRPr>
+                    </a:p>
+                  </a:txBody>
+                  <a:tcPr anchor="ctr">
+                    <a:lnL w="12700" cap="flat" cmpd="sng" algn="ctr">
+                      <a:solidFill>
+                        <a:schemeClr val="tx1"/>
+                      </a:solidFill>
+                      <a:prstDash val="solid"/>
+                      <a:round/>
+                      <a:headEnd type="none" w="med" len="med"/>
+                      <a:tailEnd type="none" w="med" len="med"/>
+                    </a:lnL>
+                    <a:lnR w="12700" cap="flat" cmpd="sng" algn="ctr">
+                      <a:solidFill>
+                        <a:schemeClr val="tx1"/>
+                      </a:solidFill>
+                      <a:prstDash val="solid"/>
+                      <a:round/>
+                      <a:headEnd type="none" w="med" len="med"/>
+                      <a:tailEnd type="none" w="med" len="med"/>
+                    </a:lnR>
+                    <a:lnT w="12700" cap="flat" cmpd="sng" algn="ctr">
+                      <a:solidFill>
+                        <a:schemeClr val="tx1"/>
+                      </a:solidFill>
+                      <a:prstDash val="solid"/>
+                      <a:round/>
+                      <a:headEnd type="none" w="med" len="med"/>
+                      <a:tailEnd type="none" w="med" len="med"/>
+                    </a:lnT>
+                    <a:lnB w="12700" cap="flat" cmpd="sng" algn="ctr">
+                      <a:solidFill>
+                        <a:schemeClr val="tx1"/>
+                      </a:solidFill>
+                      <a:prstDash val="solid"/>
+                      <a:round/>
+                      <a:headEnd type="none" w="med" len="med"/>
+                      <a:tailEnd type="none" w="med" len="med"/>
+                    </a:lnB>
+                    <a:solidFill>
+                      <a:schemeClr val="bg1"/>
+                    </a:solidFill>
+                  </a:tcPr>
+                </a:tc>
+                <a:tc>
+                  <a:txBody>
+                    <a:bodyPr/>
+                    <a:lstStyle/>
+                    <a:p>
+                      <a:r>
+                        <a:rPr lang="fr-FR" sz="1000" b="0" dirty="0" err="1" smtClean="0">
+                          <a:solidFill>
+                            <a:schemeClr val="tx1"/>
+                          </a:solidFill>
+                        </a:rPr>
+                        <a:t>Mod</a:t>
+                      </a:r>
+                      <a:r>
+                        <a:rPr lang="fr-FR" sz="1000" b="0" dirty="0" smtClean="0">
+                          <a:solidFill>
+                            <a:schemeClr val="tx1"/>
+                          </a:solidFill>
+                        </a:rPr>
+                        <a:t>.: 0,044 s</a:t>
+                      </a:r>
+                      <a:endParaRPr lang="fr-FR" sz="1000" b="0" dirty="0">
+                        <a:solidFill>
+                          <a:schemeClr val="tx1"/>
+                        </a:solidFill>
+                      </a:endParaRPr>
+                    </a:p>
+                  </a:txBody>
+                  <a:tcPr>
+                    <a:lnL w="12700" cap="flat" cmpd="sng" algn="ctr">
+                      <a:solidFill>
+                        <a:schemeClr val="tx1"/>
+                      </a:solidFill>
+                      <a:prstDash val="solid"/>
+                      <a:round/>
+                      <a:headEnd type="none" w="med" len="med"/>
+                      <a:tailEnd type="none" w="med" len="med"/>
+                    </a:lnL>
+                    <a:lnR w="12700" cap="flat" cmpd="sng" algn="ctr">
+                      <a:solidFill>
+                        <a:schemeClr val="tx1"/>
+                      </a:solidFill>
+                      <a:prstDash val="solid"/>
+                      <a:round/>
+                      <a:headEnd type="none" w="med" len="med"/>
+                      <a:tailEnd type="none" w="med" len="med"/>
+                    </a:lnR>
+                    <a:lnT w="12700" cap="flat" cmpd="sng" algn="ctr">
+                      <a:solidFill>
+                        <a:schemeClr val="tx1"/>
+                      </a:solidFill>
+                      <a:prstDash val="solid"/>
+                      <a:round/>
+                      <a:headEnd type="none" w="med" len="med"/>
+                      <a:tailEnd type="none" w="med" len="med"/>
+                    </a:lnT>
+                    <a:lnB w="12700" cap="flat" cmpd="sng" algn="ctr">
+                      <a:solidFill>
+                        <a:schemeClr val="tx1"/>
+                      </a:solidFill>
+                      <a:prstDash val="solid"/>
+                      <a:round/>
+                      <a:headEnd type="none" w="med" len="med"/>
+                      <a:tailEnd type="none" w="med" len="med"/>
+                    </a:lnB>
+                    <a:solidFill>
+                      <a:schemeClr val="bg1"/>
+                    </a:solidFill>
+                  </a:tcPr>
+                </a:tc>
+                <a:tc>
+                  <a:txBody>
+                    <a:bodyPr/>
+                    <a:lstStyle/>
+                    <a:p>
+                      <a:r>
+                        <a:rPr lang="fr-FR" sz="1000" b="0" dirty="0" smtClean="0">
+                          <a:solidFill>
+                            <a:schemeClr val="tx1"/>
+                          </a:solidFill>
+                        </a:rPr>
+                        <a:t>0,055 s</a:t>
+                      </a:r>
+                      <a:endParaRPr lang="fr-FR" sz="1000" b="0" dirty="0">
+                        <a:solidFill>
+                          <a:schemeClr val="tx1"/>
+                        </a:solidFill>
+                      </a:endParaRPr>
+                    </a:p>
+                  </a:txBody>
+                  <a:tcPr>
+                    <a:lnL w="12700" cap="flat" cmpd="sng" algn="ctr">
+                      <a:solidFill>
+                        <a:schemeClr val="tx1"/>
+                      </a:solidFill>
+                      <a:prstDash val="solid"/>
+                      <a:round/>
+                      <a:headEnd type="none" w="med" len="med"/>
+                      <a:tailEnd type="none" w="med" len="med"/>
+                    </a:lnL>
+                    <a:lnR w="12700" cap="flat" cmpd="sng" algn="ctr">
+                      <a:solidFill>
+                        <a:schemeClr val="tx1"/>
+                      </a:solidFill>
+                      <a:prstDash val="solid"/>
+                      <a:round/>
+                      <a:headEnd type="none" w="med" len="med"/>
+                      <a:tailEnd type="none" w="med" len="med"/>
+                    </a:lnR>
+                    <a:lnT w="12700" cap="flat" cmpd="sng" algn="ctr">
+                      <a:solidFill>
+                        <a:schemeClr val="tx1"/>
+                      </a:solidFill>
+                      <a:prstDash val="solid"/>
+                      <a:round/>
+                      <a:headEnd type="none" w="med" len="med"/>
+                      <a:tailEnd type="none" w="med" len="med"/>
+                    </a:lnT>
+                    <a:lnB w="12700" cap="flat" cmpd="sng" algn="ctr">
+                      <a:solidFill>
+                        <a:schemeClr val="tx1"/>
+                      </a:solidFill>
+                      <a:prstDash val="solid"/>
+                      <a:round/>
+                      <a:headEnd type="none" w="med" len="med"/>
+                      <a:tailEnd type="none" w="med" len="med"/>
+                    </a:lnB>
+                    <a:solidFill>
+                      <a:schemeClr val="bg1"/>
+                    </a:solidFill>
+                  </a:tcPr>
+                </a:tc>
+                <a:tc>
+                  <a:txBody>
+                    <a:bodyPr/>
+                    <a:lstStyle/>
+                    <a:p>
+                      <a:endParaRPr lang="fr-FR" sz="1000" b="0" dirty="0">
+                        <a:solidFill>
+                          <a:schemeClr val="tx1"/>
+                        </a:solidFill>
+                      </a:endParaRPr>
+                    </a:p>
+                  </a:txBody>
+                  <a:tcPr>
+                    <a:lnL w="12700" cap="flat" cmpd="sng" algn="ctr">
+                      <a:solidFill>
+                        <a:schemeClr val="tx1"/>
+                      </a:solidFill>
+                      <a:prstDash val="solid"/>
+                      <a:round/>
+                      <a:headEnd type="none" w="med" len="med"/>
+                      <a:tailEnd type="none" w="med" len="med"/>
+                    </a:lnL>
+                    <a:lnR w="12700" cap="flat" cmpd="sng" algn="ctr">
+                      <a:solidFill>
+                        <a:schemeClr val="tx1"/>
+                      </a:solidFill>
+                      <a:prstDash val="solid"/>
+                      <a:round/>
+                      <a:headEnd type="none" w="med" len="med"/>
+                      <a:tailEnd type="none" w="med" len="med"/>
+                    </a:lnR>
+                    <a:lnT w="12700" cap="flat" cmpd="sng" algn="ctr">
+                      <a:solidFill>
+                        <a:schemeClr val="tx1"/>
+                      </a:solidFill>
+                      <a:prstDash val="solid"/>
+                      <a:round/>
+                      <a:headEnd type="none" w="med" len="med"/>
+                      <a:tailEnd type="none" w="med" len="med"/>
+                    </a:lnT>
+                    <a:lnB w="12700" cap="flat" cmpd="sng" algn="ctr">
+                      <a:solidFill>
+                        <a:schemeClr val="tx1"/>
+                      </a:solidFill>
+                      <a:prstDash val="solid"/>
+                      <a:round/>
+                      <a:headEnd type="none" w="med" len="med"/>
+                      <a:tailEnd type="none" w="med" len="med"/>
+                    </a:lnB>
+                    <a:solidFill>
+                      <a:schemeClr val="bg1"/>
+                    </a:solidFill>
+                  </a:tcPr>
+                </a:tc>
+                <a:tc>
+                  <a:txBody>
+                    <a:bodyPr/>
+                    <a:lstStyle/>
+                    <a:p>
+                      <a:r>
+                        <a:rPr lang="fr-FR" sz="1000" b="0" dirty="0" smtClean="0">
+                          <a:solidFill>
+                            <a:schemeClr val="tx1"/>
+                          </a:solidFill>
+                        </a:rPr>
+                        <a:t>0,052</a:t>
+                      </a:r>
+                      <a:endParaRPr lang="fr-FR" sz="1000" b="0" dirty="0">
+                        <a:solidFill>
+                          <a:schemeClr val="tx1"/>
+                        </a:solidFill>
+                      </a:endParaRPr>
+                    </a:p>
+                  </a:txBody>
+                  <a:tcPr>
+                    <a:lnL w="12700" cap="flat" cmpd="sng" algn="ctr">
+                      <a:solidFill>
+                        <a:schemeClr val="tx1"/>
+                      </a:solidFill>
+                      <a:prstDash val="solid"/>
+                      <a:round/>
+                      <a:headEnd type="none" w="med" len="med"/>
+                      <a:tailEnd type="none" w="med" len="med"/>
+                    </a:lnL>
+                    <a:lnR w="12700" cap="flat" cmpd="sng" algn="ctr">
+                      <a:solidFill>
+                        <a:schemeClr val="tx1"/>
+                      </a:solidFill>
+                      <a:prstDash val="solid"/>
+                      <a:round/>
+                      <a:headEnd type="none" w="med" len="med"/>
+                      <a:tailEnd type="none" w="med" len="med"/>
+                    </a:lnR>
+                    <a:lnT w="12700" cap="flat" cmpd="sng" algn="ctr">
+                      <a:solidFill>
+                        <a:schemeClr val="tx1"/>
+                      </a:solidFill>
+                      <a:prstDash val="solid"/>
+                      <a:round/>
+                      <a:headEnd type="none" w="med" len="med"/>
+                      <a:tailEnd type="none" w="med" len="med"/>
+                    </a:lnT>
+                    <a:lnB w="12700" cap="flat" cmpd="sng" algn="ctr">
+                      <a:solidFill>
+                        <a:schemeClr val="tx1"/>
+                      </a:solidFill>
+                      <a:prstDash val="solid"/>
+                      <a:round/>
+                      <a:headEnd type="none" w="med" len="med"/>
+                      <a:tailEnd type="none" w="med" len="med"/>
+                    </a:lnB>
+                    <a:solidFill>
+                      <a:schemeClr val="bg1"/>
+                    </a:solidFill>
+                  </a:tcPr>
+                </a:tc>
+                <a:tc>
+                  <a:txBody>
+                    <a:bodyPr/>
+                    <a:lstStyle/>
+                    <a:p>
+                      <a:r>
+                        <a:rPr lang="fr-FR" sz="1000" b="0" dirty="0" smtClean="0">
+                          <a:solidFill>
+                            <a:schemeClr val="tx1"/>
+                          </a:solidFill>
+                        </a:rPr>
+                        <a:t>0,047</a:t>
+                      </a:r>
+                      <a:endParaRPr lang="fr-FR" sz="1000" b="0" dirty="0">
+                        <a:solidFill>
+                          <a:schemeClr val="tx1"/>
+                        </a:solidFill>
+                      </a:endParaRPr>
+                    </a:p>
+                  </a:txBody>
+                  <a:tcPr>
+                    <a:lnL w="12700" cap="flat" cmpd="sng" algn="ctr">
+                      <a:solidFill>
+                        <a:schemeClr val="tx1"/>
+                      </a:solidFill>
+                      <a:prstDash val="solid"/>
+                      <a:round/>
+                      <a:headEnd type="none" w="med" len="med"/>
+                      <a:tailEnd type="none" w="med" len="med"/>
+                    </a:lnL>
+                    <a:lnR w="12700" cap="flat" cmpd="sng" algn="ctr">
+                      <a:solidFill>
+                        <a:schemeClr val="tx1"/>
+                      </a:solidFill>
+                      <a:prstDash val="solid"/>
+                      <a:round/>
+                      <a:headEnd type="none" w="med" len="med"/>
+                      <a:tailEnd type="none" w="med" len="med"/>
+                    </a:lnR>
+                    <a:lnT w="12700" cap="flat" cmpd="sng" algn="ctr">
+                      <a:solidFill>
+                        <a:schemeClr val="tx1"/>
+                      </a:solidFill>
+                      <a:prstDash val="solid"/>
+                      <a:round/>
+                      <a:headEnd type="none" w="med" len="med"/>
+                      <a:tailEnd type="none" w="med" len="med"/>
+                    </a:lnT>
+                    <a:lnB w="12700" cap="flat" cmpd="sng" algn="ctr">
+                      <a:solidFill>
+                        <a:schemeClr val="tx1"/>
+                      </a:solidFill>
+                      <a:prstDash val="solid"/>
+                      <a:round/>
+                      <a:headEnd type="none" w="med" len="med"/>
+                      <a:tailEnd type="none" w="med" len="med"/>
+                    </a:lnB>
+                    <a:solidFill>
+                      <a:schemeClr val="bg1"/>
+                    </a:solidFill>
+                  </a:tcPr>
+                </a:tc>
+              </a:tr>
+              <a:tr h="294696">
+                <a:tc vMerge="1">
+                  <a:txBody>
+                    <a:bodyPr/>
+                    <a:lstStyle/>
+                    <a:p>
+                      <a:pPr marL="0" marR="0" indent="0" algn="l" defTabSz="1280160" rtl="0" eaLnBrk="1" fontAlgn="auto" latinLnBrk="0" hangingPunct="1">
+                        <a:lnSpc>
+                          <a:spcPct val="100000"/>
+                        </a:lnSpc>
+                        <a:spcBef>
+                          <a:spcPts val="0"/>
+                        </a:spcBef>
+                        <a:spcAft>
+                          <a:spcPts val="0"/>
+                        </a:spcAft>
+                        <a:buClrTx/>
+                        <a:buSzTx/>
+                        <a:buFontTx/>
+                        <a:buNone/>
+                        <a:tabLst/>
+                        <a:defRPr/>
+                      </a:pPr>
+                      <a:endParaRPr lang="fr-FR" sz="1200" b="0" dirty="0" smtClean="0">
+                        <a:solidFill>
+                          <a:schemeClr val="tx1"/>
+                        </a:solidFill>
+                      </a:endParaRPr>
+                    </a:p>
+                  </a:txBody>
+                  <a:tcPr>
+                    <a:lnL w="12700" cap="flat" cmpd="sng" algn="ctr">
+                      <a:solidFill>
+                        <a:schemeClr val="tx1"/>
+                      </a:solidFill>
+                      <a:prstDash val="solid"/>
+                      <a:round/>
+                      <a:headEnd type="none" w="med" len="med"/>
+                      <a:tailEnd type="none" w="med" len="med"/>
+                    </a:lnL>
+                    <a:lnR w="12700" cap="flat" cmpd="sng" algn="ctr">
+                      <a:solidFill>
+                        <a:schemeClr val="tx1"/>
+                      </a:solidFill>
+                      <a:prstDash val="solid"/>
+                      <a:round/>
+                      <a:headEnd type="none" w="med" len="med"/>
+                      <a:tailEnd type="none" w="med" len="med"/>
+                    </a:lnR>
+                    <a:lnT w="12700" cap="flat" cmpd="sng" algn="ctr">
+                      <a:solidFill>
+                        <a:schemeClr val="tx1"/>
+                      </a:solidFill>
+                      <a:prstDash val="solid"/>
+                      <a:round/>
+                      <a:headEnd type="none" w="med" len="med"/>
+                      <a:tailEnd type="none" w="med" len="med"/>
+                    </a:lnT>
+                    <a:lnB w="12700" cap="flat" cmpd="sng" algn="ctr">
+                      <a:solidFill>
+                        <a:schemeClr val="tx1"/>
+                      </a:solidFill>
+                      <a:prstDash val="solid"/>
+                      <a:round/>
+                      <a:headEnd type="none" w="med" len="med"/>
+                      <a:tailEnd type="none" w="med" len="med"/>
+                    </a:lnB>
+                    <a:solidFill>
+                      <a:schemeClr val="bg1"/>
+                    </a:solidFill>
+                  </a:tcPr>
+                </a:tc>
+                <a:tc>
+                  <a:txBody>
+                    <a:bodyPr/>
+                    <a:lstStyle/>
+                    <a:p>
+                      <a:r>
+                        <a:rPr lang="fr-FR" sz="1000" b="0" dirty="0" smtClean="0">
+                          <a:solidFill>
+                            <a:schemeClr val="tx1"/>
+                          </a:solidFill>
+                        </a:rPr>
+                        <a:t>Réel : </a:t>
+                      </a:r>
+                    </a:p>
+                    <a:p>
+                      <a:r>
+                        <a:rPr lang="fr-FR" sz="1000" b="0" dirty="0" smtClean="0">
+                          <a:solidFill>
+                            <a:schemeClr val="tx1"/>
+                          </a:solidFill>
+                        </a:rPr>
+                        <a:t>0,075 à 0,09</a:t>
+                      </a:r>
+                      <a:endParaRPr lang="fr-FR" sz="1000" b="0" dirty="0">
+                        <a:solidFill>
+                          <a:schemeClr val="tx1"/>
+                        </a:solidFill>
+                      </a:endParaRPr>
+                    </a:p>
+                  </a:txBody>
+                  <a:tcPr>
+                    <a:lnL w="12700" cap="flat" cmpd="sng" algn="ctr">
+                      <a:solidFill>
+                        <a:schemeClr val="tx1"/>
+                      </a:solidFill>
+                      <a:prstDash val="solid"/>
+                      <a:round/>
+                      <a:headEnd type="none" w="med" len="med"/>
+                      <a:tailEnd type="none" w="med" len="med"/>
+                    </a:lnL>
+                    <a:lnR w="12700" cap="flat" cmpd="sng" algn="ctr">
+                      <a:solidFill>
+                        <a:schemeClr val="tx1"/>
+                      </a:solidFill>
+                      <a:prstDash val="solid"/>
+                      <a:round/>
+                      <a:headEnd type="none" w="med" len="med"/>
+                      <a:tailEnd type="none" w="med" len="med"/>
+                    </a:lnR>
+                    <a:lnT w="12700" cap="flat" cmpd="sng" algn="ctr">
+                      <a:solidFill>
+                        <a:schemeClr val="tx1"/>
+                      </a:solidFill>
+                      <a:prstDash val="solid"/>
+                      <a:round/>
+                      <a:headEnd type="none" w="med" len="med"/>
+                      <a:tailEnd type="none" w="med" len="med"/>
+                    </a:lnT>
+                    <a:lnB w="12700" cap="flat" cmpd="sng" algn="ctr">
+                      <a:solidFill>
+                        <a:schemeClr val="tx1"/>
+                      </a:solidFill>
+                      <a:prstDash val="solid"/>
+                      <a:round/>
+                      <a:headEnd type="none" w="med" len="med"/>
+                      <a:tailEnd type="none" w="med" len="med"/>
+                    </a:lnB>
+                    <a:solidFill>
+                      <a:schemeClr val="bg1"/>
+                    </a:solidFill>
+                  </a:tcPr>
+                </a:tc>
+                <a:tc>
+                  <a:txBody>
+                    <a:bodyPr/>
+                    <a:lstStyle/>
+                    <a:p>
+                      <a:r>
+                        <a:rPr lang="fr-FR" sz="1000" b="0" dirty="0" smtClean="0">
+                          <a:solidFill>
+                            <a:schemeClr val="tx1"/>
+                          </a:solidFill>
+                        </a:rPr>
+                        <a:t>0,09 à 0,12</a:t>
+                      </a:r>
+                      <a:endParaRPr lang="fr-FR" sz="1000" b="0" dirty="0">
+                        <a:solidFill>
+                          <a:schemeClr val="tx1"/>
+                        </a:solidFill>
+                      </a:endParaRPr>
+                    </a:p>
+                  </a:txBody>
+                  <a:tcPr>
+                    <a:lnL w="12700" cap="flat" cmpd="sng" algn="ctr">
+                      <a:solidFill>
+                        <a:schemeClr val="tx1"/>
+                      </a:solidFill>
+                      <a:prstDash val="solid"/>
+                      <a:round/>
+                      <a:headEnd type="none" w="med" len="med"/>
+                      <a:tailEnd type="none" w="med" len="med"/>
+                    </a:lnL>
+                    <a:lnR w="12700" cap="flat" cmpd="sng" algn="ctr">
+                      <a:solidFill>
+                        <a:schemeClr val="tx1"/>
+                      </a:solidFill>
+                      <a:prstDash val="solid"/>
+                      <a:round/>
+                      <a:headEnd type="none" w="med" len="med"/>
+                      <a:tailEnd type="none" w="med" len="med"/>
+                    </a:lnR>
+                    <a:lnT w="12700" cap="flat" cmpd="sng" algn="ctr">
+                      <a:solidFill>
+                        <a:schemeClr val="tx1"/>
+                      </a:solidFill>
+                      <a:prstDash val="solid"/>
+                      <a:round/>
+                      <a:headEnd type="none" w="med" len="med"/>
+                      <a:tailEnd type="none" w="med" len="med"/>
+                    </a:lnT>
+                    <a:lnB w="12700" cap="flat" cmpd="sng" algn="ctr">
+                      <a:solidFill>
+                        <a:schemeClr val="tx1"/>
+                      </a:solidFill>
+                      <a:prstDash val="solid"/>
+                      <a:round/>
+                      <a:headEnd type="none" w="med" len="med"/>
+                      <a:tailEnd type="none" w="med" len="med"/>
+                    </a:lnB>
+                    <a:solidFill>
+                      <a:schemeClr val="bg1"/>
+                    </a:solidFill>
+                  </a:tcPr>
+                </a:tc>
+                <a:tc>
+                  <a:txBody>
+                    <a:bodyPr/>
+                    <a:lstStyle/>
+                    <a:p>
+                      <a:endParaRPr lang="fr-FR" sz="1000" b="0" dirty="0">
+                        <a:solidFill>
+                          <a:schemeClr val="tx1"/>
+                        </a:solidFill>
+                      </a:endParaRPr>
+                    </a:p>
+                  </a:txBody>
+                  <a:tcPr>
+                    <a:lnL w="12700" cap="flat" cmpd="sng" algn="ctr">
+                      <a:solidFill>
+                        <a:schemeClr val="tx1"/>
+                      </a:solidFill>
+                      <a:prstDash val="solid"/>
+                      <a:round/>
+                      <a:headEnd type="none" w="med" len="med"/>
+                      <a:tailEnd type="none" w="med" len="med"/>
+                    </a:lnL>
+                    <a:lnR w="12700" cap="flat" cmpd="sng" algn="ctr">
+                      <a:solidFill>
+                        <a:schemeClr val="tx1"/>
+                      </a:solidFill>
+                      <a:prstDash val="solid"/>
+                      <a:round/>
+                      <a:headEnd type="none" w="med" len="med"/>
+                      <a:tailEnd type="none" w="med" len="med"/>
+                    </a:lnR>
+                    <a:lnT w="12700" cap="flat" cmpd="sng" algn="ctr">
+                      <a:solidFill>
+                        <a:schemeClr val="tx1"/>
+                      </a:solidFill>
+                      <a:prstDash val="solid"/>
+                      <a:round/>
+                      <a:headEnd type="none" w="med" len="med"/>
+                      <a:tailEnd type="none" w="med" len="med"/>
+                    </a:lnT>
+                    <a:lnB w="12700" cap="flat" cmpd="sng" algn="ctr">
+                      <a:solidFill>
+                        <a:schemeClr val="tx1"/>
+                      </a:solidFill>
+                      <a:prstDash val="solid"/>
+                      <a:round/>
+                      <a:headEnd type="none" w="med" len="med"/>
+                      <a:tailEnd type="none" w="med" len="med"/>
+                    </a:lnB>
+                    <a:solidFill>
+                      <a:schemeClr val="bg1"/>
+                    </a:solidFill>
+                  </a:tcPr>
+                </a:tc>
+                <a:tc>
+                  <a:txBody>
+                    <a:bodyPr/>
+                    <a:lstStyle/>
+                    <a:p>
+                      <a:r>
+                        <a:rPr lang="fr-FR" sz="1000" b="0" dirty="0" smtClean="0">
+                          <a:solidFill>
+                            <a:schemeClr val="tx1"/>
+                          </a:solidFill>
+                        </a:rPr>
+                        <a:t>0,175 à 0,225</a:t>
+                      </a:r>
+                      <a:endParaRPr lang="fr-FR" sz="1000" b="0" dirty="0">
+                        <a:solidFill>
+                          <a:schemeClr val="tx1"/>
+                        </a:solidFill>
+                      </a:endParaRPr>
+                    </a:p>
+                  </a:txBody>
+                  <a:tcPr>
+                    <a:lnL w="12700" cap="flat" cmpd="sng" algn="ctr">
+                      <a:solidFill>
+                        <a:schemeClr val="tx1"/>
+                      </a:solidFill>
+                      <a:prstDash val="solid"/>
+                      <a:round/>
+                      <a:headEnd type="none" w="med" len="med"/>
+                      <a:tailEnd type="none" w="med" len="med"/>
+                    </a:lnL>
+                    <a:lnR w="12700" cap="flat" cmpd="sng" algn="ctr">
+                      <a:solidFill>
+                        <a:schemeClr val="tx1"/>
+                      </a:solidFill>
+                      <a:prstDash val="solid"/>
+                      <a:round/>
+                      <a:headEnd type="none" w="med" len="med"/>
+                      <a:tailEnd type="none" w="med" len="med"/>
+                    </a:lnR>
+                    <a:lnT w="12700" cap="flat" cmpd="sng" algn="ctr">
+                      <a:solidFill>
+                        <a:schemeClr val="tx1"/>
+                      </a:solidFill>
+                      <a:prstDash val="solid"/>
+                      <a:round/>
+                      <a:headEnd type="none" w="med" len="med"/>
+                      <a:tailEnd type="none" w="med" len="med"/>
+                    </a:lnT>
+                    <a:lnB w="12700" cap="flat" cmpd="sng" algn="ctr">
+                      <a:solidFill>
+                        <a:schemeClr val="tx1"/>
+                      </a:solidFill>
+                      <a:prstDash val="solid"/>
+                      <a:round/>
+                      <a:headEnd type="none" w="med" len="med"/>
+                      <a:tailEnd type="none" w="med" len="med"/>
+                    </a:lnB>
+                    <a:solidFill>
+                      <a:schemeClr val="bg1"/>
+                    </a:solidFill>
+                  </a:tcPr>
+                </a:tc>
+                <a:tc>
+                  <a:txBody>
+                    <a:bodyPr/>
+                    <a:lstStyle/>
+                    <a:p>
+                      <a:r>
+                        <a:rPr lang="fr-FR" sz="1000" b="0" dirty="0" smtClean="0">
+                          <a:solidFill>
+                            <a:schemeClr val="tx1"/>
+                          </a:solidFill>
+                        </a:rPr>
+                        <a:t>0,28 s à</a:t>
+                      </a:r>
+                      <a:r>
+                        <a:rPr lang="fr-FR" sz="1000" b="0" baseline="0" dirty="0" smtClean="0">
+                          <a:solidFill>
+                            <a:schemeClr val="tx1"/>
+                          </a:solidFill>
+                        </a:rPr>
+                        <a:t> 0,50s</a:t>
+                      </a:r>
+                      <a:endParaRPr lang="fr-FR" sz="1000" b="0" dirty="0">
+                        <a:solidFill>
+                          <a:schemeClr val="tx1"/>
+                        </a:solidFill>
+                      </a:endParaRPr>
+                    </a:p>
+                  </a:txBody>
+                  <a:tcPr>
+                    <a:lnL w="12700" cap="flat" cmpd="sng" algn="ctr">
+                      <a:solidFill>
+                        <a:schemeClr val="tx1"/>
+                      </a:solidFill>
+                      <a:prstDash val="solid"/>
+                      <a:round/>
+                      <a:headEnd type="none" w="med" len="med"/>
+                      <a:tailEnd type="none" w="med" len="med"/>
+                    </a:lnL>
+                    <a:lnR w="12700" cap="flat" cmpd="sng" algn="ctr">
+                      <a:solidFill>
+                        <a:schemeClr val="tx1"/>
+                      </a:solidFill>
+                      <a:prstDash val="solid"/>
+                      <a:round/>
+                      <a:headEnd type="none" w="med" len="med"/>
+                      <a:tailEnd type="none" w="med" len="med"/>
+                    </a:lnR>
+                    <a:lnT w="12700" cap="flat" cmpd="sng" algn="ctr">
+                      <a:solidFill>
+                        <a:schemeClr val="tx1"/>
+                      </a:solidFill>
+                      <a:prstDash val="solid"/>
+                      <a:round/>
+                      <a:headEnd type="none" w="med" len="med"/>
+                      <a:tailEnd type="none" w="med" len="med"/>
+                    </a:lnT>
+                    <a:lnB w="12700" cap="flat" cmpd="sng" algn="ctr">
+                      <a:solidFill>
+                        <a:schemeClr val="tx1"/>
+                      </a:solidFill>
+                      <a:prstDash val="solid"/>
+                      <a:round/>
+                      <a:headEnd type="none" w="med" len="med"/>
+                      <a:tailEnd type="none" w="med" len="med"/>
+                    </a:lnB>
+                    <a:solidFill>
+                      <a:schemeClr val="bg1"/>
+                    </a:solidFill>
+                  </a:tcPr>
+                </a:tc>
+              </a:tr>
+              <a:tr h="210497">
+                <a:tc rowSpan="2">
+                  <a:txBody>
+                    <a:bodyPr/>
+                    <a:lstStyle/>
+                    <a:p>
+                      <a:pPr marL="0" marR="0" indent="0" algn="ctr" defTabSz="1280160" rtl="0" eaLnBrk="1" fontAlgn="auto" latinLnBrk="0" hangingPunct="1">
+                        <a:lnSpc>
+                          <a:spcPct val="100000"/>
+                        </a:lnSpc>
+                        <a:spcBef>
+                          <a:spcPts val="0"/>
+                        </a:spcBef>
+                        <a:spcAft>
+                          <a:spcPts val="0"/>
+                        </a:spcAft>
+                        <a:buClrTx/>
+                        <a:buSzTx/>
+                        <a:buFontTx/>
+                        <a:buNone/>
+                        <a:tabLst/>
+                        <a:defRPr/>
+                      </a:pPr>
+                      <a:r>
+                        <a:rPr lang="fr-FR" sz="1000" b="0" dirty="0" smtClean="0">
+                          <a:solidFill>
+                            <a:schemeClr val="tx1"/>
+                          </a:solidFill>
+                        </a:rPr>
+                        <a:t>Dépassement</a:t>
+                      </a:r>
+                    </a:p>
+                  </a:txBody>
+                  <a:tcPr anchor="ctr">
+                    <a:lnL w="12700" cap="flat" cmpd="sng" algn="ctr">
+                      <a:solidFill>
+                        <a:schemeClr val="tx1"/>
+                      </a:solidFill>
+                      <a:prstDash val="solid"/>
+                      <a:round/>
+                      <a:headEnd type="none" w="med" len="med"/>
+                      <a:tailEnd type="none" w="med" len="med"/>
+                    </a:lnL>
+                    <a:lnR w="12700" cap="flat" cmpd="sng" algn="ctr">
+                      <a:solidFill>
+                        <a:schemeClr val="tx1"/>
+                      </a:solidFill>
+                      <a:prstDash val="solid"/>
+                      <a:round/>
+                      <a:headEnd type="none" w="med" len="med"/>
+                      <a:tailEnd type="none" w="med" len="med"/>
+                    </a:lnR>
+                    <a:lnT w="12700" cap="flat" cmpd="sng" algn="ctr">
+                      <a:solidFill>
+                        <a:schemeClr val="tx1"/>
+                      </a:solidFill>
+                      <a:prstDash val="solid"/>
+                      <a:round/>
+                      <a:headEnd type="none" w="med" len="med"/>
+                      <a:tailEnd type="none" w="med" len="med"/>
+                    </a:lnT>
+                    <a:lnB w="12700" cap="flat" cmpd="sng" algn="ctr">
+                      <a:solidFill>
+                        <a:schemeClr val="tx1"/>
+                      </a:solidFill>
+                      <a:prstDash val="solid"/>
+                      <a:round/>
+                      <a:headEnd type="none" w="med" len="med"/>
+                      <a:tailEnd type="none" w="med" len="med"/>
+                    </a:lnB>
+                    <a:solidFill>
+                      <a:schemeClr val="bg1"/>
+                    </a:solidFill>
+                  </a:tcPr>
+                </a:tc>
+                <a:tc>
+                  <a:txBody>
+                    <a:bodyPr/>
+                    <a:lstStyle/>
+                    <a:p>
+                      <a:endParaRPr lang="fr-FR" sz="1000" b="0" dirty="0">
+                        <a:solidFill>
+                          <a:schemeClr val="tx1"/>
+                        </a:solidFill>
+                      </a:endParaRPr>
+                    </a:p>
+                  </a:txBody>
+                  <a:tcPr>
+                    <a:lnL w="12700" cap="flat" cmpd="sng" algn="ctr">
+                      <a:solidFill>
+                        <a:schemeClr val="tx1"/>
+                      </a:solidFill>
+                      <a:prstDash val="solid"/>
+                      <a:round/>
+                      <a:headEnd type="none" w="med" len="med"/>
+                      <a:tailEnd type="none" w="med" len="med"/>
+                    </a:lnL>
+                    <a:lnR w="12700" cap="flat" cmpd="sng" algn="ctr">
+                      <a:solidFill>
+                        <a:schemeClr val="tx1"/>
+                      </a:solidFill>
+                      <a:prstDash val="solid"/>
+                      <a:round/>
+                      <a:headEnd type="none" w="med" len="med"/>
+                      <a:tailEnd type="none" w="med" len="med"/>
+                    </a:lnR>
+                    <a:lnT w="12700" cap="flat" cmpd="sng" algn="ctr">
+                      <a:solidFill>
+                        <a:schemeClr val="tx1"/>
+                      </a:solidFill>
+                      <a:prstDash val="solid"/>
+                      <a:round/>
+                      <a:headEnd type="none" w="med" len="med"/>
+                      <a:tailEnd type="none" w="med" len="med"/>
+                    </a:lnT>
+                    <a:lnB w="12700" cap="flat" cmpd="sng" algn="ctr">
+                      <a:solidFill>
+                        <a:schemeClr val="tx1"/>
+                      </a:solidFill>
+                      <a:prstDash val="solid"/>
+                      <a:round/>
+                      <a:headEnd type="none" w="med" len="med"/>
+                      <a:tailEnd type="none" w="med" len="med"/>
+                    </a:lnB>
+                    <a:solidFill>
+                      <a:schemeClr val="bg1"/>
+                    </a:solidFill>
+                  </a:tcPr>
+                </a:tc>
+                <a:tc>
+                  <a:txBody>
+                    <a:bodyPr/>
+                    <a:lstStyle/>
+                    <a:p>
+                      <a:endParaRPr lang="fr-FR" sz="1000" b="0" dirty="0">
+                        <a:solidFill>
+                          <a:schemeClr val="tx1"/>
+                        </a:solidFill>
+                      </a:endParaRPr>
+                    </a:p>
+                  </a:txBody>
+                  <a:tcPr>
+                    <a:lnL w="12700" cap="flat" cmpd="sng" algn="ctr">
+                      <a:solidFill>
+                        <a:schemeClr val="tx1"/>
+                      </a:solidFill>
+                      <a:prstDash val="solid"/>
+                      <a:round/>
+                      <a:headEnd type="none" w="med" len="med"/>
+                      <a:tailEnd type="none" w="med" len="med"/>
+                    </a:lnL>
+                    <a:lnR w="12700" cap="flat" cmpd="sng" algn="ctr">
+                      <a:solidFill>
+                        <a:schemeClr val="tx1"/>
+                      </a:solidFill>
+                      <a:prstDash val="solid"/>
+                      <a:round/>
+                      <a:headEnd type="none" w="med" len="med"/>
+                      <a:tailEnd type="none" w="med" len="med"/>
+                    </a:lnR>
+                    <a:lnT w="12700" cap="flat" cmpd="sng" algn="ctr">
+                      <a:solidFill>
+                        <a:schemeClr val="tx1"/>
+                      </a:solidFill>
+                      <a:prstDash val="solid"/>
+                      <a:round/>
+                      <a:headEnd type="none" w="med" len="med"/>
+                      <a:tailEnd type="none" w="med" len="med"/>
+                    </a:lnT>
+                    <a:lnB w="12700" cap="flat" cmpd="sng" algn="ctr">
+                      <a:solidFill>
+                        <a:schemeClr val="tx1"/>
+                      </a:solidFill>
+                      <a:prstDash val="solid"/>
+                      <a:round/>
+                      <a:headEnd type="none" w="med" len="med"/>
+                      <a:tailEnd type="none" w="med" len="med"/>
+                    </a:lnB>
+                    <a:solidFill>
+                      <a:schemeClr val="bg1"/>
+                    </a:solidFill>
+                  </a:tcPr>
+                </a:tc>
+                <a:tc>
+                  <a:txBody>
+                    <a:bodyPr/>
+                    <a:lstStyle/>
+                    <a:p>
+                      <a:endParaRPr lang="fr-FR" sz="1000" b="0" dirty="0">
+                        <a:solidFill>
+                          <a:schemeClr val="tx1"/>
+                        </a:solidFill>
+                      </a:endParaRPr>
+                    </a:p>
+                  </a:txBody>
+                  <a:tcPr>
+                    <a:lnL w="12700" cap="flat" cmpd="sng" algn="ctr">
+                      <a:solidFill>
+                        <a:schemeClr val="tx1"/>
+                      </a:solidFill>
+                      <a:prstDash val="solid"/>
+                      <a:round/>
+                      <a:headEnd type="none" w="med" len="med"/>
+                      <a:tailEnd type="none" w="med" len="med"/>
+                    </a:lnL>
+                    <a:lnR w="12700" cap="flat" cmpd="sng" algn="ctr">
+                      <a:solidFill>
+                        <a:schemeClr val="tx1"/>
+                      </a:solidFill>
+                      <a:prstDash val="solid"/>
+                      <a:round/>
+                      <a:headEnd type="none" w="med" len="med"/>
+                      <a:tailEnd type="none" w="med" len="med"/>
+                    </a:lnR>
+                    <a:lnT w="12700" cap="flat" cmpd="sng" algn="ctr">
+                      <a:solidFill>
+                        <a:schemeClr val="tx1"/>
+                      </a:solidFill>
+                      <a:prstDash val="solid"/>
+                      <a:round/>
+                      <a:headEnd type="none" w="med" len="med"/>
+                      <a:tailEnd type="none" w="med" len="med"/>
+                    </a:lnT>
+                    <a:lnB w="12700" cap="flat" cmpd="sng" algn="ctr">
+                      <a:solidFill>
+                        <a:schemeClr val="tx1"/>
+                      </a:solidFill>
+                      <a:prstDash val="solid"/>
+                      <a:round/>
+                      <a:headEnd type="none" w="med" len="med"/>
+                      <a:tailEnd type="none" w="med" len="med"/>
+                    </a:lnB>
+                    <a:solidFill>
+                      <a:schemeClr val="bg1"/>
+                    </a:solidFill>
+                  </a:tcPr>
+                </a:tc>
+                <a:tc>
+                  <a:txBody>
+                    <a:bodyPr/>
+                    <a:lstStyle/>
+                    <a:p>
+                      <a:endParaRPr lang="fr-FR" sz="1000" b="0" dirty="0">
+                        <a:solidFill>
+                          <a:schemeClr val="tx1"/>
+                        </a:solidFill>
+                      </a:endParaRPr>
+                    </a:p>
+                  </a:txBody>
+                  <a:tcPr>
+                    <a:lnL w="12700" cap="flat" cmpd="sng" algn="ctr">
+                      <a:solidFill>
+                        <a:schemeClr val="tx1"/>
+                      </a:solidFill>
+                      <a:prstDash val="solid"/>
+                      <a:round/>
+                      <a:headEnd type="none" w="med" len="med"/>
+                      <a:tailEnd type="none" w="med" len="med"/>
+                    </a:lnL>
+                    <a:lnR w="12700" cap="flat" cmpd="sng" algn="ctr">
+                      <a:solidFill>
+                        <a:schemeClr val="tx1"/>
+                      </a:solidFill>
+                      <a:prstDash val="solid"/>
+                      <a:round/>
+                      <a:headEnd type="none" w="med" len="med"/>
+                      <a:tailEnd type="none" w="med" len="med"/>
+                    </a:lnR>
+                    <a:lnT w="12700" cap="flat" cmpd="sng" algn="ctr">
+                      <a:solidFill>
+                        <a:schemeClr val="tx1"/>
+                      </a:solidFill>
+                      <a:prstDash val="solid"/>
+                      <a:round/>
+                      <a:headEnd type="none" w="med" len="med"/>
+                      <a:tailEnd type="none" w="med" len="med"/>
+                    </a:lnT>
+                    <a:lnB w="12700" cap="flat" cmpd="sng" algn="ctr">
+                      <a:solidFill>
+                        <a:schemeClr val="tx1"/>
+                      </a:solidFill>
+                      <a:prstDash val="solid"/>
+                      <a:round/>
+                      <a:headEnd type="none" w="med" len="med"/>
+                      <a:tailEnd type="none" w="med" len="med"/>
+                    </a:lnB>
+                    <a:solidFill>
+                      <a:schemeClr val="bg1"/>
+                    </a:solidFill>
+                  </a:tcPr>
+                </a:tc>
+                <a:tc>
+                  <a:txBody>
+                    <a:bodyPr/>
+                    <a:lstStyle/>
+                    <a:p>
+                      <a:endParaRPr lang="fr-FR" sz="1000" b="0" dirty="0">
+                        <a:solidFill>
+                          <a:schemeClr val="tx1"/>
+                        </a:solidFill>
+                      </a:endParaRPr>
+                    </a:p>
+                  </a:txBody>
+                  <a:tcPr>
+                    <a:lnL w="12700" cap="flat" cmpd="sng" algn="ctr">
+                      <a:solidFill>
+                        <a:schemeClr val="tx1"/>
+                      </a:solidFill>
+                      <a:prstDash val="solid"/>
+                      <a:round/>
+                      <a:headEnd type="none" w="med" len="med"/>
+                      <a:tailEnd type="none" w="med" len="med"/>
+                    </a:lnL>
+                    <a:lnR w="12700" cap="flat" cmpd="sng" algn="ctr">
+                      <a:solidFill>
+                        <a:schemeClr val="tx1"/>
+                      </a:solidFill>
+                      <a:prstDash val="solid"/>
+                      <a:round/>
+                      <a:headEnd type="none" w="med" len="med"/>
+                      <a:tailEnd type="none" w="med" len="med"/>
+                    </a:lnR>
+                    <a:lnT w="12700" cap="flat" cmpd="sng" algn="ctr">
+                      <a:solidFill>
+                        <a:schemeClr val="tx1"/>
+                      </a:solidFill>
+                      <a:prstDash val="solid"/>
+                      <a:round/>
+                      <a:headEnd type="none" w="med" len="med"/>
+                      <a:tailEnd type="none" w="med" len="med"/>
+                    </a:lnT>
+                    <a:lnB w="12700" cap="flat" cmpd="sng" algn="ctr">
+                      <a:solidFill>
+                        <a:schemeClr val="tx1"/>
+                      </a:solidFill>
+                      <a:prstDash val="solid"/>
+                      <a:round/>
+                      <a:headEnd type="none" w="med" len="med"/>
+                      <a:tailEnd type="none" w="med" len="med"/>
+                    </a:lnB>
+                    <a:solidFill>
+                      <a:schemeClr val="bg1"/>
+                    </a:solidFill>
+                  </a:tcPr>
+                </a:tc>
+              </a:tr>
+              <a:tr h="210497">
+                <a:tc vMerge="1">
+                  <a:txBody>
+                    <a:bodyPr/>
+                    <a:lstStyle/>
+                    <a:p>
+                      <a:pPr marL="0" marR="0" indent="0" algn="l" defTabSz="1280160" rtl="0" eaLnBrk="1" fontAlgn="auto" latinLnBrk="0" hangingPunct="1">
+                        <a:lnSpc>
+                          <a:spcPct val="100000"/>
+                        </a:lnSpc>
+                        <a:spcBef>
+                          <a:spcPts val="0"/>
+                        </a:spcBef>
+                        <a:spcAft>
+                          <a:spcPts val="0"/>
+                        </a:spcAft>
+                        <a:buClrTx/>
+                        <a:buSzTx/>
+                        <a:buFontTx/>
+                        <a:buNone/>
+                        <a:tabLst/>
+                        <a:defRPr/>
+                      </a:pPr>
+                      <a:endParaRPr lang="fr-FR" sz="1200" b="0" dirty="0" smtClean="0">
+                        <a:solidFill>
+                          <a:schemeClr val="tx1"/>
+                        </a:solidFill>
+                      </a:endParaRPr>
+                    </a:p>
+                  </a:txBody>
+                  <a:tcPr>
+                    <a:lnL w="12700" cap="flat" cmpd="sng" algn="ctr">
+                      <a:solidFill>
+                        <a:schemeClr val="tx1"/>
+                      </a:solidFill>
+                      <a:prstDash val="solid"/>
+                      <a:round/>
+                      <a:headEnd type="none" w="med" len="med"/>
+                      <a:tailEnd type="none" w="med" len="med"/>
+                    </a:lnL>
+                    <a:lnR w="12700" cap="flat" cmpd="sng" algn="ctr">
+                      <a:solidFill>
+                        <a:schemeClr val="tx1"/>
+                      </a:solidFill>
+                      <a:prstDash val="solid"/>
+                      <a:round/>
+                      <a:headEnd type="none" w="med" len="med"/>
+                      <a:tailEnd type="none" w="med" len="med"/>
+                    </a:lnR>
+                    <a:lnT w="12700" cap="flat" cmpd="sng" algn="ctr">
+                      <a:solidFill>
+                        <a:schemeClr val="tx1"/>
+                      </a:solidFill>
+                      <a:prstDash val="solid"/>
+                      <a:round/>
+                      <a:headEnd type="none" w="med" len="med"/>
+                      <a:tailEnd type="none" w="med" len="med"/>
+                    </a:lnT>
+                    <a:lnB w="12700" cap="flat" cmpd="sng" algn="ctr">
+                      <a:solidFill>
+                        <a:schemeClr val="tx1"/>
+                      </a:solidFill>
+                      <a:prstDash val="solid"/>
+                      <a:round/>
+                      <a:headEnd type="none" w="med" len="med"/>
+                      <a:tailEnd type="none" w="med" len="med"/>
+                    </a:lnB>
+                    <a:solidFill>
+                      <a:schemeClr val="bg1"/>
+                    </a:solidFill>
+                  </a:tcPr>
+                </a:tc>
+                <a:tc>
+                  <a:txBody>
+                    <a:bodyPr/>
+                    <a:lstStyle/>
+                    <a:p>
+                      <a:endParaRPr lang="fr-FR" sz="1000" b="0" dirty="0">
+                        <a:solidFill>
+                          <a:schemeClr val="tx1"/>
+                        </a:solidFill>
+                      </a:endParaRPr>
+                    </a:p>
+                  </a:txBody>
+                  <a:tcPr>
+                    <a:lnL w="12700" cap="flat" cmpd="sng" algn="ctr">
+                      <a:solidFill>
+                        <a:schemeClr val="tx1"/>
+                      </a:solidFill>
+                      <a:prstDash val="solid"/>
+                      <a:round/>
+                      <a:headEnd type="none" w="med" len="med"/>
+                      <a:tailEnd type="none" w="med" len="med"/>
+                    </a:lnL>
+                    <a:lnR w="12700" cap="flat" cmpd="sng" algn="ctr">
+                      <a:solidFill>
+                        <a:schemeClr val="tx1"/>
+                      </a:solidFill>
+                      <a:prstDash val="solid"/>
+                      <a:round/>
+                      <a:headEnd type="none" w="med" len="med"/>
+                      <a:tailEnd type="none" w="med" len="med"/>
+                    </a:lnR>
+                    <a:lnT w="12700" cap="flat" cmpd="sng" algn="ctr">
+                      <a:solidFill>
+                        <a:schemeClr val="tx1"/>
+                      </a:solidFill>
+                      <a:prstDash val="solid"/>
+                      <a:round/>
+                      <a:headEnd type="none" w="med" len="med"/>
+                      <a:tailEnd type="none" w="med" len="med"/>
+                    </a:lnT>
+                    <a:lnB w="12700" cap="flat" cmpd="sng" algn="ctr">
+                      <a:solidFill>
+                        <a:schemeClr val="tx1"/>
+                      </a:solidFill>
+                      <a:prstDash val="solid"/>
+                      <a:round/>
+                      <a:headEnd type="none" w="med" len="med"/>
+                      <a:tailEnd type="none" w="med" len="med"/>
+                    </a:lnB>
+                    <a:solidFill>
+                      <a:schemeClr val="bg1"/>
+                    </a:solidFill>
+                  </a:tcPr>
+                </a:tc>
+                <a:tc>
+                  <a:txBody>
+                    <a:bodyPr/>
+                    <a:lstStyle/>
+                    <a:p>
+                      <a:endParaRPr lang="fr-FR" sz="1000" b="0" dirty="0">
+                        <a:solidFill>
+                          <a:schemeClr val="tx1"/>
+                        </a:solidFill>
+                      </a:endParaRPr>
+                    </a:p>
+                  </a:txBody>
+                  <a:tcPr>
+                    <a:lnL w="12700" cap="flat" cmpd="sng" algn="ctr">
+                      <a:solidFill>
+                        <a:schemeClr val="tx1"/>
+                      </a:solidFill>
+                      <a:prstDash val="solid"/>
+                      <a:round/>
+                      <a:headEnd type="none" w="med" len="med"/>
+                      <a:tailEnd type="none" w="med" len="med"/>
+                    </a:lnL>
+                    <a:lnR w="12700" cap="flat" cmpd="sng" algn="ctr">
+                      <a:solidFill>
+                        <a:schemeClr val="tx1"/>
+                      </a:solidFill>
+                      <a:prstDash val="solid"/>
+                      <a:round/>
+                      <a:headEnd type="none" w="med" len="med"/>
+                      <a:tailEnd type="none" w="med" len="med"/>
+                    </a:lnR>
+                    <a:lnT w="12700" cap="flat" cmpd="sng" algn="ctr">
+                      <a:solidFill>
+                        <a:schemeClr val="tx1"/>
+                      </a:solidFill>
+                      <a:prstDash val="solid"/>
+                      <a:round/>
+                      <a:headEnd type="none" w="med" len="med"/>
+                      <a:tailEnd type="none" w="med" len="med"/>
+                    </a:lnT>
+                    <a:lnB w="12700" cap="flat" cmpd="sng" algn="ctr">
+                      <a:solidFill>
+                        <a:schemeClr val="tx1"/>
+                      </a:solidFill>
+                      <a:prstDash val="solid"/>
+                      <a:round/>
+                      <a:headEnd type="none" w="med" len="med"/>
+                      <a:tailEnd type="none" w="med" len="med"/>
+                    </a:lnB>
+                    <a:solidFill>
+                      <a:schemeClr val="bg1"/>
+                    </a:solidFill>
+                  </a:tcPr>
+                </a:tc>
+                <a:tc>
+                  <a:txBody>
+                    <a:bodyPr/>
+                    <a:lstStyle/>
+                    <a:p>
+                      <a:endParaRPr lang="fr-FR" sz="1000" b="0" dirty="0">
+                        <a:solidFill>
+                          <a:schemeClr val="tx1"/>
+                        </a:solidFill>
+                      </a:endParaRPr>
+                    </a:p>
+                  </a:txBody>
+                  <a:tcPr>
+                    <a:lnL w="12700" cap="flat" cmpd="sng" algn="ctr">
+                      <a:solidFill>
+                        <a:schemeClr val="tx1"/>
+                      </a:solidFill>
+                      <a:prstDash val="solid"/>
+                      <a:round/>
+                      <a:headEnd type="none" w="med" len="med"/>
+                      <a:tailEnd type="none" w="med" len="med"/>
+                    </a:lnL>
+                    <a:lnR w="12700" cap="flat" cmpd="sng" algn="ctr">
+                      <a:solidFill>
+                        <a:schemeClr val="tx1"/>
+                      </a:solidFill>
+                      <a:prstDash val="solid"/>
+                      <a:round/>
+                      <a:headEnd type="none" w="med" len="med"/>
+                      <a:tailEnd type="none" w="med" len="med"/>
+                    </a:lnR>
+                    <a:lnT w="12700" cap="flat" cmpd="sng" algn="ctr">
+                      <a:solidFill>
+                        <a:schemeClr val="tx1"/>
+                      </a:solidFill>
+                      <a:prstDash val="solid"/>
+                      <a:round/>
+                      <a:headEnd type="none" w="med" len="med"/>
+                      <a:tailEnd type="none" w="med" len="med"/>
+                    </a:lnT>
+                    <a:lnB w="12700" cap="flat" cmpd="sng" algn="ctr">
+                      <a:solidFill>
+                        <a:schemeClr val="tx1"/>
+                      </a:solidFill>
+                      <a:prstDash val="solid"/>
+                      <a:round/>
+                      <a:headEnd type="none" w="med" len="med"/>
+                      <a:tailEnd type="none" w="med" len="med"/>
+                    </a:lnB>
+                    <a:solidFill>
+                      <a:schemeClr val="bg1"/>
+                    </a:solidFill>
+                  </a:tcPr>
+                </a:tc>
+                <a:tc>
+                  <a:txBody>
+                    <a:bodyPr/>
+                    <a:lstStyle/>
+                    <a:p>
+                      <a:endParaRPr lang="fr-FR" sz="1000" b="0" dirty="0">
+                        <a:solidFill>
+                          <a:schemeClr val="tx1"/>
+                        </a:solidFill>
+                      </a:endParaRPr>
+                    </a:p>
+                  </a:txBody>
+                  <a:tcPr>
+                    <a:lnL w="12700" cap="flat" cmpd="sng" algn="ctr">
+                      <a:solidFill>
+                        <a:schemeClr val="tx1"/>
+                      </a:solidFill>
+                      <a:prstDash val="solid"/>
+                      <a:round/>
+                      <a:headEnd type="none" w="med" len="med"/>
+                      <a:tailEnd type="none" w="med" len="med"/>
+                    </a:lnL>
+                    <a:lnR w="12700" cap="flat" cmpd="sng" algn="ctr">
+                      <a:solidFill>
+                        <a:schemeClr val="tx1"/>
+                      </a:solidFill>
+                      <a:prstDash val="solid"/>
+                      <a:round/>
+                      <a:headEnd type="none" w="med" len="med"/>
+                      <a:tailEnd type="none" w="med" len="med"/>
+                    </a:lnR>
+                    <a:lnT w="12700" cap="flat" cmpd="sng" algn="ctr">
+                      <a:solidFill>
+                        <a:schemeClr val="tx1"/>
+                      </a:solidFill>
+                      <a:prstDash val="solid"/>
+                      <a:round/>
+                      <a:headEnd type="none" w="med" len="med"/>
+                      <a:tailEnd type="none" w="med" len="med"/>
+                    </a:lnT>
+                    <a:lnB w="12700" cap="flat" cmpd="sng" algn="ctr">
+                      <a:solidFill>
+                        <a:schemeClr val="tx1"/>
+                      </a:solidFill>
+                      <a:prstDash val="solid"/>
+                      <a:round/>
+                      <a:headEnd type="none" w="med" len="med"/>
+                      <a:tailEnd type="none" w="med" len="med"/>
+                    </a:lnB>
+                    <a:solidFill>
+                      <a:schemeClr val="bg1"/>
+                    </a:solidFill>
+                  </a:tcPr>
+                </a:tc>
+                <a:tc>
+                  <a:txBody>
+                    <a:bodyPr/>
+                    <a:lstStyle/>
+                    <a:p>
+                      <a:endParaRPr lang="fr-FR" sz="1000" b="0" dirty="0">
+                        <a:solidFill>
+                          <a:schemeClr val="tx1"/>
+                        </a:solidFill>
+                      </a:endParaRPr>
+                    </a:p>
+                  </a:txBody>
+                  <a:tcPr>
+                    <a:lnL w="12700" cap="flat" cmpd="sng" algn="ctr">
+                      <a:solidFill>
+                        <a:schemeClr val="tx1"/>
+                      </a:solidFill>
+                      <a:prstDash val="solid"/>
+                      <a:round/>
+                      <a:headEnd type="none" w="med" len="med"/>
+                      <a:tailEnd type="none" w="med" len="med"/>
+                    </a:lnL>
+                    <a:lnR w="12700" cap="flat" cmpd="sng" algn="ctr">
+                      <a:solidFill>
+                        <a:schemeClr val="tx1"/>
+                      </a:solidFill>
+                      <a:prstDash val="solid"/>
+                      <a:round/>
+                      <a:headEnd type="none" w="med" len="med"/>
+                      <a:tailEnd type="none" w="med" len="med"/>
+                    </a:lnR>
+                    <a:lnT w="12700" cap="flat" cmpd="sng" algn="ctr">
+                      <a:solidFill>
+                        <a:schemeClr val="tx1"/>
+                      </a:solidFill>
+                      <a:prstDash val="solid"/>
+                      <a:round/>
+                      <a:headEnd type="none" w="med" len="med"/>
+                      <a:tailEnd type="none" w="med" len="med"/>
+                    </a:lnT>
+                    <a:lnB w="12700" cap="flat" cmpd="sng" algn="ctr">
+                      <a:solidFill>
+                        <a:schemeClr val="tx1"/>
+                      </a:solidFill>
+                      <a:prstDash val="solid"/>
+                      <a:round/>
+                      <a:headEnd type="none" w="med" len="med"/>
+                      <a:tailEnd type="none" w="med" len="med"/>
+                    </a:lnB>
+                    <a:solidFill>
+                      <a:schemeClr val="bg1"/>
+                    </a:solidFill>
+                  </a:tcPr>
+                </a:tc>
+              </a:tr>
+              <a:tr h="210497">
+                <a:tc rowSpan="2">
+                  <a:txBody>
+                    <a:bodyPr/>
+                    <a:lstStyle/>
+                    <a:p>
+                      <a:pPr marL="0" marR="0" indent="0" algn="ctr" defTabSz="1280160" rtl="0" eaLnBrk="1" fontAlgn="auto" latinLnBrk="0" hangingPunct="1">
+                        <a:lnSpc>
+                          <a:spcPct val="100000"/>
+                        </a:lnSpc>
+                        <a:spcBef>
+                          <a:spcPts val="0"/>
+                        </a:spcBef>
+                        <a:spcAft>
+                          <a:spcPts val="0"/>
+                        </a:spcAft>
+                        <a:buClrTx/>
+                        <a:buSzTx/>
+                        <a:buFontTx/>
+                        <a:buNone/>
+                        <a:tabLst/>
+                        <a:defRPr/>
+                      </a:pPr>
+                      <a:r>
+                        <a:rPr lang="fr-FR" sz="1000" b="0" dirty="0" smtClean="0">
+                          <a:solidFill>
+                            <a:schemeClr val="tx1"/>
+                          </a:solidFill>
+                        </a:rPr>
+                        <a:t>Temps de montée</a:t>
+                      </a:r>
+                    </a:p>
+                  </a:txBody>
+                  <a:tcPr anchor="ctr">
+                    <a:lnL w="12700" cap="flat" cmpd="sng" algn="ctr">
+                      <a:solidFill>
+                        <a:schemeClr val="tx1"/>
+                      </a:solidFill>
+                      <a:prstDash val="solid"/>
+                      <a:round/>
+                      <a:headEnd type="none" w="med" len="med"/>
+                      <a:tailEnd type="none" w="med" len="med"/>
+                    </a:lnL>
+                    <a:lnR w="12700" cap="flat" cmpd="sng" algn="ctr">
+                      <a:solidFill>
+                        <a:schemeClr val="tx1"/>
+                      </a:solidFill>
+                      <a:prstDash val="solid"/>
+                      <a:round/>
+                      <a:headEnd type="none" w="med" len="med"/>
+                      <a:tailEnd type="none" w="med" len="med"/>
+                    </a:lnR>
+                    <a:lnT w="12700" cap="flat" cmpd="sng" algn="ctr">
+                      <a:solidFill>
+                        <a:schemeClr val="tx1"/>
+                      </a:solidFill>
+                      <a:prstDash val="solid"/>
+                      <a:round/>
+                      <a:headEnd type="none" w="med" len="med"/>
+                      <a:tailEnd type="none" w="med" len="med"/>
+                    </a:lnT>
+                    <a:lnB w="12700" cap="flat" cmpd="sng" algn="ctr">
+                      <a:solidFill>
+                        <a:schemeClr val="tx1"/>
+                      </a:solidFill>
+                      <a:prstDash val="solid"/>
+                      <a:round/>
+                      <a:headEnd type="none" w="med" len="med"/>
+                      <a:tailEnd type="none" w="med" len="med"/>
+                    </a:lnB>
+                    <a:solidFill>
+                      <a:schemeClr val="bg1"/>
+                    </a:solidFill>
+                  </a:tcPr>
+                </a:tc>
+                <a:tc>
+                  <a:txBody>
+                    <a:bodyPr/>
+                    <a:lstStyle/>
+                    <a:p>
+                      <a:endParaRPr lang="fr-FR" sz="1000" b="0" dirty="0">
+                        <a:solidFill>
+                          <a:schemeClr val="tx1"/>
+                        </a:solidFill>
+                      </a:endParaRPr>
+                    </a:p>
+                  </a:txBody>
+                  <a:tcPr>
+                    <a:lnL w="12700" cap="flat" cmpd="sng" algn="ctr">
+                      <a:solidFill>
+                        <a:schemeClr val="tx1"/>
+                      </a:solidFill>
+                      <a:prstDash val="solid"/>
+                      <a:round/>
+                      <a:headEnd type="none" w="med" len="med"/>
+                      <a:tailEnd type="none" w="med" len="med"/>
+                    </a:lnL>
+                    <a:lnR w="12700" cap="flat" cmpd="sng" algn="ctr">
+                      <a:solidFill>
+                        <a:schemeClr val="tx1"/>
+                      </a:solidFill>
+                      <a:prstDash val="solid"/>
+                      <a:round/>
+                      <a:headEnd type="none" w="med" len="med"/>
+                      <a:tailEnd type="none" w="med" len="med"/>
+                    </a:lnR>
+                    <a:lnT w="12700" cap="flat" cmpd="sng" algn="ctr">
+                      <a:solidFill>
+                        <a:schemeClr val="tx1"/>
+                      </a:solidFill>
+                      <a:prstDash val="solid"/>
+                      <a:round/>
+                      <a:headEnd type="none" w="med" len="med"/>
+                      <a:tailEnd type="none" w="med" len="med"/>
+                    </a:lnT>
+                    <a:lnB w="12700" cap="flat" cmpd="sng" algn="ctr">
+                      <a:solidFill>
+                        <a:schemeClr val="tx1"/>
+                      </a:solidFill>
+                      <a:prstDash val="solid"/>
+                      <a:round/>
+                      <a:headEnd type="none" w="med" len="med"/>
+                      <a:tailEnd type="none" w="med" len="med"/>
+                    </a:lnB>
+                    <a:solidFill>
+                      <a:schemeClr val="bg1"/>
+                    </a:solidFill>
+                  </a:tcPr>
+                </a:tc>
+                <a:tc>
+                  <a:txBody>
+                    <a:bodyPr/>
+                    <a:lstStyle/>
+                    <a:p>
+                      <a:endParaRPr lang="fr-FR" sz="1000" b="0" dirty="0">
+                        <a:solidFill>
+                          <a:schemeClr val="tx1"/>
+                        </a:solidFill>
+                      </a:endParaRPr>
+                    </a:p>
+                  </a:txBody>
+                  <a:tcPr>
+                    <a:lnL w="12700" cap="flat" cmpd="sng" algn="ctr">
+                      <a:solidFill>
+                        <a:schemeClr val="tx1"/>
+                      </a:solidFill>
+                      <a:prstDash val="solid"/>
+                      <a:round/>
+                      <a:headEnd type="none" w="med" len="med"/>
+                      <a:tailEnd type="none" w="med" len="med"/>
+                    </a:lnL>
+                    <a:lnR w="12700" cap="flat" cmpd="sng" algn="ctr">
+                      <a:solidFill>
+                        <a:schemeClr val="tx1"/>
+                      </a:solidFill>
+                      <a:prstDash val="solid"/>
+                      <a:round/>
+                      <a:headEnd type="none" w="med" len="med"/>
+                      <a:tailEnd type="none" w="med" len="med"/>
+                    </a:lnR>
+                    <a:lnT w="12700" cap="flat" cmpd="sng" algn="ctr">
+                      <a:solidFill>
+                        <a:schemeClr val="tx1"/>
+                      </a:solidFill>
+                      <a:prstDash val="solid"/>
+                      <a:round/>
+                      <a:headEnd type="none" w="med" len="med"/>
+                      <a:tailEnd type="none" w="med" len="med"/>
+                    </a:lnT>
+                    <a:lnB w="12700" cap="flat" cmpd="sng" algn="ctr">
+                      <a:solidFill>
+                        <a:schemeClr val="tx1"/>
+                      </a:solidFill>
+                      <a:prstDash val="solid"/>
+                      <a:round/>
+                      <a:headEnd type="none" w="med" len="med"/>
+                      <a:tailEnd type="none" w="med" len="med"/>
+                    </a:lnB>
+                    <a:solidFill>
+                      <a:schemeClr val="bg1"/>
+                    </a:solidFill>
+                  </a:tcPr>
+                </a:tc>
+                <a:tc>
+                  <a:txBody>
+                    <a:bodyPr/>
+                    <a:lstStyle/>
+                    <a:p>
+                      <a:endParaRPr lang="fr-FR" sz="1000" b="0" dirty="0">
+                        <a:solidFill>
+                          <a:schemeClr val="tx1"/>
+                        </a:solidFill>
+                      </a:endParaRPr>
+                    </a:p>
+                  </a:txBody>
+                  <a:tcPr>
+                    <a:lnL w="12700" cap="flat" cmpd="sng" algn="ctr">
+                      <a:solidFill>
+                        <a:schemeClr val="tx1"/>
+                      </a:solidFill>
+                      <a:prstDash val="solid"/>
+                      <a:round/>
+                      <a:headEnd type="none" w="med" len="med"/>
+                      <a:tailEnd type="none" w="med" len="med"/>
+                    </a:lnL>
+                    <a:lnR w="12700" cap="flat" cmpd="sng" algn="ctr">
+                      <a:solidFill>
+                        <a:schemeClr val="tx1"/>
+                      </a:solidFill>
+                      <a:prstDash val="solid"/>
+                      <a:round/>
+                      <a:headEnd type="none" w="med" len="med"/>
+                      <a:tailEnd type="none" w="med" len="med"/>
+                    </a:lnR>
+                    <a:lnT w="12700" cap="flat" cmpd="sng" algn="ctr">
+                      <a:solidFill>
+                        <a:schemeClr val="tx1"/>
+                      </a:solidFill>
+                      <a:prstDash val="solid"/>
+                      <a:round/>
+                      <a:headEnd type="none" w="med" len="med"/>
+                      <a:tailEnd type="none" w="med" len="med"/>
+                    </a:lnT>
+                    <a:lnB w="12700" cap="flat" cmpd="sng" algn="ctr">
+                      <a:solidFill>
+                        <a:schemeClr val="tx1"/>
+                      </a:solidFill>
+                      <a:prstDash val="solid"/>
+                      <a:round/>
+                      <a:headEnd type="none" w="med" len="med"/>
+                      <a:tailEnd type="none" w="med" len="med"/>
+                    </a:lnB>
+                    <a:solidFill>
+                      <a:schemeClr val="bg1"/>
+                    </a:solidFill>
+                  </a:tcPr>
+                </a:tc>
+                <a:tc>
+                  <a:txBody>
+                    <a:bodyPr/>
+                    <a:lstStyle/>
+                    <a:p>
+                      <a:endParaRPr lang="fr-FR" sz="1000" b="0" dirty="0">
+                        <a:solidFill>
+                          <a:schemeClr val="tx1"/>
+                        </a:solidFill>
+                      </a:endParaRPr>
+                    </a:p>
+                  </a:txBody>
+                  <a:tcPr>
+                    <a:lnL w="12700" cap="flat" cmpd="sng" algn="ctr">
+                      <a:solidFill>
+                        <a:schemeClr val="tx1"/>
+                      </a:solidFill>
+                      <a:prstDash val="solid"/>
+                      <a:round/>
+                      <a:headEnd type="none" w="med" len="med"/>
+                      <a:tailEnd type="none" w="med" len="med"/>
+                    </a:lnL>
+                    <a:lnR w="12700" cap="flat" cmpd="sng" algn="ctr">
+                      <a:solidFill>
+                        <a:schemeClr val="tx1"/>
+                      </a:solidFill>
+                      <a:prstDash val="solid"/>
+                      <a:round/>
+                      <a:headEnd type="none" w="med" len="med"/>
+                      <a:tailEnd type="none" w="med" len="med"/>
+                    </a:lnR>
+                    <a:lnT w="12700" cap="flat" cmpd="sng" algn="ctr">
+                      <a:solidFill>
+                        <a:schemeClr val="tx1"/>
+                      </a:solidFill>
+                      <a:prstDash val="solid"/>
+                      <a:round/>
+                      <a:headEnd type="none" w="med" len="med"/>
+                      <a:tailEnd type="none" w="med" len="med"/>
+                    </a:lnT>
+                    <a:lnB w="12700" cap="flat" cmpd="sng" algn="ctr">
+                      <a:solidFill>
+                        <a:schemeClr val="tx1"/>
+                      </a:solidFill>
+                      <a:prstDash val="solid"/>
+                      <a:round/>
+                      <a:headEnd type="none" w="med" len="med"/>
+                      <a:tailEnd type="none" w="med" len="med"/>
+                    </a:lnB>
+                    <a:solidFill>
+                      <a:schemeClr val="bg1"/>
+                    </a:solidFill>
+                  </a:tcPr>
+                </a:tc>
+                <a:tc>
+                  <a:txBody>
+                    <a:bodyPr/>
+                    <a:lstStyle/>
+                    <a:p>
+                      <a:endParaRPr lang="fr-FR" sz="1000" b="0" dirty="0">
+                        <a:solidFill>
+                          <a:schemeClr val="tx1"/>
+                        </a:solidFill>
+                      </a:endParaRPr>
+                    </a:p>
+                  </a:txBody>
+                  <a:tcPr>
+                    <a:lnL w="12700" cap="flat" cmpd="sng" algn="ctr">
+                      <a:solidFill>
+                        <a:schemeClr val="tx1"/>
+                      </a:solidFill>
+                      <a:prstDash val="solid"/>
+                      <a:round/>
+                      <a:headEnd type="none" w="med" len="med"/>
+                      <a:tailEnd type="none" w="med" len="med"/>
+                    </a:lnL>
+                    <a:lnR w="12700" cap="flat" cmpd="sng" algn="ctr">
+                      <a:solidFill>
+                        <a:schemeClr val="tx1"/>
+                      </a:solidFill>
+                      <a:prstDash val="solid"/>
+                      <a:round/>
+                      <a:headEnd type="none" w="med" len="med"/>
+                      <a:tailEnd type="none" w="med" len="med"/>
+                    </a:lnR>
+                    <a:lnT w="12700" cap="flat" cmpd="sng" algn="ctr">
+                      <a:solidFill>
+                        <a:schemeClr val="tx1"/>
+                      </a:solidFill>
+                      <a:prstDash val="solid"/>
+                      <a:round/>
+                      <a:headEnd type="none" w="med" len="med"/>
+                      <a:tailEnd type="none" w="med" len="med"/>
+                    </a:lnT>
+                    <a:lnB w="12700" cap="flat" cmpd="sng" algn="ctr">
+                      <a:solidFill>
+                        <a:schemeClr val="tx1"/>
+                      </a:solidFill>
+                      <a:prstDash val="solid"/>
+                      <a:round/>
+                      <a:headEnd type="none" w="med" len="med"/>
+                      <a:tailEnd type="none" w="med" len="med"/>
+                    </a:lnB>
+                    <a:solidFill>
+                      <a:schemeClr val="bg1"/>
+                    </a:solidFill>
+                  </a:tcPr>
+                </a:tc>
+              </a:tr>
+              <a:tr h="210497">
+                <a:tc vMerge="1">
+                  <a:txBody>
+                    <a:bodyPr/>
+                    <a:lstStyle/>
+                    <a:p>
+                      <a:pPr marL="0" marR="0" indent="0" algn="l" defTabSz="1280160" rtl="0" eaLnBrk="1" fontAlgn="auto" latinLnBrk="0" hangingPunct="1">
+                        <a:lnSpc>
+                          <a:spcPct val="100000"/>
+                        </a:lnSpc>
+                        <a:spcBef>
+                          <a:spcPts val="0"/>
+                        </a:spcBef>
+                        <a:spcAft>
+                          <a:spcPts val="0"/>
+                        </a:spcAft>
+                        <a:buClrTx/>
+                        <a:buSzTx/>
+                        <a:buFontTx/>
+                        <a:buNone/>
+                        <a:tabLst/>
+                        <a:defRPr/>
+                      </a:pPr>
+                      <a:endParaRPr lang="fr-FR" sz="1200" b="0" dirty="0" smtClean="0">
+                        <a:solidFill>
+                          <a:schemeClr val="tx1"/>
+                        </a:solidFill>
+                      </a:endParaRPr>
+                    </a:p>
+                  </a:txBody>
+                  <a:tcPr>
+                    <a:lnL w="12700" cap="flat" cmpd="sng" algn="ctr">
+                      <a:solidFill>
+                        <a:schemeClr val="tx1"/>
+                      </a:solidFill>
+                      <a:prstDash val="solid"/>
+                      <a:round/>
+                      <a:headEnd type="none" w="med" len="med"/>
+                      <a:tailEnd type="none" w="med" len="med"/>
+                    </a:lnL>
+                    <a:lnR w="12700" cap="flat" cmpd="sng" algn="ctr">
+                      <a:solidFill>
+                        <a:schemeClr val="tx1"/>
+                      </a:solidFill>
+                      <a:prstDash val="solid"/>
+                      <a:round/>
+                      <a:headEnd type="none" w="med" len="med"/>
+                      <a:tailEnd type="none" w="med" len="med"/>
+                    </a:lnR>
+                    <a:lnT w="12700" cap="flat" cmpd="sng" algn="ctr">
+                      <a:solidFill>
+                        <a:schemeClr val="tx1"/>
+                      </a:solidFill>
+                      <a:prstDash val="solid"/>
+                      <a:round/>
+                      <a:headEnd type="none" w="med" len="med"/>
+                      <a:tailEnd type="none" w="med" len="med"/>
+                    </a:lnT>
+                    <a:lnB w="12700" cap="flat" cmpd="sng" algn="ctr">
+                      <a:solidFill>
+                        <a:schemeClr val="tx1"/>
+                      </a:solidFill>
+                      <a:prstDash val="solid"/>
+                      <a:round/>
+                      <a:headEnd type="none" w="med" len="med"/>
+                      <a:tailEnd type="none" w="med" len="med"/>
+                    </a:lnB>
+                    <a:solidFill>
+                      <a:schemeClr val="bg1"/>
+                    </a:solidFill>
+                  </a:tcPr>
+                </a:tc>
+                <a:tc>
+                  <a:txBody>
+                    <a:bodyPr/>
+                    <a:lstStyle/>
+                    <a:p>
+                      <a:endParaRPr lang="fr-FR" sz="1000" b="0" dirty="0">
+                        <a:solidFill>
+                          <a:schemeClr val="tx1"/>
+                        </a:solidFill>
+                      </a:endParaRPr>
+                    </a:p>
+                  </a:txBody>
+                  <a:tcPr>
+                    <a:lnL w="12700" cap="flat" cmpd="sng" algn="ctr">
+                      <a:solidFill>
+                        <a:schemeClr val="tx1"/>
+                      </a:solidFill>
+                      <a:prstDash val="solid"/>
+                      <a:round/>
+                      <a:headEnd type="none" w="med" len="med"/>
+                      <a:tailEnd type="none" w="med" len="med"/>
+                    </a:lnL>
+                    <a:lnR w="12700" cap="flat" cmpd="sng" algn="ctr">
+                      <a:solidFill>
+                        <a:schemeClr val="tx1"/>
+                      </a:solidFill>
+                      <a:prstDash val="solid"/>
+                      <a:round/>
+                      <a:headEnd type="none" w="med" len="med"/>
+                      <a:tailEnd type="none" w="med" len="med"/>
+                    </a:lnR>
+                    <a:lnT w="12700" cap="flat" cmpd="sng" algn="ctr">
+                      <a:solidFill>
+                        <a:schemeClr val="tx1"/>
+                      </a:solidFill>
+                      <a:prstDash val="solid"/>
+                      <a:round/>
+                      <a:headEnd type="none" w="med" len="med"/>
+                      <a:tailEnd type="none" w="med" len="med"/>
+                    </a:lnT>
+                    <a:lnB w="12700" cap="flat" cmpd="sng" algn="ctr">
+                      <a:solidFill>
+                        <a:schemeClr val="tx1"/>
+                      </a:solidFill>
+                      <a:prstDash val="solid"/>
+                      <a:round/>
+                      <a:headEnd type="none" w="med" len="med"/>
+                      <a:tailEnd type="none" w="med" len="med"/>
+                    </a:lnB>
+                    <a:solidFill>
+                      <a:schemeClr val="bg1"/>
+                    </a:solidFill>
+                  </a:tcPr>
+                </a:tc>
+                <a:tc>
+                  <a:txBody>
+                    <a:bodyPr/>
+                    <a:lstStyle/>
+                    <a:p>
+                      <a:endParaRPr lang="fr-FR" sz="1000" b="0" dirty="0">
+                        <a:solidFill>
+                          <a:schemeClr val="tx1"/>
+                        </a:solidFill>
+                      </a:endParaRPr>
+                    </a:p>
+                  </a:txBody>
+                  <a:tcPr>
+                    <a:lnL w="12700" cap="flat" cmpd="sng" algn="ctr">
+                      <a:solidFill>
+                        <a:schemeClr val="tx1"/>
+                      </a:solidFill>
+                      <a:prstDash val="solid"/>
+                      <a:round/>
+                      <a:headEnd type="none" w="med" len="med"/>
+                      <a:tailEnd type="none" w="med" len="med"/>
+                    </a:lnL>
+                    <a:lnR w="12700" cap="flat" cmpd="sng" algn="ctr">
+                      <a:solidFill>
+                        <a:schemeClr val="tx1"/>
+                      </a:solidFill>
+                      <a:prstDash val="solid"/>
+                      <a:round/>
+                      <a:headEnd type="none" w="med" len="med"/>
+                      <a:tailEnd type="none" w="med" len="med"/>
+                    </a:lnR>
+                    <a:lnT w="12700" cap="flat" cmpd="sng" algn="ctr">
+                      <a:solidFill>
+                        <a:schemeClr val="tx1"/>
+                      </a:solidFill>
+                      <a:prstDash val="solid"/>
+                      <a:round/>
+                      <a:headEnd type="none" w="med" len="med"/>
+                      <a:tailEnd type="none" w="med" len="med"/>
+                    </a:lnT>
+                    <a:lnB w="12700" cap="flat" cmpd="sng" algn="ctr">
+                      <a:solidFill>
+                        <a:schemeClr val="tx1"/>
+                      </a:solidFill>
+                      <a:prstDash val="solid"/>
+                      <a:round/>
+                      <a:headEnd type="none" w="med" len="med"/>
+                      <a:tailEnd type="none" w="med" len="med"/>
+                    </a:lnB>
+                    <a:solidFill>
+                      <a:schemeClr val="bg1"/>
+                    </a:solidFill>
+                  </a:tcPr>
+                </a:tc>
+                <a:tc>
+                  <a:txBody>
+                    <a:bodyPr/>
+                    <a:lstStyle/>
+                    <a:p>
+                      <a:endParaRPr lang="fr-FR" sz="1000" b="0" dirty="0">
+                        <a:solidFill>
+                          <a:schemeClr val="tx1"/>
+                        </a:solidFill>
+                      </a:endParaRPr>
+                    </a:p>
+                  </a:txBody>
+                  <a:tcPr>
+                    <a:lnL w="12700" cap="flat" cmpd="sng" algn="ctr">
+                      <a:solidFill>
+                        <a:schemeClr val="tx1"/>
+                      </a:solidFill>
+                      <a:prstDash val="solid"/>
+                      <a:round/>
+                      <a:headEnd type="none" w="med" len="med"/>
+                      <a:tailEnd type="none" w="med" len="med"/>
+                    </a:lnL>
+                    <a:lnR w="12700" cap="flat" cmpd="sng" algn="ctr">
+                      <a:solidFill>
+                        <a:schemeClr val="tx1"/>
+                      </a:solidFill>
+                      <a:prstDash val="solid"/>
+                      <a:round/>
+                      <a:headEnd type="none" w="med" len="med"/>
+                      <a:tailEnd type="none" w="med" len="med"/>
+                    </a:lnR>
+                    <a:lnT w="12700" cap="flat" cmpd="sng" algn="ctr">
+                      <a:solidFill>
+                        <a:schemeClr val="tx1"/>
+                      </a:solidFill>
+                      <a:prstDash val="solid"/>
+                      <a:round/>
+                      <a:headEnd type="none" w="med" len="med"/>
+                      <a:tailEnd type="none" w="med" len="med"/>
+                    </a:lnT>
+                    <a:lnB w="12700" cap="flat" cmpd="sng" algn="ctr">
+                      <a:solidFill>
+                        <a:schemeClr val="tx1"/>
+                      </a:solidFill>
+                      <a:prstDash val="solid"/>
+                      <a:round/>
+                      <a:headEnd type="none" w="med" len="med"/>
+                      <a:tailEnd type="none" w="med" len="med"/>
+                    </a:lnB>
+                    <a:solidFill>
+                      <a:schemeClr val="bg1"/>
+                    </a:solidFill>
+                  </a:tcPr>
+                </a:tc>
+                <a:tc>
+                  <a:txBody>
+                    <a:bodyPr/>
+                    <a:lstStyle/>
+                    <a:p>
+                      <a:endParaRPr lang="fr-FR" sz="1000" b="0" dirty="0">
+                        <a:solidFill>
+                          <a:schemeClr val="tx1"/>
+                        </a:solidFill>
+                      </a:endParaRPr>
+                    </a:p>
+                  </a:txBody>
+                  <a:tcPr>
+                    <a:lnL w="12700" cap="flat" cmpd="sng" algn="ctr">
+                      <a:solidFill>
+                        <a:schemeClr val="tx1"/>
+                      </a:solidFill>
+                      <a:prstDash val="solid"/>
+                      <a:round/>
+                      <a:headEnd type="none" w="med" len="med"/>
+                      <a:tailEnd type="none" w="med" len="med"/>
+                    </a:lnL>
+                    <a:lnR w="12700" cap="flat" cmpd="sng" algn="ctr">
+                      <a:solidFill>
+                        <a:schemeClr val="tx1"/>
+                      </a:solidFill>
+                      <a:prstDash val="solid"/>
+                      <a:round/>
+                      <a:headEnd type="none" w="med" len="med"/>
+                      <a:tailEnd type="none" w="med" len="med"/>
+                    </a:lnR>
+                    <a:lnT w="12700" cap="flat" cmpd="sng" algn="ctr">
+                      <a:solidFill>
+                        <a:schemeClr val="tx1"/>
+                      </a:solidFill>
+                      <a:prstDash val="solid"/>
+                      <a:round/>
+                      <a:headEnd type="none" w="med" len="med"/>
+                      <a:tailEnd type="none" w="med" len="med"/>
+                    </a:lnT>
+                    <a:lnB w="12700" cap="flat" cmpd="sng" algn="ctr">
+                      <a:solidFill>
+                        <a:schemeClr val="tx1"/>
+                      </a:solidFill>
+                      <a:prstDash val="solid"/>
+                      <a:round/>
+                      <a:headEnd type="none" w="med" len="med"/>
+                      <a:tailEnd type="none" w="med" len="med"/>
+                    </a:lnB>
+                    <a:solidFill>
+                      <a:schemeClr val="bg1"/>
+                    </a:solidFill>
+                  </a:tcPr>
+                </a:tc>
+                <a:tc>
+                  <a:txBody>
+                    <a:bodyPr/>
+                    <a:lstStyle/>
+                    <a:p>
+                      <a:endParaRPr lang="fr-FR" sz="1000" b="0" dirty="0">
+                        <a:solidFill>
+                          <a:schemeClr val="tx1"/>
+                        </a:solidFill>
+                      </a:endParaRPr>
+                    </a:p>
+                  </a:txBody>
+                  <a:tcPr>
+                    <a:lnL w="12700" cap="flat" cmpd="sng" algn="ctr">
+                      <a:solidFill>
+                        <a:schemeClr val="tx1"/>
+                      </a:solidFill>
+                      <a:prstDash val="solid"/>
+                      <a:round/>
+                      <a:headEnd type="none" w="med" len="med"/>
+                      <a:tailEnd type="none" w="med" len="med"/>
+                    </a:lnL>
+                    <a:lnR w="12700" cap="flat" cmpd="sng" algn="ctr">
+                      <a:solidFill>
+                        <a:schemeClr val="tx1"/>
+                      </a:solidFill>
+                      <a:prstDash val="solid"/>
+                      <a:round/>
+                      <a:headEnd type="none" w="med" len="med"/>
+                      <a:tailEnd type="none" w="med" len="med"/>
+                    </a:lnR>
+                    <a:lnT w="12700" cap="flat" cmpd="sng" algn="ctr">
+                      <a:solidFill>
+                        <a:schemeClr val="tx1"/>
+                      </a:solidFill>
+                      <a:prstDash val="solid"/>
+                      <a:round/>
+                      <a:headEnd type="none" w="med" len="med"/>
+                      <a:tailEnd type="none" w="med" len="med"/>
+                    </a:lnT>
+                    <a:lnB w="12700" cap="flat" cmpd="sng" algn="ctr">
+                      <a:solidFill>
+                        <a:schemeClr val="tx1"/>
+                      </a:solidFill>
+                      <a:prstDash val="solid"/>
+                      <a:round/>
+                      <a:headEnd type="none" w="med" len="med"/>
+                      <a:tailEnd type="none" w="med" len="med"/>
+                    </a:lnB>
+                    <a:solidFill>
+                      <a:schemeClr val="bg1"/>
+                    </a:solidFill>
+                  </a:tcPr>
+                </a:tc>
+              </a:tr>
+            </a:tbl>
+          </a:graphicData>
+        </a:graphic>
+      </p:graphicFrame>
+      <p:cxnSp>
+        <p:nvCxnSpPr>
+          <p:cNvPr id="61" name="Connecteur droit avec flèche 60"/>
+          <p:cNvCxnSpPr/>
+          <p:nvPr/>
+        </p:nvCxnSpPr>
+        <p:spPr>
+          <a:xfrm flipV="1">
+            <a:off x="3526002" y="5030682"/>
+            <a:ext cx="0" cy="1506652"/>
+          </a:xfrm>
+          <a:prstGeom prst="straightConnector1">
+            <a:avLst/>
+          </a:prstGeom>
+          <a:ln w="28575">
+            <a:solidFill>
+              <a:schemeClr val="tx1"/>
+            </a:solidFill>
+            <a:tailEnd type="stealth" w="med" len="lg"/>
+          </a:ln>
+        </p:spPr>
+        <p:style>
+          <a:lnRef idx="1">
+            <a:schemeClr val="accent1"/>
+          </a:lnRef>
+          <a:fillRef idx="0">
+            <a:schemeClr val="accent1"/>
+          </a:fillRef>
+          <a:effectRef idx="0">
+            <a:schemeClr val="accent1"/>
+          </a:effectRef>
+          <a:fontRef idx="minor">
+            <a:schemeClr val="tx1"/>
+          </a:fontRef>
+        </p:style>
+      </p:cxnSp>
+      <p:cxnSp>
+        <p:nvCxnSpPr>
+          <p:cNvPr id="62" name="Connecteur droit avec flèche 61"/>
+          <p:cNvCxnSpPr/>
+          <p:nvPr/>
+        </p:nvCxnSpPr>
+        <p:spPr>
+          <a:xfrm>
+            <a:off x="3542976" y="6537334"/>
+            <a:ext cx="2137744" cy="0"/>
+          </a:xfrm>
+          <a:prstGeom prst="straightConnector1">
+            <a:avLst/>
+          </a:prstGeom>
+          <a:ln w="28575">
+            <a:solidFill>
+              <a:schemeClr val="tx1"/>
+            </a:solidFill>
+            <a:tailEnd type="stealth" w="med" len="lg"/>
+          </a:ln>
+        </p:spPr>
+        <p:style>
+          <a:lnRef idx="1">
+            <a:schemeClr val="accent1"/>
+          </a:lnRef>
+          <a:fillRef idx="0">
+            <a:schemeClr val="accent1"/>
+          </a:fillRef>
+          <a:effectRef idx="0">
+            <a:schemeClr val="accent1"/>
+          </a:effectRef>
+          <a:fontRef idx="minor">
+            <a:schemeClr val="tx1"/>
+          </a:fontRef>
+        </p:style>
+      </p:cxnSp>
+      <p:sp>
+        <p:nvSpPr>
+          <p:cNvPr id="63" name="Rectangle 62"/>
+          <p:cNvSpPr/>
+          <p:nvPr/>
+        </p:nvSpPr>
+        <p:spPr>
+          <a:xfrm>
+            <a:off x="5545445" y="6232117"/>
+            <a:ext cx="776175" cy="276999"/>
+          </a:xfrm>
+          <a:prstGeom prst="rect">
+            <a:avLst/>
+          </a:prstGeom>
+        </p:spPr>
+        <p:txBody>
+          <a:bodyPr wrap="none">
+            <a:spAutoFit/>
+          </a:bodyPr>
+          <a:lstStyle/>
+          <a:p>
+            <a:r>
+              <a:rPr lang="fr-FR" sz="1200" dirty="0" smtClean="0"/>
+              <a:t>Temps (s)</a:t>
+            </a:r>
+            <a:endParaRPr lang="fr-FR" sz="1200" dirty="0"/>
+          </a:p>
+        </p:txBody>
+      </p:sp>
+      <p:sp>
+        <p:nvSpPr>
+          <p:cNvPr id="64" name="Rectangle 63"/>
+          <p:cNvSpPr/>
+          <p:nvPr/>
+        </p:nvSpPr>
+        <p:spPr>
+          <a:xfrm>
+            <a:off x="3550757" y="5030682"/>
+            <a:ext cx="869277" cy="276999"/>
+          </a:xfrm>
+          <a:prstGeom prst="rect">
+            <a:avLst/>
+          </a:prstGeom>
+        </p:spPr>
+        <p:txBody>
+          <a:bodyPr wrap="none">
+            <a:spAutoFit/>
+          </a:bodyPr>
+          <a:lstStyle/>
+          <a:p>
+            <a:r>
+              <a:rPr lang="fr-FR" sz="1200" dirty="0" smtClean="0"/>
+              <a:t>Position (°)</a:t>
+            </a:r>
+            <a:endParaRPr lang="fr-FR" sz="1200" dirty="0"/>
+          </a:p>
+        </p:txBody>
+      </p:sp>
+      <p:sp>
+        <p:nvSpPr>
+          <p:cNvPr id="65" name="Rectangle 64"/>
+          <p:cNvSpPr/>
+          <p:nvPr/>
+        </p:nvSpPr>
+        <p:spPr>
+          <a:xfrm rot="16200000">
+            <a:off x="5757670" y="1796774"/>
+            <a:ext cx="1728193" cy="247009"/>
+          </a:xfrm>
+          <a:prstGeom prst="rect">
+            <a:avLst/>
+          </a:prstGeom>
+          <a:solidFill>
+            <a:schemeClr val="accent2">
+              <a:lumMod val="50000"/>
+            </a:schemeClr>
+          </a:solidFill>
+          <a:ln w="12700">
+            <a:solidFill>
+              <a:schemeClr val="accent2">
+                <a:lumMod val="50000"/>
+              </a:schemeClr>
+            </a:solidFill>
+          </a:ln>
+        </p:spPr>
+        <p:style>
+          <a:lnRef idx="2">
+            <a:schemeClr val="accent1">
+              <a:shade val="50000"/>
+            </a:schemeClr>
+          </a:lnRef>
+          <a:fillRef idx="1">
+            <a:schemeClr val="accent1"/>
+          </a:fillRef>
+          <a:effectRef idx="0">
+            <a:schemeClr val="accent1"/>
+          </a:effectRef>
+          <a:fontRef idx="minor">
+            <a:schemeClr val="lt1"/>
+          </a:fontRef>
+        </p:style>
+        <p:txBody>
+          <a:bodyPr rtlCol="0" anchor="ctr"/>
+          <a:lstStyle/>
+          <a:p>
+            <a:pPr algn="ctr"/>
+            <a:r>
+              <a:rPr lang="fr-FR" sz="1200" b="1" dirty="0" smtClean="0"/>
+              <a:t>Synthèse 2 et 3 –Bilan</a:t>
+            </a:r>
+            <a:endParaRPr lang="fr-FR" sz="1200" b="1" dirty="0"/>
+          </a:p>
+        </p:txBody>
+      </p:sp>
+      <p:sp>
+        <p:nvSpPr>
+          <p:cNvPr id="66" name="Rectangle 65"/>
+          <p:cNvSpPr/>
+          <p:nvPr/>
+        </p:nvSpPr>
+        <p:spPr>
+          <a:xfrm>
+            <a:off x="6498262" y="1066292"/>
+            <a:ext cx="6167234" cy="1718084"/>
+          </a:xfrm>
+          <a:prstGeom prst="rect">
+            <a:avLst/>
+          </a:prstGeom>
+          <a:noFill/>
+          <a:ln w="12700">
+            <a:solidFill>
+              <a:schemeClr val="accent2">
+                <a:lumMod val="50000"/>
+              </a:schemeClr>
+            </a:solidFill>
+          </a:ln>
+        </p:spPr>
+        <p:style>
+          <a:lnRef idx="2">
+            <a:schemeClr val="accent1">
+              <a:shade val="50000"/>
+            </a:schemeClr>
+          </a:lnRef>
+          <a:fillRef idx="1">
+            <a:schemeClr val="accent1"/>
+          </a:fillRef>
+          <a:effectRef idx="0">
+            <a:schemeClr val="accent1"/>
+          </a:effectRef>
+          <a:fontRef idx="minor">
+            <a:schemeClr val="lt1"/>
+          </a:fontRef>
+        </p:style>
+        <p:txBody>
+          <a:bodyPr rtlCol="0" anchor="ctr"/>
+          <a:lstStyle/>
+          <a:p>
+            <a:pPr algn="ctr"/>
+            <a:endParaRPr lang="fr-FR"/>
+          </a:p>
+        </p:txBody>
+      </p:sp>
+      <p:sp>
+        <p:nvSpPr>
+          <p:cNvPr id="67" name="Rectangle 66"/>
+          <p:cNvSpPr/>
+          <p:nvPr/>
+        </p:nvSpPr>
+        <p:spPr>
+          <a:xfrm rot="16200000">
+            <a:off x="5707937" y="3718715"/>
+            <a:ext cx="1827659" cy="247009"/>
+          </a:xfrm>
+          <a:prstGeom prst="rect">
+            <a:avLst/>
+          </a:prstGeom>
+          <a:solidFill>
+            <a:schemeClr val="accent2">
+              <a:lumMod val="50000"/>
+            </a:schemeClr>
+          </a:solidFill>
+          <a:ln w="12700">
+            <a:solidFill>
+              <a:schemeClr val="accent2">
+                <a:lumMod val="50000"/>
+              </a:schemeClr>
+            </a:solidFill>
+          </a:ln>
+        </p:spPr>
+        <p:style>
+          <a:lnRef idx="2">
+            <a:schemeClr val="accent1">
+              <a:shade val="50000"/>
+            </a:schemeClr>
+          </a:lnRef>
+          <a:fillRef idx="1">
+            <a:schemeClr val="accent1"/>
+          </a:fillRef>
+          <a:effectRef idx="0">
+            <a:schemeClr val="accent1"/>
+          </a:effectRef>
+          <a:fontRef idx="minor">
+            <a:schemeClr val="lt1"/>
+          </a:fontRef>
+        </p:style>
+        <p:txBody>
+          <a:bodyPr rtlCol="0" anchor="ctr"/>
+          <a:lstStyle/>
+          <a:p>
+            <a:pPr algn="ctr"/>
+            <a:r>
+              <a:rPr lang="fr-FR" sz="1200" b="1" dirty="0" smtClean="0"/>
+              <a:t>Synthèse 4 -Rampe</a:t>
+            </a:r>
+            <a:endParaRPr lang="fr-FR" sz="1200" b="1" dirty="0"/>
+          </a:p>
+        </p:txBody>
+      </p:sp>
+      <p:sp>
+        <p:nvSpPr>
+          <p:cNvPr id="68" name="Rectangle 67"/>
+          <p:cNvSpPr/>
+          <p:nvPr/>
+        </p:nvSpPr>
+        <p:spPr>
+          <a:xfrm>
+            <a:off x="6498262" y="2928389"/>
+            <a:ext cx="6167234" cy="1827662"/>
+          </a:xfrm>
+          <a:prstGeom prst="rect">
+            <a:avLst/>
+          </a:prstGeom>
+          <a:noFill/>
+          <a:ln w="12700">
+            <a:solidFill>
+              <a:schemeClr val="accent2">
+                <a:lumMod val="50000"/>
+              </a:schemeClr>
+            </a:solidFill>
+          </a:ln>
+        </p:spPr>
+        <p:style>
+          <a:lnRef idx="2">
+            <a:schemeClr val="accent1">
+              <a:shade val="50000"/>
+            </a:schemeClr>
+          </a:lnRef>
+          <a:fillRef idx="1">
+            <a:schemeClr val="accent1"/>
+          </a:fillRef>
+          <a:effectRef idx="0">
+            <a:schemeClr val="accent1"/>
+          </a:effectRef>
+          <a:fontRef idx="minor">
+            <a:schemeClr val="lt1"/>
+          </a:fontRef>
+        </p:style>
+        <p:txBody>
+          <a:bodyPr rtlCol="0" anchor="ctr"/>
+          <a:lstStyle/>
+          <a:p>
+            <a:pPr algn="ctr"/>
+            <a:endParaRPr lang="fr-FR"/>
+          </a:p>
+        </p:txBody>
+      </p:sp>
+      <p:sp>
+        <p:nvSpPr>
+          <p:cNvPr id="69" name="Rectangle 68"/>
+          <p:cNvSpPr/>
+          <p:nvPr/>
+        </p:nvSpPr>
+        <p:spPr>
+          <a:xfrm rot="16200000">
+            <a:off x="4404314" y="7093603"/>
+            <a:ext cx="4528014" cy="247009"/>
+          </a:xfrm>
+          <a:prstGeom prst="rect">
+            <a:avLst/>
+          </a:prstGeom>
+          <a:solidFill>
+            <a:schemeClr val="accent2">
+              <a:lumMod val="50000"/>
+            </a:schemeClr>
+          </a:solidFill>
+          <a:ln w="12700">
+            <a:solidFill>
+              <a:schemeClr val="accent2">
+                <a:lumMod val="50000"/>
+              </a:schemeClr>
+            </a:solidFill>
+          </a:ln>
+        </p:spPr>
+        <p:style>
+          <a:lnRef idx="2">
+            <a:schemeClr val="accent1">
+              <a:shade val="50000"/>
+            </a:schemeClr>
+          </a:lnRef>
+          <a:fillRef idx="1">
+            <a:schemeClr val="accent1"/>
+          </a:fillRef>
+          <a:effectRef idx="0">
+            <a:schemeClr val="accent1"/>
+          </a:effectRef>
+          <a:fontRef idx="minor">
+            <a:schemeClr val="lt1"/>
+          </a:fontRef>
+        </p:style>
+        <p:txBody>
+          <a:bodyPr rtlCol="0" anchor="ctr"/>
+          <a:lstStyle/>
+          <a:p>
+            <a:pPr algn="ctr"/>
+            <a:r>
+              <a:rPr lang="fr-FR" sz="1200" b="1" dirty="0" smtClean="0"/>
+              <a:t>Synthèse 5 – Entrée sinusoïdale</a:t>
+            </a:r>
+            <a:endParaRPr lang="fr-FR" sz="1200" b="1" dirty="0"/>
+          </a:p>
+        </p:txBody>
+      </p:sp>
+      <p:sp>
+        <p:nvSpPr>
+          <p:cNvPr id="70" name="Rectangle 69"/>
+          <p:cNvSpPr/>
+          <p:nvPr/>
+        </p:nvSpPr>
+        <p:spPr>
+          <a:xfrm>
+            <a:off x="6544816" y="4953100"/>
+            <a:ext cx="6167234" cy="4528021"/>
+          </a:xfrm>
+          <a:prstGeom prst="rect">
+            <a:avLst/>
+          </a:prstGeom>
+          <a:noFill/>
+          <a:ln w="12700">
+            <a:solidFill>
+              <a:schemeClr val="accent2">
+                <a:lumMod val="50000"/>
+              </a:schemeClr>
+            </a:solidFill>
+          </a:ln>
+        </p:spPr>
+        <p:style>
+          <a:lnRef idx="2">
+            <a:schemeClr val="accent1">
+              <a:shade val="50000"/>
+            </a:schemeClr>
+          </a:lnRef>
+          <a:fillRef idx="1">
+            <a:schemeClr val="accent1"/>
+          </a:fillRef>
+          <a:effectRef idx="0">
+            <a:schemeClr val="accent1"/>
+          </a:effectRef>
+          <a:fontRef idx="minor">
+            <a:schemeClr val="lt1"/>
+          </a:fontRef>
+        </p:style>
+        <p:txBody>
+          <a:bodyPr rtlCol="0" anchor="ctr"/>
+          <a:lstStyle/>
+          <a:p>
+            <a:pPr algn="ctr"/>
+            <a:endParaRPr lang="fr-FR"/>
+          </a:p>
+        </p:txBody>
+      </p:sp>
+      <p:sp>
+        <p:nvSpPr>
+          <p:cNvPr id="58" name="Rectangle 57"/>
+          <p:cNvSpPr/>
+          <p:nvPr/>
+        </p:nvSpPr>
+        <p:spPr>
+          <a:xfrm>
+            <a:off x="6745271" y="1129208"/>
+            <a:ext cx="2399699" cy="276999"/>
+          </a:xfrm>
+          <a:prstGeom prst="rect">
+            <a:avLst/>
+          </a:prstGeom>
+        </p:spPr>
+        <p:txBody>
+          <a:bodyPr wrap="square">
+            <a:spAutoFit/>
+          </a:bodyPr>
+          <a:lstStyle/>
+          <a:p>
+            <a:r>
+              <a:rPr lang="fr-FR" sz="1200" b="1" dirty="0" smtClean="0">
+                <a:solidFill>
+                  <a:schemeClr val="accent2">
+                    <a:lumMod val="50000"/>
+                  </a:schemeClr>
+                </a:solidFill>
+              </a:rPr>
+              <a:t>Influence de la valeur de l’entrée :</a:t>
+            </a:r>
+            <a:endParaRPr lang="fr-FR" sz="1200" b="1" dirty="0">
+              <a:solidFill>
+                <a:schemeClr val="accent2">
+                  <a:lumMod val="50000"/>
+                </a:schemeClr>
+              </a:solidFill>
+            </a:endParaRPr>
+          </a:p>
+        </p:txBody>
+      </p:sp>
+      <p:sp>
+        <p:nvSpPr>
+          <p:cNvPr id="72" name="Rectangle 71"/>
+          <p:cNvSpPr/>
+          <p:nvPr/>
+        </p:nvSpPr>
+        <p:spPr>
+          <a:xfrm>
+            <a:off x="6745272" y="1786834"/>
+            <a:ext cx="1650698" cy="276999"/>
+          </a:xfrm>
+          <a:prstGeom prst="rect">
+            <a:avLst/>
+          </a:prstGeom>
+        </p:spPr>
+        <p:txBody>
+          <a:bodyPr wrap="square">
+            <a:spAutoFit/>
+          </a:bodyPr>
+          <a:lstStyle/>
+          <a:p>
+            <a:r>
+              <a:rPr lang="fr-FR" sz="1200" b="1" dirty="0" smtClean="0">
+                <a:solidFill>
+                  <a:schemeClr val="accent2">
+                    <a:lumMod val="50000"/>
+                  </a:schemeClr>
+                </a:solidFill>
+              </a:rPr>
+              <a:t>Influence du gain </a:t>
+            </a:r>
+            <a:r>
+              <a:rPr lang="fr-FR" sz="1200" b="1" dirty="0" err="1" smtClean="0">
+                <a:solidFill>
+                  <a:schemeClr val="accent2">
+                    <a:lumMod val="50000"/>
+                  </a:schemeClr>
+                </a:solidFill>
+              </a:rPr>
+              <a:t>Kp</a:t>
+            </a:r>
+            <a:endParaRPr lang="fr-FR" sz="1200" b="1" dirty="0">
+              <a:solidFill>
+                <a:schemeClr val="accent2">
+                  <a:lumMod val="50000"/>
+                </a:schemeClr>
+              </a:solidFill>
+            </a:endParaRPr>
+          </a:p>
+        </p:txBody>
+      </p:sp>
+      <p:sp>
+        <p:nvSpPr>
+          <p:cNvPr id="73" name="Rectangle 72"/>
+          <p:cNvSpPr/>
+          <p:nvPr/>
+        </p:nvSpPr>
+        <p:spPr>
+          <a:xfrm>
+            <a:off x="6745272" y="2444460"/>
+            <a:ext cx="1959784" cy="276999"/>
+          </a:xfrm>
+          <a:prstGeom prst="rect">
+            <a:avLst/>
+          </a:prstGeom>
+        </p:spPr>
+        <p:txBody>
+          <a:bodyPr wrap="square">
+            <a:spAutoFit/>
+          </a:bodyPr>
+          <a:lstStyle/>
+          <a:p>
+            <a:r>
+              <a:rPr lang="fr-FR" sz="1200" b="1" dirty="0" smtClean="0">
+                <a:solidFill>
+                  <a:schemeClr val="accent2">
+                    <a:lumMod val="50000"/>
+                  </a:schemeClr>
+                </a:solidFill>
+              </a:rPr>
+              <a:t>Différence modèle - réel</a:t>
+            </a:r>
+            <a:endParaRPr lang="fr-FR" sz="1200" b="1" dirty="0">
+              <a:solidFill>
+                <a:schemeClr val="accent2">
+                  <a:lumMod val="50000"/>
+                </a:schemeClr>
+              </a:solidFill>
+            </a:endParaRPr>
+          </a:p>
+        </p:txBody>
+      </p:sp>
+      <p:cxnSp>
+        <p:nvCxnSpPr>
+          <p:cNvPr id="74" name="Connecteur droit avec flèche 73"/>
+          <p:cNvCxnSpPr/>
+          <p:nvPr/>
+        </p:nvCxnSpPr>
+        <p:spPr>
+          <a:xfrm flipV="1">
+            <a:off x="6904856" y="3088893"/>
+            <a:ext cx="0" cy="1506652"/>
+          </a:xfrm>
+          <a:prstGeom prst="straightConnector1">
+            <a:avLst/>
+          </a:prstGeom>
+          <a:ln w="28575">
+            <a:solidFill>
+              <a:schemeClr val="tx1"/>
+            </a:solidFill>
+            <a:tailEnd type="stealth" w="med" len="lg"/>
+          </a:ln>
+        </p:spPr>
+        <p:style>
+          <a:lnRef idx="1">
+            <a:schemeClr val="accent1"/>
+          </a:lnRef>
+          <a:fillRef idx="0">
+            <a:schemeClr val="accent1"/>
+          </a:fillRef>
+          <a:effectRef idx="0">
+            <a:schemeClr val="accent1"/>
+          </a:effectRef>
+          <a:fontRef idx="minor">
+            <a:schemeClr val="tx1"/>
+          </a:fontRef>
+        </p:style>
+      </p:cxnSp>
+      <p:cxnSp>
+        <p:nvCxnSpPr>
+          <p:cNvPr id="75" name="Connecteur droit avec flèche 74"/>
+          <p:cNvCxnSpPr/>
+          <p:nvPr/>
+        </p:nvCxnSpPr>
+        <p:spPr>
+          <a:xfrm>
+            <a:off x="6921830" y="4595545"/>
+            <a:ext cx="2137744" cy="0"/>
+          </a:xfrm>
+          <a:prstGeom prst="straightConnector1">
+            <a:avLst/>
+          </a:prstGeom>
+          <a:ln w="28575">
+            <a:solidFill>
+              <a:schemeClr val="tx1"/>
+            </a:solidFill>
+            <a:tailEnd type="stealth" w="med" len="lg"/>
+          </a:ln>
+        </p:spPr>
+        <p:style>
+          <a:lnRef idx="1">
+            <a:schemeClr val="accent1"/>
+          </a:lnRef>
+          <a:fillRef idx="0">
+            <a:schemeClr val="accent1"/>
+          </a:fillRef>
+          <a:effectRef idx="0">
+            <a:schemeClr val="accent1"/>
+          </a:effectRef>
+          <a:fontRef idx="minor">
+            <a:schemeClr val="tx1"/>
+          </a:fontRef>
+        </p:style>
+      </p:cxnSp>
+      <p:sp>
+        <p:nvSpPr>
+          <p:cNvPr id="76" name="Rectangle 75"/>
+          <p:cNvSpPr/>
+          <p:nvPr/>
+        </p:nvSpPr>
+        <p:spPr>
+          <a:xfrm>
+            <a:off x="10001200" y="2939423"/>
+            <a:ext cx="2664296" cy="276999"/>
+          </a:xfrm>
+          <a:prstGeom prst="rect">
+            <a:avLst/>
+          </a:prstGeom>
+        </p:spPr>
+        <p:txBody>
+          <a:bodyPr wrap="square">
+            <a:spAutoFit/>
+          </a:bodyPr>
+          <a:lstStyle/>
+          <a:p>
+            <a:r>
+              <a:rPr lang="fr-FR" sz="1200" b="1" dirty="0" smtClean="0">
+                <a:solidFill>
+                  <a:schemeClr val="accent2">
+                    <a:lumMod val="50000"/>
+                  </a:schemeClr>
+                </a:solidFill>
+              </a:rPr>
+              <a:t>Détermination de l’erreur de trainage</a:t>
+            </a:r>
+            <a:endParaRPr lang="fr-FR" sz="1200" b="1" dirty="0">
+              <a:solidFill>
+                <a:schemeClr val="accent2">
+                  <a:lumMod val="50000"/>
+                </a:schemeClr>
+              </a:solidFill>
+            </a:endParaRPr>
+          </a:p>
+        </p:txBody>
+      </p:sp>
+      <p:cxnSp>
+        <p:nvCxnSpPr>
+          <p:cNvPr id="77" name="Connecteur droit avec flèche 76"/>
+          <p:cNvCxnSpPr/>
+          <p:nvPr/>
+        </p:nvCxnSpPr>
+        <p:spPr>
+          <a:xfrm flipV="1">
+            <a:off x="7099960" y="5160639"/>
+            <a:ext cx="0" cy="2056471"/>
+          </a:xfrm>
+          <a:prstGeom prst="straightConnector1">
+            <a:avLst/>
+          </a:prstGeom>
+          <a:ln w="28575">
+            <a:solidFill>
+              <a:schemeClr val="tx1"/>
+            </a:solidFill>
+            <a:tailEnd type="stealth" w="med" len="lg"/>
+          </a:ln>
+        </p:spPr>
+        <p:style>
+          <a:lnRef idx="1">
+            <a:schemeClr val="accent1"/>
+          </a:lnRef>
+          <a:fillRef idx="0">
+            <a:schemeClr val="accent1"/>
+          </a:fillRef>
+          <a:effectRef idx="0">
+            <a:schemeClr val="accent1"/>
+          </a:effectRef>
+          <a:fontRef idx="minor">
+            <a:schemeClr val="tx1"/>
+          </a:fontRef>
+        </p:style>
+      </p:cxnSp>
+      <p:cxnSp>
+        <p:nvCxnSpPr>
+          <p:cNvPr id="78" name="Connecteur droit avec flèche 77"/>
+          <p:cNvCxnSpPr/>
+          <p:nvPr/>
+        </p:nvCxnSpPr>
+        <p:spPr>
+          <a:xfrm>
+            <a:off x="6927352" y="6232117"/>
+            <a:ext cx="3145856" cy="0"/>
+          </a:xfrm>
+          <a:prstGeom prst="straightConnector1">
+            <a:avLst/>
+          </a:prstGeom>
+          <a:ln w="28575">
+            <a:solidFill>
+              <a:schemeClr val="tx1"/>
+            </a:solidFill>
+            <a:tailEnd type="stealth" w="med" len="lg"/>
+          </a:ln>
+        </p:spPr>
+        <p:style>
+          <a:lnRef idx="1">
+            <a:schemeClr val="accent1"/>
+          </a:lnRef>
+          <a:fillRef idx="0">
+            <a:schemeClr val="accent1"/>
+          </a:fillRef>
+          <a:effectRef idx="0">
+            <a:schemeClr val="accent1"/>
+          </a:effectRef>
+          <a:fontRef idx="minor">
+            <a:schemeClr val="tx1"/>
+          </a:fontRef>
+        </p:style>
+      </p:cxnSp>
+      <p:sp>
+        <p:nvSpPr>
+          <p:cNvPr id="82" name="Rectangle 81"/>
+          <p:cNvSpPr/>
+          <p:nvPr/>
+        </p:nvSpPr>
+        <p:spPr>
+          <a:xfrm>
+            <a:off x="10001200" y="4955356"/>
+            <a:ext cx="2664296" cy="1569660"/>
+          </a:xfrm>
+          <a:prstGeom prst="rect">
+            <a:avLst/>
+          </a:prstGeom>
+        </p:spPr>
+        <p:txBody>
+          <a:bodyPr wrap="square">
+            <a:spAutoFit/>
+          </a:bodyPr>
+          <a:lstStyle/>
+          <a:p>
+            <a:r>
+              <a:rPr lang="fr-FR" sz="1200" b="1" dirty="0" smtClean="0">
+                <a:solidFill>
+                  <a:schemeClr val="accent2">
+                    <a:lumMod val="50000"/>
+                  </a:schemeClr>
+                </a:solidFill>
+              </a:rPr>
+              <a:t>Détermination du facteur d’amplification (gain)</a:t>
+            </a:r>
+          </a:p>
+          <a:p>
+            <a:endParaRPr lang="fr-FR" sz="1200" b="1" dirty="0" smtClean="0">
+              <a:solidFill>
+                <a:schemeClr val="accent2">
+                  <a:lumMod val="50000"/>
+                </a:schemeClr>
+              </a:solidFill>
+            </a:endParaRPr>
+          </a:p>
+          <a:p>
+            <a:endParaRPr lang="fr-FR" sz="1200" b="1" dirty="0">
+              <a:solidFill>
+                <a:schemeClr val="accent2">
+                  <a:lumMod val="50000"/>
+                </a:schemeClr>
+              </a:solidFill>
+            </a:endParaRPr>
+          </a:p>
+          <a:p>
+            <a:r>
+              <a:rPr lang="fr-FR" sz="1200" b="1" dirty="0" smtClean="0">
+                <a:solidFill>
+                  <a:schemeClr val="accent2">
+                    <a:lumMod val="50000"/>
+                  </a:schemeClr>
+                </a:solidFill>
+              </a:rPr>
+              <a:t>Détermination du déphasage</a:t>
+            </a:r>
+          </a:p>
+          <a:p>
+            <a:endParaRPr lang="fr-FR" sz="1200" b="1" dirty="0">
+              <a:solidFill>
+                <a:schemeClr val="accent2">
+                  <a:lumMod val="50000"/>
+                </a:schemeClr>
+              </a:solidFill>
+            </a:endParaRPr>
+          </a:p>
+          <a:p>
+            <a:endParaRPr lang="fr-FR" sz="1200" b="1" dirty="0" smtClean="0">
+              <a:solidFill>
+                <a:schemeClr val="accent2">
+                  <a:lumMod val="50000"/>
+                </a:schemeClr>
+              </a:solidFill>
+            </a:endParaRPr>
+          </a:p>
+          <a:p>
+            <a:r>
+              <a:rPr lang="fr-FR" sz="1200" b="1" dirty="0" smtClean="0">
+                <a:solidFill>
+                  <a:schemeClr val="accent2">
+                    <a:lumMod val="50000"/>
+                  </a:schemeClr>
+                </a:solidFill>
+              </a:rPr>
+              <a:t> </a:t>
+            </a:r>
+            <a:endParaRPr lang="fr-FR" sz="1200" b="1" dirty="0">
+              <a:solidFill>
+                <a:schemeClr val="accent2">
+                  <a:lumMod val="50000"/>
+                </a:schemeClr>
+              </a:solidFill>
+            </a:endParaRPr>
+          </a:p>
+        </p:txBody>
+      </p:sp>
+      <p:cxnSp>
+        <p:nvCxnSpPr>
+          <p:cNvPr id="60" name="Connecteur droit avec flèche 59"/>
+          <p:cNvCxnSpPr/>
+          <p:nvPr/>
+        </p:nvCxnSpPr>
+        <p:spPr>
+          <a:xfrm>
+            <a:off x="622639" y="5592688"/>
+            <a:ext cx="1817721" cy="0"/>
+          </a:xfrm>
+          <a:prstGeom prst="straightConnector1">
+            <a:avLst/>
+          </a:prstGeom>
+          <a:ln w="28575">
+            <a:solidFill>
+              <a:srgbClr val="FF0000"/>
+            </a:solidFill>
+            <a:tailEnd type="none" w="med" len="lg"/>
+          </a:ln>
+        </p:spPr>
+        <p:style>
+          <a:lnRef idx="1">
+            <a:schemeClr val="accent1"/>
+          </a:lnRef>
+          <a:fillRef idx="0">
+            <a:schemeClr val="accent1"/>
+          </a:fillRef>
+          <a:effectRef idx="0">
+            <a:schemeClr val="accent1"/>
+          </a:effectRef>
+          <a:fontRef idx="minor">
+            <a:schemeClr val="tx1"/>
+          </a:fontRef>
+        </p:style>
+      </p:cxnSp>
+      <p:cxnSp>
+        <p:nvCxnSpPr>
+          <p:cNvPr id="71" name="Connecteur droit avec flèche 70"/>
+          <p:cNvCxnSpPr/>
+          <p:nvPr/>
+        </p:nvCxnSpPr>
+        <p:spPr>
+          <a:xfrm>
+            <a:off x="3526002" y="5592688"/>
+            <a:ext cx="1817721" cy="0"/>
+          </a:xfrm>
+          <a:prstGeom prst="straightConnector1">
+            <a:avLst/>
+          </a:prstGeom>
+          <a:ln w="28575">
+            <a:solidFill>
+              <a:srgbClr val="FF0000"/>
+            </a:solidFill>
+            <a:tailEnd type="none" w="med" len="lg"/>
+          </a:ln>
+        </p:spPr>
+        <p:style>
+          <a:lnRef idx="1">
+            <a:schemeClr val="accent1"/>
+          </a:lnRef>
+          <a:fillRef idx="0">
+            <a:schemeClr val="accent1"/>
+          </a:fillRef>
+          <a:effectRef idx="0">
+            <a:schemeClr val="accent1"/>
+          </a:effectRef>
+          <a:fontRef idx="minor">
+            <a:schemeClr val="tx1"/>
+          </a:fontRef>
+        </p:style>
+      </p:cxnSp>
+      <mc:AlternateContent xmlns:mc="http://schemas.openxmlformats.org/markup-compatibility/2006">
+        <mc:Choice xmlns:a14="http://schemas.microsoft.com/office/drawing/2010/main" Requires="a14">
+          <p:sp>
+            <p:nvSpPr>
+              <p:cNvPr id="14" name="ZoneTexte 13"/>
+              <p:cNvSpPr txBox="1"/>
+              <p:nvPr/>
+            </p:nvSpPr>
+            <p:spPr>
+              <a:xfrm>
+                <a:off x="981914" y="5223379"/>
+                <a:ext cx="1736629" cy="307777"/>
+              </a:xfrm>
+              <a:prstGeom prst="rect">
+                <a:avLst/>
+              </a:prstGeom>
+              <a:noFill/>
+            </p:spPr>
+            <p:txBody>
+              <a:bodyPr wrap="none" rtlCol="0">
+                <a:spAutoFit/>
+              </a:bodyPr>
+              <a:lstStyle/>
+              <a:p>
+                <a14:m>
+                  <m:oMathPara xmlns:m="http://schemas.openxmlformats.org/officeDocument/2006/math">
+                    <m:oMathParaPr>
+                      <m:jc m:val="centerGroup"/>
+                    </m:oMathParaPr>
+                    <m:oMath xmlns:m="http://schemas.openxmlformats.org/officeDocument/2006/math">
+                      <m:sSub>
+                        <m:sSubPr>
+                          <m:ctrlPr>
+                            <a:rPr lang="fr-FR" sz="1400" b="0" i="1" smtClean="0">
+                              <a:latin typeface="Cambria Math"/>
+                            </a:rPr>
+                          </m:ctrlPr>
+                        </m:sSubPr>
+                        <m:e>
+                          <m:r>
+                            <a:rPr lang="fr-FR" sz="1400" b="0" i="1" smtClean="0">
+                              <a:latin typeface="Cambria Math"/>
+                            </a:rPr>
+                            <m:t>𝐸</m:t>
+                          </m:r>
+                        </m:e>
+                        <m:sub>
+                          <m:r>
+                            <a:rPr lang="fr-FR" sz="1400" b="0" i="1" smtClean="0">
+                              <a:latin typeface="Cambria Math"/>
+                            </a:rPr>
+                            <m:t>0</m:t>
+                          </m:r>
+                        </m:sub>
+                      </m:sSub>
+                      <m:r>
+                        <a:rPr lang="fr-FR" sz="1400" b="0" i="1" smtClean="0">
+                          <a:latin typeface="Cambria Math"/>
+                        </a:rPr>
+                        <m:t>=10°, </m:t>
+                      </m:r>
+                      <m:r>
+                        <a:rPr lang="fr-FR" sz="1400" b="0" i="1" smtClean="0">
+                          <a:latin typeface="Cambria Math"/>
+                        </a:rPr>
+                        <m:t>𝐾𝑝</m:t>
+                      </m:r>
+                      <m:r>
+                        <a:rPr lang="fr-FR" sz="1400" b="0" i="1" smtClean="0">
+                          <a:latin typeface="Cambria Math"/>
+                        </a:rPr>
+                        <m:t>=400</m:t>
+                      </m:r>
+                    </m:oMath>
+                  </m:oMathPara>
+                </a14:m>
+                <a:endParaRPr lang="fr-FR" sz="1400" dirty="0"/>
+              </a:p>
+            </p:txBody>
+          </p:sp>
+        </mc:Choice>
+        <mc:Fallback>
+          <p:sp>
+            <p:nvSpPr>
+              <p:cNvPr id="14" name="ZoneTexte 13"/>
+              <p:cNvSpPr txBox="1">
+                <a:spLocks noRot="1" noChangeAspect="1" noMove="1" noResize="1" noEditPoints="1" noAdjustHandles="1" noChangeArrowheads="1" noChangeShapeType="1" noTextEdit="1"/>
+              </p:cNvSpPr>
+              <p:nvPr/>
+            </p:nvSpPr>
+            <p:spPr>
+              <a:xfrm>
+                <a:off x="981914" y="5223379"/>
+                <a:ext cx="1736629" cy="307777"/>
+              </a:xfrm>
+              <a:prstGeom prst="rect">
+                <a:avLst/>
+              </a:prstGeom>
+              <a:blipFill rotWithShape="1">
+                <a:blip r:embed="rId5"/>
+                <a:stretch>
+                  <a:fillRect b="-6000"/>
+                </a:stretch>
+              </a:blipFill>
+            </p:spPr>
+            <p:txBody>
+              <a:bodyPr/>
+              <a:lstStyle/>
+              <a:p>
+                <a:r>
+                  <a:rPr lang="fr-FR">
+                    <a:noFill/>
+                  </a:rPr>
+                  <a:t> </a:t>
+                </a:r>
+              </a:p>
+            </p:txBody>
+          </p:sp>
+        </mc:Fallback>
+      </mc:AlternateContent>
+      <mc:AlternateContent xmlns:mc="http://schemas.openxmlformats.org/markup-compatibility/2006">
+        <mc:Choice xmlns:a14="http://schemas.microsoft.com/office/drawing/2010/main" Requires="a14">
+          <p:sp>
+            <p:nvSpPr>
+              <p:cNvPr id="79" name="ZoneTexte 78"/>
+              <p:cNvSpPr txBox="1"/>
+              <p:nvPr/>
+            </p:nvSpPr>
+            <p:spPr>
+              <a:xfrm>
+                <a:off x="4463841" y="5069490"/>
+                <a:ext cx="1836015" cy="307777"/>
+              </a:xfrm>
+              <a:prstGeom prst="rect">
+                <a:avLst/>
+              </a:prstGeom>
+              <a:noFill/>
+            </p:spPr>
+            <p:txBody>
+              <a:bodyPr wrap="none" rtlCol="0">
+                <a:spAutoFit/>
+              </a:bodyPr>
+              <a:lstStyle/>
+              <a:p>
+                <a14:m>
+                  <m:oMathPara xmlns:m="http://schemas.openxmlformats.org/officeDocument/2006/math">
+                    <m:oMathParaPr>
+                      <m:jc m:val="centerGroup"/>
+                    </m:oMathParaPr>
+                    <m:oMath xmlns:m="http://schemas.openxmlformats.org/officeDocument/2006/math">
+                      <m:sSub>
+                        <m:sSubPr>
+                          <m:ctrlPr>
+                            <a:rPr lang="fr-FR" sz="1400" b="0" i="1" smtClean="0">
+                              <a:latin typeface="Cambria Math"/>
+                            </a:rPr>
+                          </m:ctrlPr>
+                        </m:sSubPr>
+                        <m:e>
+                          <m:r>
+                            <a:rPr lang="fr-FR" sz="1400" b="0" i="1" smtClean="0">
+                              <a:latin typeface="Cambria Math"/>
+                            </a:rPr>
+                            <m:t>𝐸</m:t>
+                          </m:r>
+                        </m:e>
+                        <m:sub>
+                          <m:r>
+                            <a:rPr lang="fr-FR" sz="1400" b="0" i="1" smtClean="0">
+                              <a:latin typeface="Cambria Math"/>
+                            </a:rPr>
+                            <m:t>0</m:t>
+                          </m:r>
+                        </m:sub>
+                      </m:sSub>
+                      <m:r>
+                        <a:rPr lang="fr-FR" sz="1400" b="0" i="1" smtClean="0">
+                          <a:latin typeface="Cambria Math"/>
+                        </a:rPr>
+                        <m:t>=10°, </m:t>
+                      </m:r>
+                      <m:r>
+                        <a:rPr lang="fr-FR" sz="1400" b="0" i="1" smtClean="0">
+                          <a:latin typeface="Cambria Math"/>
+                        </a:rPr>
+                        <m:t>𝐾𝑝</m:t>
+                      </m:r>
+                      <m:r>
+                        <a:rPr lang="fr-FR" sz="1400" b="0" i="1" smtClean="0">
+                          <a:latin typeface="Cambria Math"/>
+                        </a:rPr>
+                        <m:t>=1500</m:t>
+                      </m:r>
+                    </m:oMath>
+                  </m:oMathPara>
+                </a14:m>
+                <a:endParaRPr lang="fr-FR" sz="1400" dirty="0"/>
+              </a:p>
+            </p:txBody>
+          </p:sp>
+        </mc:Choice>
+        <mc:Fallback>
+          <p:sp>
+            <p:nvSpPr>
+              <p:cNvPr id="79" name="ZoneTexte 78"/>
+              <p:cNvSpPr txBox="1">
+                <a:spLocks noRot="1" noChangeAspect="1" noMove="1" noResize="1" noEditPoints="1" noAdjustHandles="1" noChangeArrowheads="1" noChangeShapeType="1" noTextEdit="1"/>
+              </p:cNvSpPr>
+              <p:nvPr/>
+            </p:nvSpPr>
+            <p:spPr>
+              <a:xfrm>
+                <a:off x="4463841" y="5069490"/>
+                <a:ext cx="1836015" cy="307777"/>
+              </a:xfrm>
+              <a:prstGeom prst="rect">
+                <a:avLst/>
+              </a:prstGeom>
+              <a:blipFill rotWithShape="1">
+                <a:blip r:embed="rId6"/>
+                <a:stretch>
+                  <a:fillRect b="-6000"/>
+                </a:stretch>
+              </a:blipFill>
+            </p:spPr>
+            <p:txBody>
+              <a:bodyPr/>
+              <a:lstStyle/>
+              <a:p>
+                <a:r>
+                  <a:rPr lang="fr-FR">
+                    <a:noFill/>
+                  </a:rPr>
+                  <a:t> </a:t>
+                </a:r>
+              </a:p>
+            </p:txBody>
+          </p:sp>
+        </mc:Fallback>
+      </mc:AlternateContent>
+      <p:sp>
+        <p:nvSpPr>
+          <p:cNvPr id="44" name="Forme libre 43"/>
+          <p:cNvSpPr/>
+          <p:nvPr/>
+        </p:nvSpPr>
+        <p:spPr>
+          <a:xfrm>
+            <a:off x="638175" y="5695950"/>
+            <a:ext cx="1781175" cy="828675"/>
+          </a:xfrm>
+          <a:custGeom>
+            <a:avLst/>
+            <a:gdLst>
+              <a:gd name="connsiteX0" fmla="*/ 1921520 w 1921520"/>
+              <a:gd name="connsiteY0" fmla="*/ 0 h 976747"/>
+              <a:gd name="connsiteX1" fmla="*/ 140345 w 1921520"/>
+              <a:gd name="connsiteY1" fmla="*/ 914400 h 976747"/>
+              <a:gd name="connsiteX2" fmla="*/ 111770 w 1921520"/>
+              <a:gd name="connsiteY2" fmla="*/ 895350 h 976747"/>
+              <a:gd name="connsiteX3" fmla="*/ 102245 w 1921520"/>
+              <a:gd name="connsiteY3" fmla="*/ 895350 h 976747"/>
+              <a:gd name="connsiteX0" fmla="*/ 1921520 w 1921520"/>
+              <a:gd name="connsiteY0" fmla="*/ 0 h 976747"/>
+              <a:gd name="connsiteX1" fmla="*/ 140345 w 1921520"/>
+              <a:gd name="connsiteY1" fmla="*/ 914400 h 976747"/>
+              <a:gd name="connsiteX2" fmla="*/ 111770 w 1921520"/>
+              <a:gd name="connsiteY2" fmla="*/ 895350 h 976747"/>
+              <a:gd name="connsiteX0" fmla="*/ 1781175 w 1781175"/>
+              <a:gd name="connsiteY0" fmla="*/ 0 h 914400"/>
+              <a:gd name="connsiteX1" fmla="*/ 0 w 1781175"/>
+              <a:gd name="connsiteY1" fmla="*/ 914400 h 914400"/>
+              <a:gd name="connsiteX0" fmla="*/ 1781175 w 1781175"/>
+              <a:gd name="connsiteY0" fmla="*/ 0 h 914400"/>
+              <a:gd name="connsiteX1" fmla="*/ 0 w 1781175"/>
+              <a:gd name="connsiteY1" fmla="*/ 914400 h 914400"/>
+              <a:gd name="connsiteX0" fmla="*/ 1781175 w 1781175"/>
+              <a:gd name="connsiteY0" fmla="*/ 0 h 828675"/>
+              <a:gd name="connsiteX1" fmla="*/ 0 w 1781175"/>
+              <a:gd name="connsiteY1" fmla="*/ 828675 h 828675"/>
+              <a:gd name="connsiteX0" fmla="*/ 1781175 w 1781175"/>
+              <a:gd name="connsiteY0" fmla="*/ 0 h 828675"/>
+              <a:gd name="connsiteX1" fmla="*/ 0 w 1781175"/>
+              <a:gd name="connsiteY1" fmla="*/ 828675 h 828675"/>
+              <a:gd name="connsiteX0" fmla="*/ 1781175 w 1781175"/>
+              <a:gd name="connsiteY0" fmla="*/ 0 h 828675"/>
+              <a:gd name="connsiteX1" fmla="*/ 0 w 1781175"/>
+              <a:gd name="connsiteY1" fmla="*/ 828675 h 828675"/>
+            </a:gdLst>
+            <a:ahLst/>
+            <a:cxnLst>
+              <a:cxn ang="0">
+                <a:pos x="connsiteX0" y="connsiteY0"/>
+              </a:cxn>
+              <a:cxn ang="0">
+                <a:pos x="connsiteX1" y="connsiteY1"/>
+              </a:cxn>
+            </a:cxnLst>
+            <a:rect l="l" t="t" r="r" b="b"/>
+            <a:pathLst>
+              <a:path w="1781175" h="828675">
+                <a:moveTo>
+                  <a:pt x="1781175" y="0"/>
+                </a:moveTo>
+                <a:cubicBezTo>
+                  <a:pt x="-298450" y="9525"/>
+                  <a:pt x="431800" y="85725"/>
+                  <a:pt x="0" y="828675"/>
+                </a:cubicBezTo>
+              </a:path>
+            </a:pathLst>
+          </a:custGeom>
+          <a:ln w="28575">
+            <a:solidFill>
+              <a:srgbClr val="00B050"/>
+            </a:solidFill>
+          </a:ln>
+        </p:spPr>
+        <p:style>
+          <a:lnRef idx="1">
+            <a:schemeClr val="accent1"/>
+          </a:lnRef>
+          <a:fillRef idx="0">
+            <a:schemeClr val="accent1"/>
+          </a:fillRef>
+          <a:effectRef idx="0">
+            <a:schemeClr val="accent1"/>
+          </a:effectRef>
+          <a:fontRef idx="minor">
+            <a:schemeClr val="tx1"/>
+          </a:fontRef>
+        </p:style>
+        <p:txBody>
+          <a:bodyPr rtlCol="0" anchor="ctr"/>
+          <a:lstStyle/>
+          <a:p>
+            <a:pPr algn="ctr"/>
+            <a:endParaRPr lang="fr-FR"/>
+          </a:p>
+        </p:txBody>
+      </p:sp>
+      <p:sp>
+        <p:nvSpPr>
+          <p:cNvPr id="80" name="Forme libre 79"/>
+          <p:cNvSpPr/>
+          <p:nvPr/>
+        </p:nvSpPr>
+        <p:spPr>
+          <a:xfrm>
+            <a:off x="3535713" y="5219385"/>
+            <a:ext cx="1790700" cy="1317950"/>
+          </a:xfrm>
+          <a:custGeom>
+            <a:avLst/>
+            <a:gdLst>
+              <a:gd name="connsiteX0" fmla="*/ 1921520 w 1921520"/>
+              <a:gd name="connsiteY0" fmla="*/ 0 h 976747"/>
+              <a:gd name="connsiteX1" fmla="*/ 140345 w 1921520"/>
+              <a:gd name="connsiteY1" fmla="*/ 914400 h 976747"/>
+              <a:gd name="connsiteX2" fmla="*/ 111770 w 1921520"/>
+              <a:gd name="connsiteY2" fmla="*/ 895350 h 976747"/>
+              <a:gd name="connsiteX3" fmla="*/ 102245 w 1921520"/>
+              <a:gd name="connsiteY3" fmla="*/ 895350 h 976747"/>
+              <a:gd name="connsiteX0" fmla="*/ 1921520 w 1921520"/>
+              <a:gd name="connsiteY0" fmla="*/ 0 h 976747"/>
+              <a:gd name="connsiteX1" fmla="*/ 140345 w 1921520"/>
+              <a:gd name="connsiteY1" fmla="*/ 914400 h 976747"/>
+              <a:gd name="connsiteX2" fmla="*/ 111770 w 1921520"/>
+              <a:gd name="connsiteY2" fmla="*/ 895350 h 976747"/>
+              <a:gd name="connsiteX0" fmla="*/ 1781175 w 1781175"/>
+              <a:gd name="connsiteY0" fmla="*/ 0 h 914400"/>
+              <a:gd name="connsiteX1" fmla="*/ 0 w 1781175"/>
+              <a:gd name="connsiteY1" fmla="*/ 914400 h 914400"/>
+              <a:gd name="connsiteX0" fmla="*/ 1781175 w 1781175"/>
+              <a:gd name="connsiteY0" fmla="*/ 0 h 914400"/>
+              <a:gd name="connsiteX1" fmla="*/ 0 w 1781175"/>
+              <a:gd name="connsiteY1" fmla="*/ 914400 h 914400"/>
+              <a:gd name="connsiteX0" fmla="*/ 1781175 w 1781175"/>
+              <a:gd name="connsiteY0" fmla="*/ 0 h 828675"/>
+              <a:gd name="connsiteX1" fmla="*/ 0 w 1781175"/>
+              <a:gd name="connsiteY1" fmla="*/ 828675 h 828675"/>
+              <a:gd name="connsiteX0" fmla="*/ 1781175 w 1781175"/>
+              <a:gd name="connsiteY0" fmla="*/ 0 h 828675"/>
+              <a:gd name="connsiteX1" fmla="*/ 0 w 1781175"/>
+              <a:gd name="connsiteY1" fmla="*/ 828675 h 828675"/>
+              <a:gd name="connsiteX0" fmla="*/ 1781175 w 1781175"/>
+              <a:gd name="connsiteY0" fmla="*/ 0 h 828675"/>
+              <a:gd name="connsiteX1" fmla="*/ 0 w 1781175"/>
+              <a:gd name="connsiteY1" fmla="*/ 828675 h 828675"/>
+              <a:gd name="connsiteX0" fmla="*/ 1781175 w 1781175"/>
+              <a:gd name="connsiteY0" fmla="*/ 554208 h 1382883"/>
+              <a:gd name="connsiteX1" fmla="*/ 0 w 1781175"/>
+              <a:gd name="connsiteY1" fmla="*/ 1382883 h 1382883"/>
+              <a:gd name="connsiteX0" fmla="*/ 1790700 w 1790700"/>
+              <a:gd name="connsiteY0" fmla="*/ 491447 h 1424897"/>
+              <a:gd name="connsiteX1" fmla="*/ 0 w 1790700"/>
+              <a:gd name="connsiteY1" fmla="*/ 1424897 h 1424897"/>
+              <a:gd name="connsiteX0" fmla="*/ 1790700 w 1790700"/>
+              <a:gd name="connsiteY0" fmla="*/ 384500 h 1317950"/>
+              <a:gd name="connsiteX1" fmla="*/ 0 w 1790700"/>
+              <a:gd name="connsiteY1" fmla="*/ 1317950 h 1317950"/>
+            </a:gdLst>
+            <a:ahLst/>
+            <a:cxnLst>
+              <a:cxn ang="0">
+                <a:pos x="connsiteX0" y="connsiteY0"/>
+              </a:cxn>
+              <a:cxn ang="0">
+                <a:pos x="connsiteX1" y="connsiteY1"/>
+              </a:cxn>
+            </a:cxnLst>
+            <a:rect l="l" t="t" r="r" b="b"/>
+            <a:pathLst>
+              <a:path w="1790700" h="1317950">
+                <a:moveTo>
+                  <a:pt x="1790700" y="384500"/>
+                </a:moveTo>
+                <a:cubicBezTo>
+                  <a:pt x="-355600" y="736925"/>
+                  <a:pt x="260350" y="-1206175"/>
+                  <a:pt x="0" y="1317950"/>
+                </a:cubicBezTo>
+              </a:path>
+            </a:pathLst>
+          </a:custGeom>
+          <a:ln w="28575">
+            <a:solidFill>
+              <a:srgbClr val="00B050"/>
+            </a:solidFill>
+          </a:ln>
+        </p:spPr>
+        <p:style>
+          <a:lnRef idx="1">
+            <a:schemeClr val="accent1"/>
+          </a:lnRef>
+          <a:fillRef idx="0">
+            <a:schemeClr val="accent1"/>
+          </a:fillRef>
+          <a:effectRef idx="0">
+            <a:schemeClr val="accent1"/>
+          </a:effectRef>
+          <a:fontRef idx="minor">
+            <a:schemeClr val="tx1"/>
+          </a:fontRef>
+        </p:style>
+        <p:txBody>
+          <a:bodyPr rtlCol="0" anchor="ctr"/>
+          <a:lstStyle/>
+          <a:p>
+            <a:pPr algn="ctr"/>
+            <a:endParaRPr lang="fr-FR"/>
+          </a:p>
+        </p:txBody>
+      </p:sp>
+      <p:sp>
+        <p:nvSpPr>
+          <p:cNvPr id="45" name="Forme libre 44"/>
+          <p:cNvSpPr/>
+          <p:nvPr/>
+        </p:nvSpPr>
+        <p:spPr>
+          <a:xfrm>
+            <a:off x="3505200" y="5270753"/>
+            <a:ext cx="1695450" cy="1244347"/>
+          </a:xfrm>
+          <a:custGeom>
+            <a:avLst/>
+            <a:gdLst>
+              <a:gd name="connsiteX0" fmla="*/ 0 w 1695450"/>
+              <a:gd name="connsiteY0" fmla="*/ 1244347 h 1244347"/>
+              <a:gd name="connsiteX1" fmla="*/ 457200 w 1695450"/>
+              <a:gd name="connsiteY1" fmla="*/ 15622 h 1244347"/>
+              <a:gd name="connsiteX2" fmla="*/ 771525 w 1695450"/>
+              <a:gd name="connsiteY2" fmla="*/ 520447 h 1244347"/>
+              <a:gd name="connsiteX3" fmla="*/ 1009650 w 1695450"/>
+              <a:gd name="connsiteY3" fmla="*/ 63247 h 1244347"/>
+              <a:gd name="connsiteX4" fmla="*/ 1266825 w 1695450"/>
+              <a:gd name="connsiteY4" fmla="*/ 482347 h 1244347"/>
+              <a:gd name="connsiteX5" fmla="*/ 1485900 w 1695450"/>
+              <a:gd name="connsiteY5" fmla="*/ 101347 h 1244347"/>
+              <a:gd name="connsiteX6" fmla="*/ 1695450 w 1695450"/>
+              <a:gd name="connsiteY6" fmla="*/ 529972 h 1244347"/>
+            </a:gdLst>
+            <a:ahLst/>
+            <a:cxnLst>
+              <a:cxn ang="0">
+                <a:pos x="connsiteX0" y="connsiteY0"/>
+              </a:cxn>
+              <a:cxn ang="0">
+                <a:pos x="connsiteX1" y="connsiteY1"/>
+              </a:cxn>
+              <a:cxn ang="0">
+                <a:pos x="connsiteX2" y="connsiteY2"/>
+              </a:cxn>
+              <a:cxn ang="0">
+                <a:pos x="connsiteX3" y="connsiteY3"/>
+              </a:cxn>
+              <a:cxn ang="0">
+                <a:pos x="connsiteX4" y="connsiteY4"/>
+              </a:cxn>
+              <a:cxn ang="0">
+                <a:pos x="connsiteX5" y="connsiteY5"/>
+              </a:cxn>
+              <a:cxn ang="0">
+                <a:pos x="connsiteX6" y="connsiteY6"/>
+              </a:cxn>
+            </a:cxnLst>
+            <a:rect l="l" t="t" r="r" b="b"/>
+            <a:pathLst>
+              <a:path w="1695450" h="1244347">
+                <a:moveTo>
+                  <a:pt x="0" y="1244347"/>
+                </a:moveTo>
+                <a:cubicBezTo>
+                  <a:pt x="164306" y="690309"/>
+                  <a:pt x="328613" y="136272"/>
+                  <a:pt x="457200" y="15622"/>
+                </a:cubicBezTo>
+                <a:cubicBezTo>
+                  <a:pt x="585788" y="-105028"/>
+                  <a:pt x="679450" y="512510"/>
+                  <a:pt x="771525" y="520447"/>
+                </a:cubicBezTo>
+                <a:cubicBezTo>
+                  <a:pt x="863600" y="528384"/>
+                  <a:pt x="927100" y="69597"/>
+                  <a:pt x="1009650" y="63247"/>
+                </a:cubicBezTo>
+                <a:cubicBezTo>
+                  <a:pt x="1092200" y="56897"/>
+                  <a:pt x="1187450" y="475997"/>
+                  <a:pt x="1266825" y="482347"/>
+                </a:cubicBezTo>
+                <a:cubicBezTo>
+                  <a:pt x="1346200" y="488697"/>
+                  <a:pt x="1414463" y="93409"/>
+                  <a:pt x="1485900" y="101347"/>
+                </a:cubicBezTo>
+                <a:cubicBezTo>
+                  <a:pt x="1557338" y="109284"/>
+                  <a:pt x="1626394" y="319628"/>
+                  <a:pt x="1695450" y="529972"/>
+                </a:cubicBezTo>
+              </a:path>
+            </a:pathLst>
+          </a:custGeom>
+          <a:ln w="28575"/>
+        </p:spPr>
+        <p:style>
+          <a:lnRef idx="1">
+            <a:schemeClr val="accent1"/>
+          </a:lnRef>
+          <a:fillRef idx="0">
+            <a:schemeClr val="accent1"/>
+          </a:fillRef>
+          <a:effectRef idx="0">
+            <a:schemeClr val="accent1"/>
+          </a:effectRef>
+          <a:fontRef idx="minor">
+            <a:schemeClr val="tx1"/>
+          </a:fontRef>
+        </p:style>
+        <p:txBody>
+          <a:bodyPr rtlCol="0" anchor="ctr"/>
+          <a:lstStyle/>
+          <a:p>
+            <a:pPr algn="ctr"/>
+            <a:endParaRPr lang="fr-FR"/>
+          </a:p>
+        </p:txBody>
+      </p:sp>
+      <p:sp>
+        <p:nvSpPr>
+          <p:cNvPr id="81" name="Rectangle 80"/>
+          <p:cNvSpPr/>
+          <p:nvPr/>
+        </p:nvSpPr>
+        <p:spPr>
+          <a:xfrm>
+            <a:off x="6857313" y="1404710"/>
+            <a:ext cx="5584345" cy="430887"/>
+          </a:xfrm>
+          <a:prstGeom prst="rect">
+            <a:avLst/>
+          </a:prstGeom>
+        </p:spPr>
+        <p:txBody>
+          <a:bodyPr wrap="square">
+            <a:spAutoFit/>
+          </a:bodyPr>
+          <a:lstStyle/>
+          <a:p>
+            <a:r>
+              <a:rPr lang="fr-FR" sz="1100" b="1" dirty="0" smtClean="0">
+                <a:solidFill>
+                  <a:srgbClr val="FF0000"/>
+                </a:solidFill>
+              </a:rPr>
+              <a:t>L’amplitude de l’échelon n’a pas d’influence sur les performances du systèmes… tant qu’on reste dans certaines limites d’utilisation…</a:t>
+            </a:r>
+            <a:endParaRPr lang="fr-FR" sz="1100" b="1" dirty="0">
+              <a:solidFill>
+                <a:srgbClr val="FF0000"/>
+              </a:solidFill>
+            </a:endParaRPr>
+          </a:p>
+        </p:txBody>
+      </p:sp>
+      <p:sp>
+        <p:nvSpPr>
+          <p:cNvPr id="83" name="Rectangle 82"/>
+          <p:cNvSpPr/>
+          <p:nvPr/>
+        </p:nvSpPr>
+        <p:spPr>
+          <a:xfrm>
+            <a:off x="6960549" y="2019607"/>
+            <a:ext cx="5584345" cy="430887"/>
+          </a:xfrm>
+          <a:prstGeom prst="rect">
+            <a:avLst/>
+          </a:prstGeom>
+        </p:spPr>
+        <p:txBody>
+          <a:bodyPr wrap="square">
+            <a:spAutoFit/>
+          </a:bodyPr>
+          <a:lstStyle/>
+          <a:p>
+            <a:r>
+              <a:rPr lang="fr-FR" sz="1100" b="1" dirty="0" smtClean="0">
+                <a:solidFill>
+                  <a:srgbClr val="FF0000"/>
+                </a:solidFill>
+              </a:rPr>
+              <a:t>Augmentation de </a:t>
+            </a:r>
+            <a:r>
+              <a:rPr lang="fr-FR" sz="1100" b="1" dirty="0" err="1" smtClean="0">
+                <a:solidFill>
+                  <a:srgbClr val="FF0000"/>
+                </a:solidFill>
+              </a:rPr>
+              <a:t>Kp</a:t>
+            </a:r>
+            <a:r>
+              <a:rPr lang="fr-FR" sz="1100" b="1" dirty="0" smtClean="0">
+                <a:solidFill>
+                  <a:srgbClr val="FF0000"/>
+                </a:solidFill>
+              </a:rPr>
+              <a:t> permet d’augmenter la précision.</a:t>
+            </a:r>
+          </a:p>
+          <a:p>
+            <a:r>
+              <a:rPr lang="fr-FR" sz="1100" b="1" dirty="0" smtClean="0">
+                <a:solidFill>
+                  <a:srgbClr val="FF0000"/>
+                </a:solidFill>
+              </a:rPr>
+              <a:t>En dessous d’un certain </a:t>
+            </a:r>
+            <a:r>
+              <a:rPr lang="fr-FR" sz="1100" b="1" dirty="0" err="1" smtClean="0">
+                <a:solidFill>
+                  <a:srgbClr val="FF0000"/>
+                </a:solidFill>
+              </a:rPr>
+              <a:t>Kp</a:t>
+            </a:r>
+            <a:r>
+              <a:rPr lang="fr-FR" sz="1100" b="1" dirty="0" smtClean="0">
+                <a:solidFill>
+                  <a:srgbClr val="FF0000"/>
+                </a:solidFill>
+              </a:rPr>
+              <a:t> tr5% diminue, au-delà d’un certain </a:t>
+            </a:r>
+            <a:r>
+              <a:rPr lang="fr-FR" sz="1100" b="1" dirty="0" err="1" smtClean="0">
+                <a:solidFill>
+                  <a:srgbClr val="FF0000"/>
+                </a:solidFill>
+              </a:rPr>
+              <a:t>Kp</a:t>
+            </a:r>
+            <a:r>
+              <a:rPr lang="fr-FR" sz="1100" b="1" dirty="0" smtClean="0">
+                <a:solidFill>
+                  <a:srgbClr val="FF0000"/>
+                </a:solidFill>
+              </a:rPr>
+              <a:t> tr5% augmente.</a:t>
+            </a:r>
+            <a:endParaRPr lang="fr-FR" sz="1100" b="1" dirty="0">
+              <a:solidFill>
+                <a:srgbClr val="FF0000"/>
+              </a:solidFill>
+            </a:endParaRPr>
+          </a:p>
+        </p:txBody>
+      </p:sp>
+      <p:sp>
+        <p:nvSpPr>
+          <p:cNvPr id="84" name="Rectangle 83"/>
+          <p:cNvSpPr/>
+          <p:nvPr/>
+        </p:nvSpPr>
+        <p:spPr>
+          <a:xfrm>
+            <a:off x="8500280" y="2419060"/>
+            <a:ext cx="4122028" cy="261610"/>
+          </a:xfrm>
+          <a:prstGeom prst="rect">
+            <a:avLst/>
+          </a:prstGeom>
+        </p:spPr>
+        <p:txBody>
+          <a:bodyPr wrap="square">
+            <a:spAutoFit/>
+          </a:bodyPr>
+          <a:lstStyle/>
+          <a:p>
+            <a:r>
+              <a:rPr lang="fr-FR" sz="1100" b="1" dirty="0" smtClean="0">
+                <a:solidFill>
+                  <a:srgbClr val="FF0000"/>
+                </a:solidFill>
+              </a:rPr>
+              <a:t>Globalement la cheville réelle est </a:t>
+            </a:r>
+            <a:r>
+              <a:rPr lang="fr-FR" sz="1100" b="1" smtClean="0">
+                <a:solidFill>
+                  <a:srgbClr val="FF0000"/>
+                </a:solidFill>
+              </a:rPr>
+              <a:t>moins précise et moins rapide. </a:t>
+            </a:r>
+            <a:endParaRPr lang="fr-FR" sz="1100" b="1" dirty="0">
+              <a:solidFill>
+                <a:srgbClr val="FF0000"/>
+              </a:solidFill>
+            </a:endParaRPr>
+          </a:p>
+        </p:txBody>
+      </p:sp>
+    </p:spTree>
+    <p:extLst>
+      <p:ext uri="{BB962C8B-B14F-4D97-AF65-F5344CB8AC3E}">
+        <p14:creationId xmlns:p14="http://schemas.microsoft.com/office/powerpoint/2010/main" val="3738008178"/>
       </p:ext>
     </p:extLst>
   </p:cSld>
